--- a/Materiale_per_tutor/Presentazione.pptx
+++ b/Materiale_per_tutor/Presentazione.pptx
@@ -1,6 +1,6 @@
 
 <file path=ppt/presentation.xml><?xml version="1.0" encoding="utf-8"?>
-<p:presentation xmlns:a="http://schemas.openxmlformats.org/drawingml/2006/main" xmlns:r="http://schemas.openxmlformats.org/officeDocument/2006/relationships" xmlns:p="http://schemas.openxmlformats.org/presentationml/2006/main" xmlns:m="http://schemas.openxmlformats.org/officeDocument/2006/math" xmlns:w="http://schemas.openxmlformats.org/wordprocessingml/2006/main" saveSubsetFonts="1">
+<p:presentation xmlns:a="http://schemas.openxmlformats.org/drawingml/2006/main" xmlns:r="http://schemas.openxmlformats.org/officeDocument/2006/relationships" xmlns:p="http://schemas.openxmlformats.org/presentationml/2006/main" saveSubsetFonts="1">
   <p:sldMasterIdLst>
     <p:sldMasterId id="2147483648" r:id="rId1"/>
   </p:sldMasterIdLst>
@@ -8,13 +8,15 @@
     <p:notesMasterId r:id="rId11"/>
   </p:notesMasterIdLst>
   <p:sldIdLst>
-    <p:sldId id="256" r:id="rId4"/>
-    <p:sldId id="257" r:id="rId5"/>
-    <p:sldId id="258" r:id="rId6"/>
-    <p:sldId id="259" r:id="rId7"/>
-    <p:sldId id="260" r:id="rId8"/>
-    <p:sldId id="261" r:id="rId9"/>
-    <p:sldId id="262" r:id="rId10"/>
+    <p:sldId id="256" r:id="rId2"/>
+    <p:sldId id="257" r:id="rId3"/>
+    <p:sldId id="258" r:id="rId4"/>
+    <p:sldId id="263" r:id="rId5"/>
+    <p:sldId id="259" r:id="rId6"/>
+    <p:sldId id="260" r:id="rId7"/>
+    <p:sldId id="261" r:id="rId8"/>
+    <p:sldId id="262" r:id="rId9"/>
+    <p:sldId id="264" r:id="rId10"/>
   </p:sldIdLst>
   <p:sldSz cx="12192000" cy="6858000"/>
   <p:notesSz cx="6858000" cy="9144000"/>
@@ -113,12 +115,28 @@
       </a:defRPr>
     </a:lvl9pPr>
   </p:defaultTextStyle>
+  <p:extLst>
+    <p:ext uri="{EFAFB233-063F-42B5-8137-9DF3F51BA10A}">
+      <p15:sldGuideLst xmlns:p15="http://schemas.microsoft.com/office/powerpoint/2012/main">
+        <p15:guide id="1" pos="3840">
+          <p15:clr>
+            <a:srgbClr val="A4A3A4"/>
+          </p15:clr>
+        </p15:guide>
+        <p15:guide id="2" orient="horz" pos="2160">
+          <p15:clr>
+            <a:srgbClr val="A4A3A4"/>
+          </p15:clr>
+        </p15:guide>
+      </p15:sldGuideLst>
+    </p:ext>
+  </p:extLst>
 </p:presentation>
 </file>
 
 <file path=ppt/notesMasters/notesMaster1.xml><?xml version="1.0" encoding="utf-8"?>
 <p:notesMaster xmlns:a="http://schemas.openxmlformats.org/drawingml/2006/main" xmlns:r="http://schemas.openxmlformats.org/officeDocument/2006/relationships" xmlns:p="http://schemas.openxmlformats.org/presentationml/2006/main">
-  <p:cSld name="">
+  <p:cSld>
     <p:bg>
       <p:bgRef idx="1001">
         <a:schemeClr val="bg1"/>
@@ -204,7 +222,7 @@
             </a:pPr>
             <a:fld id="{3632E96E-41F7-40C5-8419-297958CC00FA}" type="datetimeFigureOut">
               <a:rPr lang="en-US"/>
-              <a:t>10/30/2013</a:t>
+              <a:t>1/8/2026</a:t>
             </a:fld>
             <a:endParaRPr lang="en-US"/>
           </a:p>
@@ -214,7 +232,7 @@
         <p:nvSpPr>
           <p:cNvPr id="1544895990" name="Slide Image Placeholder 3"/>
           <p:cNvSpPr>
-            <a:spLocks noChangeAspect="1" noGrp="1" noRot="1"/>
+            <a:spLocks noGrp="1" noRot="1" noChangeAspect="1"/>
           </p:cNvSpPr>
           <p:nvPr>
             <p:ph type="sldImg" idx="2"/>
@@ -316,7 +334,6 @@
               <a:rPr lang="en-US"/>
               <a:t>Fifth level</a:t>
             </a:r>
-            <a:endParaRPr lang="en-US"/>
           </a:p>
         </p:txBody>
       </p:sp>
@@ -386,7 +403,7 @@
             </a:pPr>
             <a:fld id="{2E6999B8-B6B4-4561-A3CD-BBCDAB9FC9D9}" type="slidenum">
               <a:rPr lang="en-US"/>
-              <a:t>‹#›</a:t>
+              <a:t>‹N›</a:t>
             </a:fld>
             <a:endParaRPr lang="en-US"/>
           </a:p>
@@ -491,8 +508,8 @@
 </file>
 
 <file path=ppt/notesSlides/notesSlide1.xml><?xml version="1.0" encoding="utf-8"?>
-<p:notes xmlns:a="http://schemas.openxmlformats.org/drawingml/2006/main" xmlns:r="http://schemas.openxmlformats.org/officeDocument/2006/relationships" xmlns:p="http://schemas.openxmlformats.org/presentationml/2006/main" xmlns:m="http://schemas.openxmlformats.org/officeDocument/2006/math" xmlns:w="http://schemas.openxmlformats.org/wordprocessingml/2006/main">
-  <p:cSld name="">
+<p:notes xmlns:a="http://schemas.openxmlformats.org/drawingml/2006/main" xmlns:r="http://schemas.openxmlformats.org/officeDocument/2006/relationships" xmlns:p="http://schemas.openxmlformats.org/presentationml/2006/main">
+  <p:cSld>
     <p:spTree>
       <p:nvGrpSpPr>
         <p:cNvPr id="1" name=""/>
@@ -511,7 +528,7 @@
         <p:nvSpPr>
           <p:cNvPr id="825906942" name="Slide Image Placeholder 1"/>
           <p:cNvSpPr>
-            <a:spLocks noChangeAspect="1" noGrp="1" noRot="1"/>
+            <a:spLocks noGrp="1" noRot="1" noChangeAspect="1"/>
           </p:cNvSpPr>
           <p:nvPr>
             <p:ph type="sldImg"/>
@@ -584,8 +601,8 @@
 </file>
 
 <file path=ppt/notesSlides/notesSlide2.xml><?xml version="1.0" encoding="utf-8"?>
-<p:notes xmlns:a="http://schemas.openxmlformats.org/drawingml/2006/main" xmlns:r="http://schemas.openxmlformats.org/officeDocument/2006/relationships" xmlns:p="http://schemas.openxmlformats.org/presentationml/2006/main" xmlns:m="http://schemas.openxmlformats.org/officeDocument/2006/math" xmlns:w="http://schemas.openxmlformats.org/wordprocessingml/2006/main">
-  <p:cSld name="">
+<p:notes xmlns:a="http://schemas.openxmlformats.org/drawingml/2006/main" xmlns:r="http://schemas.openxmlformats.org/officeDocument/2006/relationships" xmlns:p="http://schemas.openxmlformats.org/presentationml/2006/main">
+  <p:cSld>
     <p:spTree>
       <p:nvGrpSpPr>
         <p:cNvPr id="1" name=""/>
@@ -604,7 +621,7 @@
         <p:nvSpPr>
           <p:cNvPr id="2" name="Slide Image Placeholder 1"/>
           <p:cNvSpPr>
-            <a:spLocks noChangeAspect="1" noGrp="1" noRot="1"/>
+            <a:spLocks noGrp="1" noRot="1" noChangeAspect="1"/>
           </p:cNvSpPr>
           <p:nvPr>
             <p:ph type="sldImg"/>
@@ -654,7 +671,7 @@
             </a:pPr>
             <a:fld id="{F035EF75-229D-A5AD-0EF0-80512B42CD57}" type="slidenum">
               <a:rPr/>
-              <a:t/>
+              <a:t>2</a:t>
             </a:fld>
             <a:endParaRPr/>
           </a:p>
@@ -669,8 +686,8 @@
 </file>
 
 <file path=ppt/notesSlides/notesSlide3.xml><?xml version="1.0" encoding="utf-8"?>
-<p:notes xmlns:a="http://schemas.openxmlformats.org/drawingml/2006/main" xmlns:r="http://schemas.openxmlformats.org/officeDocument/2006/relationships" xmlns:p="http://schemas.openxmlformats.org/presentationml/2006/main" xmlns:m="http://schemas.openxmlformats.org/officeDocument/2006/math" xmlns:w="http://schemas.openxmlformats.org/wordprocessingml/2006/main">
-  <p:cSld name="">
+<p:notes xmlns:a="http://schemas.openxmlformats.org/drawingml/2006/main" xmlns:r="http://schemas.openxmlformats.org/officeDocument/2006/relationships" xmlns:p="http://schemas.openxmlformats.org/presentationml/2006/main">
+  <p:cSld>
     <p:spTree>
       <p:nvGrpSpPr>
         <p:cNvPr id="1" name=""/>
@@ -689,7 +706,7 @@
         <p:nvSpPr>
           <p:cNvPr id="1155937102" name="Slide Image Placeholder 1"/>
           <p:cNvSpPr>
-            <a:spLocks noChangeAspect="1" noGrp="1" noRot="1"/>
+            <a:spLocks noGrp="1" noRot="1" noChangeAspect="1"/>
           </p:cNvSpPr>
           <p:nvPr>
             <p:ph type="sldImg"/>
@@ -739,7 +756,7 @@
             </a:pPr>
             <a:fld id="{6C52B67B-0923-2478-E62D-360A22373DFA}" type="slidenum">
               <a:rPr/>
-              <a:t/>
+              <a:t>3</a:t>
             </a:fld>
             <a:endParaRPr/>
           </a:p>
@@ -754,8 +771,8 @@
 </file>
 
 <file path=ppt/notesSlides/notesSlide4.xml><?xml version="1.0" encoding="utf-8"?>
-<p:notes xmlns:a="http://schemas.openxmlformats.org/drawingml/2006/main" xmlns:r="http://schemas.openxmlformats.org/officeDocument/2006/relationships" xmlns:p="http://schemas.openxmlformats.org/presentationml/2006/main" xmlns:m="http://schemas.openxmlformats.org/officeDocument/2006/math" xmlns:w="http://schemas.openxmlformats.org/wordprocessingml/2006/main">
-  <p:cSld name="">
+<p:notes xmlns:a="http://schemas.openxmlformats.org/drawingml/2006/main" xmlns:r="http://schemas.openxmlformats.org/officeDocument/2006/relationships" xmlns:p="http://schemas.openxmlformats.org/presentationml/2006/main">
+  <p:cSld>
     <p:spTree>
       <p:nvGrpSpPr>
         <p:cNvPr id="1" name=""/>
@@ -774,7 +791,7 @@
         <p:nvSpPr>
           <p:cNvPr id="1561770654" name="Slide Image Placeholder 1"/>
           <p:cNvSpPr>
-            <a:spLocks noChangeAspect="1" noGrp="1" noRot="1"/>
+            <a:spLocks noGrp="1" noRot="1" noChangeAspect="1"/>
           </p:cNvSpPr>
           <p:nvPr>
             <p:ph type="sldImg"/>
@@ -824,7 +841,97 @@
             </a:pPr>
             <a:fld id="{99677715-1BA3-7CE5-50E6-8E95DC912820}" type="slidenum">
               <a:rPr/>
-              <a:t/>
+              <a:t>4</a:t>
+            </a:fld>
+            <a:endParaRPr/>
+          </a:p>
+        </p:txBody>
+      </p:sp>
+    </p:spTree>
+    <p:extLst>
+      <p:ext uri="{BB962C8B-B14F-4D97-AF65-F5344CB8AC3E}">
+        <p14:creationId xmlns:p14="http://schemas.microsoft.com/office/powerpoint/2010/main" val="212530689"/>
+      </p:ext>
+    </p:extLst>
+  </p:cSld>
+  <p:clrMapOvr>
+    <a:masterClrMapping/>
+  </p:clrMapOvr>
+</p:notes>
+</file>
+
+<file path=ppt/notesSlides/notesSlide5.xml><?xml version="1.0" encoding="utf-8"?>
+<p:notes xmlns:a="http://schemas.openxmlformats.org/drawingml/2006/main" xmlns:r="http://schemas.openxmlformats.org/officeDocument/2006/relationships" xmlns:p="http://schemas.openxmlformats.org/presentationml/2006/main">
+  <p:cSld>
+    <p:spTree>
+      <p:nvGrpSpPr>
+        <p:cNvPr id="1" name=""/>
+        <p:cNvGrpSpPr/>
+        <p:nvPr/>
+      </p:nvGrpSpPr>
+      <p:grpSpPr bwMode="auto">
+        <a:xfrm>
+          <a:off x="0" y="0"/>
+          <a:ext cx="0" cy="0"/>
+          <a:chOff x="0" y="0"/>
+          <a:chExt cx="0" cy="0"/>
+        </a:xfrm>
+      </p:grpSpPr>
+      <p:sp>
+        <p:nvSpPr>
+          <p:cNvPr id="1561770654" name="Slide Image Placeholder 1"/>
+          <p:cNvSpPr>
+            <a:spLocks noGrp="1" noRot="1" noChangeAspect="1"/>
+          </p:cNvSpPr>
+          <p:nvPr>
+            <p:ph type="sldImg"/>
+          </p:nvPr>
+        </p:nvSpPr>
+        <p:spPr bwMode="auto"/>
+      </p:sp>
+      <p:sp>
+        <p:nvSpPr>
+          <p:cNvPr id="1373029962" name="Notes Placeholder 2"/>
+          <p:cNvSpPr>
+            <a:spLocks noGrp="1"/>
+          </p:cNvSpPr>
+          <p:nvPr>
+            <p:ph type="body" idx="1"/>
+          </p:nvPr>
+        </p:nvSpPr>
+        <p:spPr bwMode="auto"/>
+        <p:txBody>
+          <a:bodyPr/>
+          <a:lstStyle/>
+          <a:p>
+            <a:pPr>
+              <a:defRPr/>
+            </a:pPr>
+            <a:endParaRPr/>
+          </a:p>
+        </p:txBody>
+      </p:sp>
+      <p:sp>
+        <p:nvSpPr>
+          <p:cNvPr id="549801692" name="Slide Number Placeholder 3"/>
+          <p:cNvSpPr>
+            <a:spLocks noGrp="1"/>
+          </p:cNvSpPr>
+          <p:nvPr>
+            <p:ph type="sldNum" sz="quarter" idx="10"/>
+          </p:nvPr>
+        </p:nvSpPr>
+        <p:spPr bwMode="auto"/>
+        <p:txBody>
+          <a:bodyPr/>
+          <a:lstStyle/>
+          <a:p>
+            <a:pPr>
+              <a:defRPr/>
+            </a:pPr>
+            <a:fld id="{99677715-1BA3-7CE5-50E6-8E95DC912820}" type="slidenum">
+              <a:rPr/>
+              <a:t>5</a:t>
             </a:fld>
             <a:endParaRPr/>
           </a:p>
@@ -838,9 +945,9 @@
 </p:notes>
 </file>
 
-<file path=ppt/notesSlides/notesSlide5.xml><?xml version="1.0" encoding="utf-8"?>
-<p:notes xmlns:a="http://schemas.openxmlformats.org/drawingml/2006/main" xmlns:r="http://schemas.openxmlformats.org/officeDocument/2006/relationships" xmlns:p="http://schemas.openxmlformats.org/presentationml/2006/main" xmlns:m="http://schemas.openxmlformats.org/officeDocument/2006/math" xmlns:w="http://schemas.openxmlformats.org/wordprocessingml/2006/main">
-  <p:cSld name="">
+<file path=ppt/notesSlides/notesSlide6.xml><?xml version="1.0" encoding="utf-8"?>
+<p:notes xmlns:a="http://schemas.openxmlformats.org/drawingml/2006/main" xmlns:r="http://schemas.openxmlformats.org/officeDocument/2006/relationships" xmlns:p="http://schemas.openxmlformats.org/presentationml/2006/main">
+  <p:cSld>
     <p:spTree>
       <p:nvGrpSpPr>
         <p:cNvPr id="1" name=""/>
@@ -859,7 +966,7 @@
         <p:nvSpPr>
           <p:cNvPr id="2048986427" name="Slide Image Placeholder 1"/>
           <p:cNvSpPr>
-            <a:spLocks noChangeAspect="1" noGrp="1" noRot="1"/>
+            <a:spLocks noGrp="1" noRot="1" noChangeAspect="1"/>
           </p:cNvSpPr>
           <p:nvPr>
             <p:ph type="sldImg"/>
@@ -909,7 +1016,7 @@
             </a:pPr>
             <a:fld id="{60812077-4434-8086-8BE9-26326F27266C}" type="slidenum">
               <a:rPr/>
-              <a:t/>
+              <a:t>6</a:t>
             </a:fld>
             <a:endParaRPr/>
           </a:p>
@@ -923,9 +1030,9 @@
 </p:notes>
 </file>
 
-<file path=ppt/notesSlides/notesSlide6.xml><?xml version="1.0" encoding="utf-8"?>
-<p:notes xmlns:a="http://schemas.openxmlformats.org/drawingml/2006/main" xmlns:r="http://schemas.openxmlformats.org/officeDocument/2006/relationships" xmlns:p="http://schemas.openxmlformats.org/presentationml/2006/main" xmlns:m="http://schemas.openxmlformats.org/officeDocument/2006/math" xmlns:w="http://schemas.openxmlformats.org/wordprocessingml/2006/main">
-  <p:cSld name="">
+<file path=ppt/notesSlides/notesSlide7.xml><?xml version="1.0" encoding="utf-8"?>
+<p:notes xmlns:a="http://schemas.openxmlformats.org/drawingml/2006/main" xmlns:r="http://schemas.openxmlformats.org/officeDocument/2006/relationships" xmlns:p="http://schemas.openxmlformats.org/presentationml/2006/main">
+  <p:cSld>
     <p:spTree>
       <p:nvGrpSpPr>
         <p:cNvPr id="1" name=""/>
@@ -944,7 +1051,7 @@
         <p:nvSpPr>
           <p:cNvPr id="1810514602" name="Slide Image Placeholder 1"/>
           <p:cNvSpPr>
-            <a:spLocks noChangeAspect="1" noGrp="1" noRot="1"/>
+            <a:spLocks noGrp="1" noRot="1" noChangeAspect="1"/>
           </p:cNvSpPr>
           <p:nvPr>
             <p:ph type="sldImg"/>
@@ -994,7 +1101,7 @@
             </a:pPr>
             <a:fld id="{D23FD5B4-1C0B-BE39-178F-63B9C9E3F7E5}" type="slidenum">
               <a:rPr/>
-              <a:t/>
+              <a:t>7</a:t>
             </a:fld>
             <a:endParaRPr/>
           </a:p>
@@ -1008,9 +1115,9 @@
 </p:notes>
 </file>
 
-<file path=ppt/notesSlides/notesSlide7.xml><?xml version="1.0" encoding="utf-8"?>
-<p:notes xmlns:a="http://schemas.openxmlformats.org/drawingml/2006/main" xmlns:r="http://schemas.openxmlformats.org/officeDocument/2006/relationships" xmlns:p="http://schemas.openxmlformats.org/presentationml/2006/main" xmlns:m="http://schemas.openxmlformats.org/officeDocument/2006/math" xmlns:w="http://schemas.openxmlformats.org/wordprocessingml/2006/main">
-  <p:cSld name="">
+<file path=ppt/notesSlides/notesSlide8.xml><?xml version="1.0" encoding="utf-8"?>
+<p:notes xmlns:a="http://schemas.openxmlformats.org/drawingml/2006/main" xmlns:r="http://schemas.openxmlformats.org/officeDocument/2006/relationships" xmlns:p="http://schemas.openxmlformats.org/presentationml/2006/main">
+  <p:cSld>
     <p:spTree>
       <p:nvGrpSpPr>
         <p:cNvPr id="1" name=""/>
@@ -1029,7 +1136,7 @@
         <p:nvSpPr>
           <p:cNvPr id="1781373638" name="Slide Image Placeholder 1"/>
           <p:cNvSpPr>
-            <a:spLocks noChangeAspect="1" noGrp="1" noRot="1"/>
+            <a:spLocks noGrp="1" noRot="1" noChangeAspect="1"/>
           </p:cNvSpPr>
           <p:nvPr>
             <p:ph type="sldImg"/>
@@ -1079,7 +1186,7 @@
             </a:pPr>
             <a:fld id="{B29FB700-1A63-200E-0FF0-8C1AC862E336}" type="slidenum">
               <a:rPr/>
-              <a:t/>
+              <a:t>8</a:t>
             </a:fld>
             <a:endParaRPr/>
           </a:p>
@@ -1094,7 +1201,7 @@
 </file>
 
 <file path=ppt/slideLayouts/slideLayout1.xml><?xml version="1.0" encoding="utf-8"?>
-<p:sldLayout xmlns:a="http://schemas.openxmlformats.org/drawingml/2006/main" xmlns:r="http://schemas.openxmlformats.org/officeDocument/2006/relationships" xmlns:p="http://schemas.openxmlformats.org/presentationml/2006/main" xmlns:m="http://schemas.openxmlformats.org/officeDocument/2006/math" xmlns:w="http://schemas.openxmlformats.org/wordprocessingml/2006/main" matchingName="" preserve="1" showMasterPhAnim="0" showMasterSp="0" type="title" userDrawn="1">
+<p:sldLayout xmlns:a="http://schemas.openxmlformats.org/drawingml/2006/main" xmlns:r="http://schemas.openxmlformats.org/officeDocument/2006/relationships" xmlns:p="http://schemas.openxmlformats.org/presentationml/2006/main" showMasterSp="0" showMasterPhAnim="0" type="title" preserve="1" userDrawn="1">
   <p:cSld name="Title Slide">
     <p:spTree>
       <p:nvGrpSpPr>
@@ -1144,10 +1251,8 @@
               <a:defRPr/>
             </a:pPr>
             <a:r>
-              <a:rPr/>
               <a:t>Click to edit Master title style</a:t>
             </a:r>
-            <a:endParaRPr/>
           </a:p>
         </p:txBody>
       </p:sp>
@@ -1268,10 +1373,8 @@
               <a:defRPr/>
             </a:pPr>
             <a:r>
-              <a:rPr/>
               <a:t>Click to edit Master subtitle style</a:t>
             </a:r>
-            <a:endParaRPr/>
           </a:p>
         </p:txBody>
       </p:sp>
@@ -1294,8 +1397,8 @@
               <a:defRPr/>
             </a:pPr>
             <a:fld id="{51E84241-D031-42DE-84E4-CC10C30232F4}" type="datetimeFigureOut">
-              <a:rPr/>
-              <a:t>26.12.2019</a:t>
+              <a:rPr lang="it-IT"/>
+              <a:t>08/01/2026</a:t>
             </a:fld>
             <a:endParaRPr/>
           </a:p>
@@ -1343,7 +1446,7 @@
             </a:pPr>
             <a:fld id="{91974DF9-AD47-4691-BA21-BBFCE3637A9A}" type="slidenum">
               <a:rPr/>
-              <a:t>‹#›</a:t>
+              <a:t>‹N›</a:t>
             </a:fld>
             <a:endParaRPr/>
           </a:p>
@@ -3370,7 +3473,7 @@
 </file>
 
 <file path=ppt/slideLayouts/slideLayout10.xml><?xml version="1.0" encoding="utf-8"?>
-<p:sldLayout xmlns:a="http://schemas.openxmlformats.org/drawingml/2006/main" xmlns:r="http://schemas.openxmlformats.org/officeDocument/2006/relationships" xmlns:p="http://schemas.openxmlformats.org/presentationml/2006/main" xmlns:m="http://schemas.openxmlformats.org/officeDocument/2006/math" xmlns:w="http://schemas.openxmlformats.org/wordprocessingml/2006/main" matchingName="" preserve="1" showMasterPhAnim="0" showMasterSp="1" type="vertTx" userDrawn="1">
+<p:sldLayout xmlns:a="http://schemas.openxmlformats.org/drawingml/2006/main" xmlns:r="http://schemas.openxmlformats.org/officeDocument/2006/relationships" xmlns:p="http://schemas.openxmlformats.org/presentationml/2006/main" showMasterPhAnim="0" type="vertTx" preserve="1" userDrawn="1">
   <p:cSld name="Title and Vertical Text">
     <p:spTree>
       <p:nvGrpSpPr>
@@ -3405,10 +3508,8 @@
               <a:defRPr/>
             </a:pPr>
             <a:r>
-              <a:rPr/>
               <a:t>Click to edit Master title style</a:t>
             </a:r>
-            <a:endParaRPr/>
           </a:p>
         </p:txBody>
       </p:sp>
@@ -3431,50 +3532,40 @@
               <a:defRPr/>
             </a:pPr>
             <a:r>
-              <a:rPr/>
               <a:t>Click to edit Master text styles</a:t>
             </a:r>
-            <a:endParaRPr/>
           </a:p>
           <a:p>
             <a:pPr lvl="1">
               <a:defRPr/>
             </a:pPr>
             <a:r>
-              <a:rPr/>
               <a:t>Second level</a:t>
             </a:r>
-            <a:endParaRPr/>
           </a:p>
           <a:p>
             <a:pPr lvl="2">
               <a:defRPr/>
             </a:pPr>
             <a:r>
-              <a:rPr/>
               <a:t>Third level</a:t>
             </a:r>
-            <a:endParaRPr/>
           </a:p>
           <a:p>
             <a:pPr lvl="3">
               <a:defRPr/>
             </a:pPr>
             <a:r>
-              <a:rPr/>
               <a:t>Fourth level</a:t>
             </a:r>
-            <a:endParaRPr/>
           </a:p>
           <a:p>
             <a:pPr lvl="4">
               <a:defRPr/>
             </a:pPr>
             <a:r>
-              <a:rPr/>
               <a:t>Fifth level</a:t>
             </a:r>
-            <a:endParaRPr/>
           </a:p>
         </p:txBody>
       </p:sp>
@@ -3497,8 +3588,8 @@
               <a:defRPr/>
             </a:pPr>
             <a:fld id="{51E84241-D031-42DE-84E4-CC10C30232F4}" type="datetimeFigureOut">
-              <a:rPr/>
-              <a:t>26.12.2019</a:t>
+              <a:rPr lang="it-IT"/>
+              <a:t>08/01/2026</a:t>
             </a:fld>
             <a:endParaRPr/>
           </a:p>
@@ -3546,7 +3637,7 @@
             </a:pPr>
             <a:fld id="{91974DF9-AD47-4691-BA21-BBFCE3637A9A}" type="slidenum">
               <a:rPr/>
-              <a:t>‹#›</a:t>
+              <a:t>‹N›</a:t>
             </a:fld>
             <a:endParaRPr/>
           </a:p>
@@ -3561,7 +3652,7 @@
 </file>
 
 <file path=ppt/slideLayouts/slideLayout11.xml><?xml version="1.0" encoding="utf-8"?>
-<p:sldLayout xmlns:a="http://schemas.openxmlformats.org/drawingml/2006/main" xmlns:r="http://schemas.openxmlformats.org/officeDocument/2006/relationships" xmlns:p="http://schemas.openxmlformats.org/presentationml/2006/main" xmlns:m="http://schemas.openxmlformats.org/officeDocument/2006/math" xmlns:w="http://schemas.openxmlformats.org/wordprocessingml/2006/main" matchingName="" preserve="1" showMasterPhAnim="0" showMasterSp="1" type="vertTitleAndTx" userDrawn="1">
+<p:sldLayout xmlns:a="http://schemas.openxmlformats.org/drawingml/2006/main" xmlns:r="http://schemas.openxmlformats.org/officeDocument/2006/relationships" xmlns:p="http://schemas.openxmlformats.org/presentationml/2006/main" showMasterPhAnim="0" type="vertTitleAndTx" preserve="1" userDrawn="1">
   <p:cSld name="Vertical Title and Text">
     <p:spTree>
       <p:nvGrpSpPr>
@@ -3605,10 +3696,8 @@
               <a:defRPr/>
             </a:pPr>
             <a:r>
-              <a:rPr/>
               <a:t>Click to edit Master title style</a:t>
             </a:r>
-            <a:endParaRPr/>
           </a:p>
         </p:txBody>
       </p:sp>
@@ -3636,50 +3725,40 @@
               <a:defRPr/>
             </a:pPr>
             <a:r>
-              <a:rPr/>
               <a:t>Click to edit Master text styles</a:t>
             </a:r>
-            <a:endParaRPr/>
           </a:p>
           <a:p>
             <a:pPr lvl="1">
               <a:defRPr/>
             </a:pPr>
             <a:r>
-              <a:rPr/>
               <a:t>Second level</a:t>
             </a:r>
-            <a:endParaRPr/>
           </a:p>
           <a:p>
             <a:pPr lvl="2">
               <a:defRPr/>
             </a:pPr>
             <a:r>
-              <a:rPr/>
               <a:t>Third level</a:t>
             </a:r>
-            <a:endParaRPr/>
           </a:p>
           <a:p>
             <a:pPr lvl="3">
               <a:defRPr/>
             </a:pPr>
             <a:r>
-              <a:rPr/>
               <a:t>Fourth level</a:t>
             </a:r>
-            <a:endParaRPr/>
           </a:p>
           <a:p>
             <a:pPr lvl="4">
               <a:defRPr/>
             </a:pPr>
             <a:r>
-              <a:rPr/>
               <a:t>Fifth level</a:t>
             </a:r>
-            <a:endParaRPr/>
           </a:p>
         </p:txBody>
       </p:sp>
@@ -3702,8 +3781,8 @@
               <a:defRPr/>
             </a:pPr>
             <a:fld id="{51E84241-D031-42DE-84E4-CC10C30232F4}" type="datetimeFigureOut">
-              <a:rPr/>
-              <a:t>26.12.2019</a:t>
+              <a:rPr lang="it-IT"/>
+              <a:t>08/01/2026</a:t>
             </a:fld>
             <a:endParaRPr/>
           </a:p>
@@ -3751,7 +3830,7 @@
             </a:pPr>
             <a:fld id="{91974DF9-AD47-4691-BA21-BBFCE3637A9A}" type="slidenum">
               <a:rPr/>
-              <a:t>‹#›</a:t>
+              <a:t>‹N›</a:t>
             </a:fld>
             <a:endParaRPr/>
           </a:p>
@@ -3766,7 +3845,7 @@
 </file>
 
 <file path=ppt/slideLayouts/slideLayout2.xml><?xml version="1.0" encoding="utf-8"?>
-<p:sldLayout xmlns:a="http://schemas.openxmlformats.org/drawingml/2006/main" xmlns:r="http://schemas.openxmlformats.org/officeDocument/2006/relationships" xmlns:p="http://schemas.openxmlformats.org/presentationml/2006/main" xmlns:m="http://schemas.openxmlformats.org/officeDocument/2006/math" xmlns:w="http://schemas.openxmlformats.org/wordprocessingml/2006/main" matchingName="" preserve="1" showMasterPhAnim="0" showMasterSp="1" type="obj" userDrawn="1">
+<p:sldLayout xmlns:a="http://schemas.openxmlformats.org/drawingml/2006/main" xmlns:r="http://schemas.openxmlformats.org/officeDocument/2006/relationships" xmlns:p="http://schemas.openxmlformats.org/presentationml/2006/main" showMasterPhAnim="0" type="obj" preserve="1" userDrawn="1">
   <p:cSld name="Title and Content">
     <p:spTree>
       <p:nvGrpSpPr>
@@ -3801,10 +3880,8 @@
               <a:defRPr/>
             </a:pPr>
             <a:r>
-              <a:rPr/>
               <a:t>Click to edit Master title style</a:t>
             </a:r>
-            <a:endParaRPr/>
           </a:p>
         </p:txBody>
       </p:sp>
@@ -3827,50 +3904,40 @@
               <a:defRPr/>
             </a:pPr>
             <a:r>
-              <a:rPr/>
               <a:t>Click to edit Master text styles</a:t>
             </a:r>
-            <a:endParaRPr/>
           </a:p>
           <a:p>
             <a:pPr lvl="1">
               <a:defRPr/>
             </a:pPr>
             <a:r>
-              <a:rPr/>
               <a:t>Second level</a:t>
             </a:r>
-            <a:endParaRPr/>
           </a:p>
           <a:p>
             <a:pPr lvl="2">
               <a:defRPr/>
             </a:pPr>
             <a:r>
-              <a:rPr/>
               <a:t>Third level</a:t>
             </a:r>
-            <a:endParaRPr/>
           </a:p>
           <a:p>
             <a:pPr lvl="3">
               <a:defRPr/>
             </a:pPr>
             <a:r>
-              <a:rPr/>
               <a:t>Fourth level</a:t>
             </a:r>
-            <a:endParaRPr/>
           </a:p>
           <a:p>
             <a:pPr lvl="4">
               <a:defRPr/>
             </a:pPr>
             <a:r>
-              <a:rPr/>
               <a:t>Fifth level</a:t>
             </a:r>
-            <a:endParaRPr/>
           </a:p>
         </p:txBody>
       </p:sp>
@@ -3898,8 +3965,8 @@
               <a:defRPr/>
             </a:pPr>
             <a:fld id="{51E84241-D031-42DE-84E4-CC10C30232F4}" type="datetimeFigureOut">
-              <a:rPr/>
-              <a:t>26.12.2019</a:t>
+              <a:rPr lang="it-IT"/>
+              <a:t>08/01/2026</a:t>
             </a:fld>
             <a:endParaRPr/>
           </a:p>
@@ -3957,7 +4024,7 @@
             </a:pPr>
             <a:fld id="{91974DF9-AD47-4691-BA21-BBFCE3637A9A}" type="slidenum">
               <a:rPr/>
-              <a:t>‹#›</a:t>
+              <a:t>‹N›</a:t>
             </a:fld>
             <a:endParaRPr/>
           </a:p>
@@ -3972,7 +4039,7 @@
 </file>
 
 <file path=ppt/slideLayouts/slideLayout3.xml><?xml version="1.0" encoding="utf-8"?>
-<p:sldLayout xmlns:a="http://schemas.openxmlformats.org/drawingml/2006/main" xmlns:r="http://schemas.openxmlformats.org/officeDocument/2006/relationships" xmlns:p="http://schemas.openxmlformats.org/presentationml/2006/main" xmlns:m="http://schemas.openxmlformats.org/officeDocument/2006/math" xmlns:w="http://schemas.openxmlformats.org/wordprocessingml/2006/main" matchingName="" preserve="1" showMasterPhAnim="0" showMasterSp="1" type="secHead" userDrawn="1">
+<p:sldLayout xmlns:a="http://schemas.openxmlformats.org/drawingml/2006/main" xmlns:r="http://schemas.openxmlformats.org/officeDocument/2006/relationships" xmlns:p="http://schemas.openxmlformats.org/presentationml/2006/main" showMasterPhAnim="0" type="secHead" preserve="1" userDrawn="1">
   <p:cSld name="Section Header">
     <p:spTree>
       <p:nvGrpSpPr>
@@ -4020,10 +4087,8 @@
               <a:defRPr/>
             </a:pPr>
             <a:r>
-              <a:rPr/>
               <a:t>Click to edit Master title style</a:t>
             </a:r>
-            <a:endParaRPr/>
           </a:p>
         </p:txBody>
       </p:sp>
@@ -4142,10 +4207,8 @@
               <a:defRPr/>
             </a:pPr>
             <a:r>
-              <a:rPr/>
               <a:t>Click to edit Master text styles</a:t>
             </a:r>
-            <a:endParaRPr/>
           </a:p>
         </p:txBody>
       </p:sp>
@@ -4168,8 +4231,8 @@
               <a:defRPr/>
             </a:pPr>
             <a:fld id="{51E84241-D031-42DE-84E4-CC10C30232F4}" type="datetimeFigureOut">
-              <a:rPr/>
-              <a:t>26.12.2019</a:t>
+              <a:rPr lang="it-IT"/>
+              <a:t>08/01/2026</a:t>
             </a:fld>
             <a:endParaRPr/>
           </a:p>
@@ -4217,7 +4280,7 @@
             </a:pPr>
             <a:fld id="{91974DF9-AD47-4691-BA21-BBFCE3637A9A}" type="slidenum">
               <a:rPr/>
-              <a:t>‹#›</a:t>
+              <a:t>‹N›</a:t>
             </a:fld>
             <a:endParaRPr/>
           </a:p>
@@ -4232,7 +4295,7 @@
 </file>
 
 <file path=ppt/slideLayouts/slideLayout4.xml><?xml version="1.0" encoding="utf-8"?>
-<p:sldLayout xmlns:a="http://schemas.openxmlformats.org/drawingml/2006/main" xmlns:r="http://schemas.openxmlformats.org/officeDocument/2006/relationships" xmlns:p="http://schemas.openxmlformats.org/presentationml/2006/main" xmlns:m="http://schemas.openxmlformats.org/officeDocument/2006/math" xmlns:w="http://schemas.openxmlformats.org/wordprocessingml/2006/main" matchingName="" preserve="1" showMasterPhAnim="0" showMasterSp="1" type="twoObj" userDrawn="1">
+<p:sldLayout xmlns:a="http://schemas.openxmlformats.org/drawingml/2006/main" xmlns:r="http://schemas.openxmlformats.org/officeDocument/2006/relationships" xmlns:p="http://schemas.openxmlformats.org/presentationml/2006/main" showMasterPhAnim="0" type="twoObj" preserve="1" userDrawn="1">
   <p:cSld name="Two Content">
     <p:spTree>
       <p:nvGrpSpPr>
@@ -4300,50 +4363,40 @@
               <a:defRPr/>
             </a:pPr>
             <a:r>
-              <a:rPr/>
               <a:t>Click to edit Master text styles</a:t>
             </a:r>
-            <a:endParaRPr/>
           </a:p>
           <a:p>
             <a:pPr lvl="1">
               <a:defRPr/>
             </a:pPr>
             <a:r>
-              <a:rPr/>
               <a:t>Second level</a:t>
             </a:r>
-            <a:endParaRPr/>
           </a:p>
           <a:p>
             <a:pPr lvl="2">
               <a:defRPr/>
             </a:pPr>
             <a:r>
-              <a:rPr/>
               <a:t>Third level</a:t>
             </a:r>
-            <a:endParaRPr/>
           </a:p>
           <a:p>
             <a:pPr lvl="3">
               <a:defRPr/>
             </a:pPr>
             <a:r>
-              <a:rPr/>
               <a:t>Fourth level</a:t>
             </a:r>
-            <a:endParaRPr/>
           </a:p>
           <a:p>
             <a:pPr lvl="4">
               <a:defRPr/>
             </a:pPr>
             <a:r>
-              <a:rPr/>
               <a:t>Fifth level</a:t>
             </a:r>
-            <a:endParaRPr/>
           </a:p>
         </p:txBody>
       </p:sp>
@@ -4399,50 +4452,40 @@
               <a:defRPr/>
             </a:pPr>
             <a:r>
-              <a:rPr/>
               <a:t>Click to edit Master text styles</a:t>
             </a:r>
-            <a:endParaRPr/>
           </a:p>
           <a:p>
             <a:pPr lvl="1">
               <a:defRPr/>
             </a:pPr>
             <a:r>
-              <a:rPr/>
               <a:t>Second level</a:t>
             </a:r>
-            <a:endParaRPr/>
           </a:p>
           <a:p>
             <a:pPr lvl="2">
               <a:defRPr/>
             </a:pPr>
             <a:r>
-              <a:rPr/>
               <a:t>Third level</a:t>
             </a:r>
-            <a:endParaRPr/>
           </a:p>
           <a:p>
             <a:pPr lvl="3">
               <a:defRPr/>
             </a:pPr>
             <a:r>
-              <a:rPr/>
               <a:t>Fourth level</a:t>
             </a:r>
-            <a:endParaRPr/>
           </a:p>
           <a:p>
             <a:pPr lvl="4">
               <a:defRPr/>
             </a:pPr>
             <a:r>
-              <a:rPr/>
               <a:t>Fifth level</a:t>
             </a:r>
-            <a:endParaRPr/>
           </a:p>
         </p:txBody>
       </p:sp>
@@ -4465,8 +4508,8 @@
               <a:defRPr/>
             </a:pPr>
             <a:fld id="{51E84241-D031-42DE-84E4-CC10C30232F4}" type="datetimeFigureOut">
-              <a:rPr/>
-              <a:t>26.12.2019</a:t>
+              <a:rPr lang="it-IT"/>
+              <a:t>08/01/2026</a:t>
             </a:fld>
             <a:endParaRPr/>
           </a:p>
@@ -4514,7 +4557,7 @@
             </a:pPr>
             <a:fld id="{91974DF9-AD47-4691-BA21-BBFCE3637A9A}" type="slidenum">
               <a:rPr/>
-              <a:t>‹#›</a:t>
+              <a:t>‹N›</a:t>
             </a:fld>
             <a:endParaRPr/>
           </a:p>
@@ -4539,10 +4582,8 @@
               <a:defRPr/>
             </a:pPr>
             <a:r>
-              <a:rPr/>
               <a:t>Click to edit Master title style</a:t>
             </a:r>
-            <a:endParaRPr/>
           </a:p>
         </p:txBody>
       </p:sp>
@@ -4555,7 +4596,7 @@
 </file>
 
 <file path=ppt/slideLayouts/slideLayout5.xml><?xml version="1.0" encoding="utf-8"?>
-<p:sldLayout xmlns:a="http://schemas.openxmlformats.org/drawingml/2006/main" xmlns:r="http://schemas.openxmlformats.org/officeDocument/2006/relationships" xmlns:p="http://schemas.openxmlformats.org/presentationml/2006/main" xmlns:m="http://schemas.openxmlformats.org/officeDocument/2006/math" xmlns:w="http://schemas.openxmlformats.org/wordprocessingml/2006/main" matchingName="" preserve="1" showMasterPhAnim="0" showMasterSp="1" type="twoTxTwoObj" userDrawn="1">
+<p:sldLayout xmlns:a="http://schemas.openxmlformats.org/drawingml/2006/main" xmlns:r="http://schemas.openxmlformats.org/officeDocument/2006/relationships" xmlns:p="http://schemas.openxmlformats.org/presentationml/2006/main" showMasterPhAnim="0" type="twoTxTwoObj" preserve="1" userDrawn="1">
   <p:cSld name="Comparison">
     <p:spTree>
       <p:nvGrpSpPr>
@@ -4632,10 +4673,8 @@
               <a:defRPr/>
             </a:pPr>
             <a:r>
-              <a:rPr/>
               <a:t>Click to edit Master text styles</a:t>
             </a:r>
-            <a:endParaRPr/>
           </a:p>
         </p:txBody>
       </p:sp>
@@ -4691,50 +4730,40 @@
               <a:defRPr/>
             </a:pPr>
             <a:r>
-              <a:rPr/>
               <a:t>Click to edit Master text styles</a:t>
             </a:r>
-            <a:endParaRPr/>
           </a:p>
           <a:p>
             <a:pPr lvl="1">
               <a:defRPr/>
             </a:pPr>
             <a:r>
-              <a:rPr/>
               <a:t>Second level</a:t>
             </a:r>
-            <a:endParaRPr/>
           </a:p>
           <a:p>
             <a:pPr lvl="2">
               <a:defRPr/>
             </a:pPr>
             <a:r>
-              <a:rPr/>
               <a:t>Third level</a:t>
             </a:r>
-            <a:endParaRPr/>
           </a:p>
           <a:p>
             <a:pPr lvl="3">
               <a:defRPr/>
             </a:pPr>
             <a:r>
-              <a:rPr/>
               <a:t>Fourth level</a:t>
             </a:r>
-            <a:endParaRPr/>
           </a:p>
           <a:p>
             <a:pPr lvl="4">
               <a:defRPr/>
             </a:pPr>
             <a:r>
-              <a:rPr/>
               <a:t>Fifth level</a:t>
             </a:r>
-            <a:endParaRPr/>
           </a:p>
         </p:txBody>
       </p:sp>
@@ -4799,10 +4828,8 @@
               <a:defRPr/>
             </a:pPr>
             <a:r>
-              <a:rPr/>
               <a:t>Click to edit Master text styles</a:t>
             </a:r>
-            <a:endParaRPr/>
           </a:p>
         </p:txBody>
       </p:sp>
@@ -4858,50 +4885,40 @@
               <a:defRPr/>
             </a:pPr>
             <a:r>
-              <a:rPr/>
               <a:t>Click to edit Master text styles</a:t>
             </a:r>
-            <a:endParaRPr/>
           </a:p>
           <a:p>
             <a:pPr lvl="1">
               <a:defRPr/>
             </a:pPr>
             <a:r>
-              <a:rPr/>
               <a:t>Second level</a:t>
             </a:r>
-            <a:endParaRPr/>
           </a:p>
           <a:p>
             <a:pPr lvl="2">
               <a:defRPr/>
             </a:pPr>
             <a:r>
-              <a:rPr/>
               <a:t>Third level</a:t>
             </a:r>
-            <a:endParaRPr/>
           </a:p>
           <a:p>
             <a:pPr lvl="3">
               <a:defRPr/>
             </a:pPr>
             <a:r>
-              <a:rPr/>
               <a:t>Fourth level</a:t>
             </a:r>
-            <a:endParaRPr/>
           </a:p>
           <a:p>
             <a:pPr lvl="4">
               <a:defRPr/>
             </a:pPr>
             <a:r>
-              <a:rPr/>
               <a:t>Fifth level</a:t>
             </a:r>
-            <a:endParaRPr/>
           </a:p>
         </p:txBody>
       </p:sp>
@@ -4924,8 +4941,8 @@
               <a:defRPr/>
             </a:pPr>
             <a:fld id="{51E84241-D031-42DE-84E4-CC10C30232F4}" type="datetimeFigureOut">
-              <a:rPr/>
-              <a:t>26.12.2019</a:t>
+              <a:rPr lang="it-IT"/>
+              <a:t>08/01/2026</a:t>
             </a:fld>
             <a:endParaRPr/>
           </a:p>
@@ -4973,7 +4990,7 @@
             </a:pPr>
             <a:fld id="{91974DF9-AD47-4691-BA21-BBFCE3637A9A}" type="slidenum">
               <a:rPr/>
-              <a:t>‹#›</a:t>
+              <a:t>‹N›</a:t>
             </a:fld>
             <a:endParaRPr/>
           </a:p>
@@ -4998,10 +5015,8 @@
               <a:defRPr/>
             </a:pPr>
             <a:r>
-              <a:rPr/>
               <a:t>Click to edit Master title style</a:t>
             </a:r>
-            <a:endParaRPr/>
           </a:p>
         </p:txBody>
       </p:sp>
@@ -5014,7 +5029,7 @@
 </file>
 
 <file path=ppt/slideLayouts/slideLayout6.xml><?xml version="1.0" encoding="utf-8"?>
-<p:sldLayout xmlns:a="http://schemas.openxmlformats.org/drawingml/2006/main" xmlns:r="http://schemas.openxmlformats.org/officeDocument/2006/relationships" xmlns:p="http://schemas.openxmlformats.org/presentationml/2006/main" xmlns:m="http://schemas.openxmlformats.org/officeDocument/2006/math" xmlns:w="http://schemas.openxmlformats.org/wordprocessingml/2006/main" matchingName="" preserve="1" showMasterPhAnim="0" showMasterSp="1" type="titleOnly" userDrawn="1">
+<p:sldLayout xmlns:a="http://schemas.openxmlformats.org/drawingml/2006/main" xmlns:r="http://schemas.openxmlformats.org/officeDocument/2006/relationships" xmlns:p="http://schemas.openxmlformats.org/presentationml/2006/main" showMasterPhAnim="0" type="titleOnly" preserve="1" userDrawn="1">
   <p:cSld name="Title Only">
     <p:spTree>
       <p:nvGrpSpPr>
@@ -5049,10 +5064,8 @@
               <a:defRPr/>
             </a:pPr>
             <a:r>
-              <a:rPr/>
               <a:t>Click to edit Master title style</a:t>
             </a:r>
-            <a:endParaRPr/>
           </a:p>
         </p:txBody>
       </p:sp>
@@ -5075,8 +5088,8 @@
               <a:defRPr/>
             </a:pPr>
             <a:fld id="{51E84241-D031-42DE-84E4-CC10C30232F4}" type="datetimeFigureOut">
-              <a:rPr/>
-              <a:t>26.12.2019</a:t>
+              <a:rPr lang="it-IT"/>
+              <a:t>08/01/2026</a:t>
             </a:fld>
             <a:endParaRPr/>
           </a:p>
@@ -5124,7 +5137,7 @@
             </a:pPr>
             <a:fld id="{91974DF9-AD47-4691-BA21-BBFCE3637A9A}" type="slidenum">
               <a:rPr/>
-              <a:t>‹#›</a:t>
+              <a:t>‹N›</a:t>
             </a:fld>
             <a:endParaRPr/>
           </a:p>
@@ -5139,7 +5152,7 @@
 </file>
 
 <file path=ppt/slideLayouts/slideLayout7.xml><?xml version="1.0" encoding="utf-8"?>
-<p:sldLayout xmlns:a="http://schemas.openxmlformats.org/drawingml/2006/main" xmlns:r="http://schemas.openxmlformats.org/officeDocument/2006/relationships" xmlns:p="http://schemas.openxmlformats.org/presentationml/2006/main" xmlns:m="http://schemas.openxmlformats.org/officeDocument/2006/math" xmlns:w="http://schemas.openxmlformats.org/wordprocessingml/2006/main" matchingName="" preserve="1" showMasterPhAnim="0" showMasterSp="1" type="blank" userDrawn="1">
+<p:sldLayout xmlns:a="http://schemas.openxmlformats.org/drawingml/2006/main" xmlns:r="http://schemas.openxmlformats.org/officeDocument/2006/relationships" xmlns:p="http://schemas.openxmlformats.org/presentationml/2006/main" showMasterPhAnim="0" type="blank" preserve="1" userDrawn="1">
   <p:cSld name="Blank">
     <p:spTree>
       <p:nvGrpSpPr>
@@ -5174,8 +5187,8 @@
               <a:defRPr/>
             </a:pPr>
             <a:fld id="{51E84241-D031-42DE-84E4-CC10C30232F4}" type="datetimeFigureOut">
-              <a:rPr/>
-              <a:t>26.12.2019</a:t>
+              <a:rPr lang="it-IT"/>
+              <a:t>08/01/2026</a:t>
             </a:fld>
             <a:endParaRPr/>
           </a:p>
@@ -5223,7 +5236,7 @@
             </a:pPr>
             <a:fld id="{91974DF9-AD47-4691-BA21-BBFCE3637A9A}" type="slidenum">
               <a:rPr/>
-              <a:t>‹#›</a:t>
+              <a:t>‹N›</a:t>
             </a:fld>
             <a:endParaRPr/>
           </a:p>
@@ -5238,7 +5251,7 @@
 </file>
 
 <file path=ppt/slideLayouts/slideLayout8.xml><?xml version="1.0" encoding="utf-8"?>
-<p:sldLayout xmlns:a="http://schemas.openxmlformats.org/drawingml/2006/main" xmlns:r="http://schemas.openxmlformats.org/officeDocument/2006/relationships" xmlns:p="http://schemas.openxmlformats.org/presentationml/2006/main" xmlns:m="http://schemas.openxmlformats.org/officeDocument/2006/math" xmlns:w="http://schemas.openxmlformats.org/wordprocessingml/2006/main" matchingName="" preserve="1" showMasterPhAnim="0" showMasterSp="1" type="objTx" userDrawn="1">
+<p:sldLayout xmlns:a="http://schemas.openxmlformats.org/drawingml/2006/main" xmlns:r="http://schemas.openxmlformats.org/officeDocument/2006/relationships" xmlns:p="http://schemas.openxmlformats.org/presentationml/2006/main" showMasterPhAnim="0" type="objTx" preserve="1" userDrawn="1">
   <p:cSld name="Content with Caption">
     <p:spTree>
       <p:nvGrpSpPr>
@@ -5308,50 +5321,40 @@
               <a:defRPr/>
             </a:pPr>
             <a:r>
-              <a:rPr/>
               <a:t>Click to edit Master text styles</a:t>
             </a:r>
-            <a:endParaRPr/>
           </a:p>
           <a:p>
             <a:pPr lvl="1">
               <a:defRPr/>
             </a:pPr>
             <a:r>
-              <a:rPr/>
               <a:t>Second level</a:t>
             </a:r>
-            <a:endParaRPr/>
           </a:p>
           <a:p>
             <a:pPr lvl="2">
               <a:defRPr/>
             </a:pPr>
             <a:r>
-              <a:rPr/>
               <a:t>Third level</a:t>
             </a:r>
-            <a:endParaRPr/>
           </a:p>
           <a:p>
             <a:pPr lvl="3">
               <a:defRPr/>
             </a:pPr>
             <a:r>
-              <a:rPr/>
               <a:t>Fourth level</a:t>
             </a:r>
-            <a:endParaRPr/>
           </a:p>
           <a:p>
             <a:pPr lvl="4">
               <a:defRPr/>
             </a:pPr>
             <a:r>
-              <a:rPr/>
               <a:t>Fifth level</a:t>
             </a:r>
-            <a:endParaRPr/>
           </a:p>
         </p:txBody>
       </p:sp>
@@ -5424,10 +5427,8 @@
               <a:defRPr/>
             </a:pPr>
             <a:r>
-              <a:rPr/>
               <a:t>Click to edit Master text styles</a:t>
             </a:r>
-            <a:endParaRPr/>
           </a:p>
         </p:txBody>
       </p:sp>
@@ -5450,8 +5451,8 @@
               <a:defRPr/>
             </a:pPr>
             <a:fld id="{51E84241-D031-42DE-84E4-CC10C30232F4}" type="datetimeFigureOut">
-              <a:rPr/>
-              <a:t>26.12.2019</a:t>
+              <a:rPr lang="it-IT"/>
+              <a:t>08/01/2026</a:t>
             </a:fld>
             <a:endParaRPr/>
           </a:p>
@@ -5499,7 +5500,7 @@
             </a:pPr>
             <a:fld id="{6B5AA3AA-5EA9-4976-BF6C-9891F6110747}" type="slidenum">
               <a:rPr/>
-              <a:t>‹#›</a:t>
+              <a:t>‹N›</a:t>
             </a:fld>
             <a:endParaRPr/>
           </a:p>
@@ -5524,10 +5525,8 @@
               <a:defRPr/>
             </a:pPr>
             <a:r>
-              <a:rPr/>
               <a:t>Click to edit Master title style</a:t>
             </a:r>
-            <a:endParaRPr/>
           </a:p>
         </p:txBody>
       </p:sp>
@@ -5540,7 +5539,7 @@
 </file>
 
 <file path=ppt/slideLayouts/slideLayout9.xml><?xml version="1.0" encoding="utf-8"?>
-<p:sldLayout xmlns:a="http://schemas.openxmlformats.org/drawingml/2006/main" xmlns:r="http://schemas.openxmlformats.org/officeDocument/2006/relationships" xmlns:p="http://schemas.openxmlformats.org/presentationml/2006/main" xmlns:m="http://schemas.openxmlformats.org/officeDocument/2006/math" xmlns:w="http://schemas.openxmlformats.org/wordprocessingml/2006/main" matchingName="" preserve="1" showMasterPhAnim="0" showMasterSp="1" type="picTx" userDrawn="1">
+<p:sldLayout xmlns:a="http://schemas.openxmlformats.org/drawingml/2006/main" xmlns:r="http://schemas.openxmlformats.org/officeDocument/2006/relationships" xmlns:p="http://schemas.openxmlformats.org/presentationml/2006/main" showMasterPhAnim="0" type="picTx" preserve="1" userDrawn="1">
   <p:cSld name="Picture with Caption">
     <p:spTree>
       <p:nvGrpSpPr>
@@ -5584,10 +5583,8 @@
               <a:defRPr/>
             </a:pPr>
             <a:r>
-              <a:rPr/>
               <a:t>Click to edit Master title style</a:t>
             </a:r>
-            <a:endParaRPr/>
           </a:p>
         </p:txBody>
       </p:sp>
@@ -5652,10 +5649,8 @@
               <a:defRPr/>
             </a:pPr>
             <a:r>
-              <a:rPr/>
               <a:t>Click icon to add picture</a:t>
             </a:r>
-            <a:endParaRPr/>
           </a:p>
         </p:txBody>
       </p:sp>
@@ -5720,10 +5715,8 @@
               <a:defRPr/>
             </a:pPr>
             <a:r>
-              <a:rPr/>
               <a:t>Click to edit Master text styles</a:t>
             </a:r>
-            <a:endParaRPr/>
           </a:p>
         </p:txBody>
       </p:sp>
@@ -5746,8 +5739,8 @@
               <a:defRPr/>
             </a:pPr>
             <a:fld id="{51E84241-D031-42DE-84E4-CC10C30232F4}" type="datetimeFigureOut">
-              <a:rPr/>
-              <a:t>26.12.2019</a:t>
+              <a:rPr lang="it-IT"/>
+              <a:t>08/01/2026</a:t>
             </a:fld>
             <a:endParaRPr/>
           </a:p>
@@ -5795,7 +5788,7 @@
             </a:pPr>
             <a:fld id="{91974DF9-AD47-4691-BA21-BBFCE3637A9A}" type="slidenum">
               <a:rPr/>
-              <a:t>‹#›</a:t>
+              <a:t>‹N›</a:t>
             </a:fld>
             <a:endParaRPr/>
           </a:p>
@@ -5810,8 +5803,8 @@
 </file>
 
 <file path=ppt/slideMasters/slideMaster1.xml><?xml version="1.0" encoding="utf-8"?>
-<p:sldMaster xmlns:a="http://schemas.openxmlformats.org/drawingml/2006/main" xmlns:r="http://schemas.openxmlformats.org/officeDocument/2006/relationships" xmlns:p="http://schemas.openxmlformats.org/presentationml/2006/main" xmlns:m="http://schemas.openxmlformats.org/officeDocument/2006/math" xmlns:w="http://schemas.openxmlformats.org/wordprocessingml/2006/main" preserve="0">
-  <p:cSld name="">
+<p:sldMaster xmlns:a="http://schemas.openxmlformats.org/drawingml/2006/main" xmlns:r="http://schemas.openxmlformats.org/officeDocument/2006/relationships" xmlns:p="http://schemas.openxmlformats.org/presentationml/2006/main">
+  <p:cSld>
     <p:bg>
       <p:bgRef idx="1001">
         <a:schemeClr val="bg1"/>
@@ -9941,50 +9934,40 @@
               <a:defRPr/>
             </a:pPr>
             <a:r>
-              <a:rPr/>
               <a:t>Click to edit Master text styles</a:t>
             </a:r>
-            <a:endParaRPr/>
           </a:p>
           <a:p>
             <a:pPr lvl="1">
               <a:defRPr/>
             </a:pPr>
             <a:r>
-              <a:rPr/>
               <a:t>Second level</a:t>
             </a:r>
-            <a:endParaRPr/>
           </a:p>
           <a:p>
             <a:pPr lvl="2">
               <a:defRPr/>
             </a:pPr>
             <a:r>
-              <a:rPr/>
               <a:t>Third level</a:t>
             </a:r>
-            <a:endParaRPr/>
           </a:p>
           <a:p>
             <a:pPr lvl="3">
               <a:defRPr/>
             </a:pPr>
             <a:r>
-              <a:rPr/>
               <a:t>Fourth level</a:t>
             </a:r>
-            <a:endParaRPr/>
           </a:p>
           <a:p>
             <a:pPr lvl="4">
               <a:defRPr/>
             </a:pPr>
             <a:r>
-              <a:rPr/>
               <a:t>Fifth level</a:t>
             </a:r>
-            <a:endParaRPr/>
           </a:p>
         </p:txBody>
       </p:sp>
@@ -10022,10 +10005,8 @@
               <a:defRPr/>
             </a:pPr>
             <a:r>
-              <a:rPr/>
               <a:t>Click to edit Master title style</a:t>
             </a:r>
-            <a:endParaRPr/>
           </a:p>
         </p:txBody>
       </p:sp>
@@ -10064,7 +10045,7 @@
             </a:pPr>
             <a:fld id="{91974DF9-AD47-4691-BA21-BBFCE3637A9A}" type="slidenum">
               <a:rPr/>
-              <a:t>‹#›</a:t>
+              <a:t>‹N›</a:t>
             </a:fld>
             <a:endParaRPr/>
           </a:p>
@@ -10107,8 +10088,8 @@
               <a:defRPr/>
             </a:pPr>
             <a:fld id="{51E84241-D031-42DE-84E4-CC10C30232F4}" type="datetimeFigureOut">
-              <a:rPr/>
-              <a:t>26.12.2019</a:t>
+              <a:rPr lang="it-IT"/>
+              <a:t>08/01/2026</a:t>
             </a:fld>
             <a:endParaRPr/>
           </a:p>
@@ -10436,8 +10417,8 @@
 </file>
 
 <file path=ppt/slides/slide1.xml><?xml version="1.0" encoding="utf-8"?>
-<p:sld xmlns:a="http://schemas.openxmlformats.org/drawingml/2006/main" xmlns:r="http://schemas.openxmlformats.org/officeDocument/2006/relationships" xmlns:p="http://schemas.openxmlformats.org/presentationml/2006/main" xmlns:m="http://schemas.openxmlformats.org/officeDocument/2006/math" xmlns:w="http://schemas.openxmlformats.org/wordprocessingml/2006/main" xmlns:mc="http://schemas.openxmlformats.org/markup-compatibility/2006" showMasterPhAnim="0" showMasterSp="1" show="1">
-  <p:cSld name="">
+<p:sld xmlns:a="http://schemas.openxmlformats.org/drawingml/2006/main" xmlns:r="http://schemas.openxmlformats.org/officeDocument/2006/relationships" xmlns:p="http://schemas.openxmlformats.org/presentationml/2006/main" showMasterPhAnim="0">
+  <p:cSld>
     <p:spTree>
       <p:nvGrpSpPr>
         <p:cNvPr id="1" name=""/>
@@ -10463,7 +10444,7 @@
           </p:nvPr>
         </p:nvSpPr>
         <p:spPr bwMode="auto">
-          <a:xfrm flipH="0" flipV="0">
+          <a:xfrm>
             <a:off x="1512299" y="2237912"/>
             <a:ext cx="9144000" cy="1124089"/>
           </a:xfrm>
@@ -10476,14 +10457,14 @@
               <a:defRPr/>
             </a:pPr>
             <a:r>
-              <a:rPr lang="en-US">
-                <a:latin typeface="Caladea"/>
-                <a:ea typeface="Caladea"/>
-                <a:cs typeface="Caladea"/>
-              </a:rPr>
-              <a:t>Stage Informatica 2025</a:t>
-            </a:r>
-            <a:endParaRPr>
+              <a:rPr lang="en-US" dirty="0">
+                <a:latin typeface="Caladea"/>
+                <a:ea typeface="Caladea"/>
+                <a:cs typeface="Caladea"/>
+              </a:rPr>
+              <a:t>Stage Informatica 2026</a:t>
+            </a:r>
+            <a:endParaRPr dirty="0">
               <a:latin typeface="Caladea"/>
               <a:cs typeface="Caladea"/>
             </a:endParaRPr>
@@ -10514,14 +10495,94 @@
               <a:defRPr/>
             </a:pPr>
             <a:r>
-              <a:rPr lang="en-US">
-                <a:latin typeface="Caladea"/>
-                <a:ea typeface="Caladea"/>
-                <a:cs typeface="Caladea"/>
-              </a:rPr>
-              <a:t>Tocchiamo con mano il Machine Learning e rendiamolo alla portata di tutti</a:t>
-            </a:r>
-            <a:endParaRPr>
+              <a:rPr lang="en-US" dirty="0" err="1">
+                <a:latin typeface="Caladea"/>
+                <a:ea typeface="Caladea"/>
+                <a:cs typeface="Caladea"/>
+              </a:rPr>
+              <a:t>Tocchiamo</a:t>
+            </a:r>
+            <a:r>
+              <a:rPr lang="en-US" dirty="0">
+                <a:latin typeface="Caladea"/>
+                <a:ea typeface="Caladea"/>
+                <a:cs typeface="Caladea"/>
+              </a:rPr>
+              <a:t> con mano </a:t>
+            </a:r>
+            <a:r>
+              <a:rPr lang="en-US" dirty="0" err="1">
+                <a:latin typeface="Caladea"/>
+                <a:ea typeface="Caladea"/>
+                <a:cs typeface="Caladea"/>
+              </a:rPr>
+              <a:t>il</a:t>
+            </a:r>
+            <a:r>
+              <a:rPr lang="en-US" dirty="0">
+                <a:latin typeface="Caladea"/>
+                <a:ea typeface="Caladea"/>
+                <a:cs typeface="Caladea"/>
+              </a:rPr>
+              <a:t> Machine Learning e </a:t>
+            </a:r>
+            <a:r>
+              <a:rPr lang="en-US" dirty="0" err="1">
+                <a:latin typeface="Caladea"/>
+                <a:ea typeface="Caladea"/>
+                <a:cs typeface="Caladea"/>
+              </a:rPr>
+              <a:t>rendiamolo</a:t>
+            </a:r>
+            <a:r>
+              <a:rPr lang="en-US" dirty="0">
+                <a:latin typeface="Caladea"/>
+                <a:ea typeface="Caladea"/>
+                <a:cs typeface="Caladea"/>
+              </a:rPr>
+              <a:t> </a:t>
+            </a:r>
+            <a:r>
+              <a:rPr lang="en-US" dirty="0" err="1">
+                <a:latin typeface="Caladea"/>
+                <a:ea typeface="Caladea"/>
+                <a:cs typeface="Caladea"/>
+              </a:rPr>
+              <a:t>alla</a:t>
+            </a:r>
+            <a:r>
+              <a:rPr lang="en-US" dirty="0">
+                <a:latin typeface="Caladea"/>
+                <a:ea typeface="Caladea"/>
+                <a:cs typeface="Caladea"/>
+              </a:rPr>
+              <a:t> </a:t>
+            </a:r>
+            <a:r>
+              <a:rPr lang="en-US" dirty="0" err="1">
+                <a:latin typeface="Caladea"/>
+                <a:ea typeface="Caladea"/>
+                <a:cs typeface="Caladea"/>
+              </a:rPr>
+              <a:t>portata</a:t>
+            </a:r>
+            <a:r>
+              <a:rPr lang="en-US" dirty="0">
+                <a:latin typeface="Caladea"/>
+                <a:ea typeface="Caladea"/>
+                <a:cs typeface="Caladea"/>
+              </a:rPr>
+              <a:t> di </a:t>
+            </a:r>
+            <a:r>
+              <a:rPr lang="en-US" dirty="0" err="1">
+                <a:latin typeface="Caladea"/>
+                <a:ea typeface="Caladea"/>
+                <a:cs typeface="Caladea"/>
+              </a:rPr>
+              <a:t>tutti</a:t>
+            </a:r>
+            <a:endParaRPr dirty="0">
               <a:latin typeface="Caladea"/>
               <a:cs typeface="Caladea"/>
             </a:endParaRPr>
@@ -10533,20 +10594,12 @@
   <p:clrMapOvr>
     <a:masterClrMapping/>
   </p:clrMapOvr>
-  <mc:AlternateContent xmlns:mc="http://schemas.openxmlformats.org/markup-compatibility/2006">
-    <mc:Choice xmlns:p159="http://schemas.microsoft.com/office/powerpoint/2015/09/main" xmlns:p14="http://schemas.microsoft.com/office/powerpoint/2010/main" Requires="p159">
-      <p:transition p14:dur="2000" advClick="1"/>
-    </mc:Choice>
-    <mc:Fallback>
-      <p:transition advClick="1"/>
-    </mc:Fallback>
-  </mc:AlternateContent>
 </p:sld>
 </file>
 
 <file path=ppt/slides/slide2.xml><?xml version="1.0" encoding="utf-8"?>
-<p:sld xmlns:a="http://schemas.openxmlformats.org/drawingml/2006/main" xmlns:r="http://schemas.openxmlformats.org/officeDocument/2006/relationships" xmlns:p="http://schemas.openxmlformats.org/presentationml/2006/main" xmlns:m="http://schemas.openxmlformats.org/officeDocument/2006/math" xmlns:w="http://schemas.openxmlformats.org/wordprocessingml/2006/main" xmlns:mc="http://schemas.openxmlformats.org/markup-compatibility/2006" showMasterPhAnim="0" showMasterSp="1" show="1">
-  <p:cSld name="">
+<p:sld xmlns:a="http://schemas.openxmlformats.org/drawingml/2006/main" xmlns:r="http://schemas.openxmlformats.org/officeDocument/2006/relationships" xmlns:p="http://schemas.openxmlformats.org/presentationml/2006/main" showMasterPhAnim="0">
+  <p:cSld>
     <p:spTree>
       <p:nvGrpSpPr>
         <p:cNvPr id="1" name=""/>
@@ -10572,13 +10625,13 @@
           </p:nvPr>
         </p:nvSpPr>
         <p:spPr bwMode="auto">
-          <a:xfrm flipH="0" flipV="0">
+          <a:xfrm>
             <a:off x="609599" y="1108406"/>
             <a:ext cx="4486759" cy="556156"/>
           </a:xfrm>
         </p:spPr>
         <p:txBody>
-          <a:bodyPr vertOverflow="overflow" horzOverflow="overflow" vert="horz" wrap="square" lIns="91440" tIns="45720" rIns="91440" bIns="45720" numCol="1" spcCol="0" rtlCol="0" fromWordArt="0" anchor="ctr" anchorCtr="0" forceAA="0" upright="0" compatLnSpc="0">
+          <a:bodyPr vertOverflow="overflow" horzOverflow="overflow" vert="horz" wrap="square" lIns="91440" tIns="45720" rIns="91440" bIns="45720" numCol="1" spcCol="0" rtlCol="0" fromWordArt="0" anchor="ctr" anchorCtr="0" forceAA="0" compatLnSpc="0">
             <a:normAutofit/>
           </a:bodyPr>
           <a:lstStyle/>
@@ -10592,23 +10645,7 @@
                 <a:ea typeface="Caladea"/>
                 <a:cs typeface="Caladea"/>
               </a:rPr>
-              <a:t>Cosa </a:t>
-            </a:r>
-            <a:r>
-              <a:rPr sz="2600">
-                <a:latin typeface="Caladea"/>
-                <a:ea typeface="Caladea"/>
-                <a:cs typeface="Caladea"/>
-              </a:rPr>
-              <a:t>è</a:t>
-            </a:r>
-            <a:r>
-              <a:rPr sz="2600">
-                <a:latin typeface="Caladea"/>
-                <a:ea typeface="Caladea"/>
-                <a:cs typeface="Caladea"/>
-              </a:rPr>
-              <a:t> il Machine Learning?</a:t>
+              <a:t>Cosa è il Machine Learning?</a:t>
             </a:r>
             <a:endParaRPr sz="2600">
               <a:latin typeface="Caladea"/>
@@ -10628,7 +10665,7 @@
           </p:nvPr>
         </p:nvSpPr>
         <p:spPr bwMode="auto">
-          <a:xfrm flipH="0" flipV="0">
+          <a:xfrm>
             <a:off x="609599" y="1738543"/>
             <a:ext cx="10972800" cy="961747"/>
           </a:xfrm>
@@ -10643,29 +10680,271 @@
               <a:defRPr/>
             </a:pPr>
             <a:r>
-              <a:rPr sz="2200">
-                <a:solidFill>
-                  <a:schemeClr val="tx1"/>
-                </a:solidFill>
-                <a:latin typeface="Caladea"/>
-                <a:ea typeface="Caladea"/>
-                <a:cs typeface="Caladea"/>
-              </a:rPr>
-              <a:t>Una branchia dell’intelligenza artificiale basata su algoritmi in grado di “apprendere” grazie al consumo </a:t>
-            </a:r>
-            <a:r>
-              <a:rPr sz="2200">
-                <a:solidFill>
-                  <a:schemeClr val="tx1"/>
-                </a:solidFill>
-                <a:latin typeface="Caladea"/>
-                <a:ea typeface="Caladea"/>
-                <a:cs typeface="Caladea"/>
-              </a:rPr>
-              <a:t>di una grande quantit</a:t>
-            </a:r>
-            <a:r>
-              <a:rPr sz="2200">
+              <a:rPr sz="2200" dirty="0">
+                <a:solidFill>
+                  <a:schemeClr val="tx1"/>
+                </a:solidFill>
+                <a:latin typeface="Caladea"/>
+                <a:ea typeface="Caladea"/>
+                <a:cs typeface="Caladea"/>
+              </a:rPr>
+              <a:t>Una </a:t>
+            </a:r>
+            <a:r>
+              <a:rPr sz="2200" dirty="0" err="1">
+                <a:solidFill>
+                  <a:schemeClr val="tx1"/>
+                </a:solidFill>
+                <a:latin typeface="Caladea"/>
+                <a:ea typeface="Caladea"/>
+                <a:cs typeface="Caladea"/>
+              </a:rPr>
+              <a:t>branca</a:t>
+            </a:r>
+            <a:r>
+              <a:rPr sz="2200" dirty="0">
+                <a:solidFill>
+                  <a:schemeClr val="tx1"/>
+                </a:solidFill>
+                <a:latin typeface="Caladea"/>
+                <a:ea typeface="Caladea"/>
+                <a:cs typeface="Caladea"/>
+              </a:rPr>
+              <a:t> </a:t>
+            </a:r>
+            <a:r>
+              <a:rPr sz="2200" dirty="0" err="1">
+                <a:solidFill>
+                  <a:schemeClr val="tx1"/>
+                </a:solidFill>
+                <a:latin typeface="Caladea"/>
+                <a:ea typeface="Caladea"/>
+                <a:cs typeface="Caladea"/>
+              </a:rPr>
+              <a:t>dell’intelligenza</a:t>
+            </a:r>
+            <a:r>
+              <a:rPr sz="2200" dirty="0">
+                <a:solidFill>
+                  <a:schemeClr val="tx1"/>
+                </a:solidFill>
+                <a:latin typeface="Caladea"/>
+                <a:ea typeface="Caladea"/>
+                <a:cs typeface="Caladea"/>
+              </a:rPr>
+              <a:t> </a:t>
+            </a:r>
+            <a:r>
+              <a:rPr sz="2200" dirty="0" err="1">
+                <a:solidFill>
+                  <a:schemeClr val="tx1"/>
+                </a:solidFill>
+                <a:latin typeface="Caladea"/>
+                <a:ea typeface="Caladea"/>
+                <a:cs typeface="Caladea"/>
+              </a:rPr>
+              <a:t>artificiale</a:t>
+            </a:r>
+            <a:r>
+              <a:rPr sz="2200" dirty="0">
+                <a:solidFill>
+                  <a:schemeClr val="tx1"/>
+                </a:solidFill>
+                <a:latin typeface="Caladea"/>
+                <a:ea typeface="Caladea"/>
+                <a:cs typeface="Caladea"/>
+              </a:rPr>
+              <a:t> </a:t>
+            </a:r>
+            <a:r>
+              <a:rPr sz="2200" dirty="0" err="1">
+                <a:solidFill>
+                  <a:schemeClr val="tx1"/>
+                </a:solidFill>
+                <a:latin typeface="Caladea"/>
+                <a:ea typeface="Caladea"/>
+                <a:cs typeface="Caladea"/>
+              </a:rPr>
+              <a:t>basata</a:t>
+            </a:r>
+            <a:r>
+              <a:rPr sz="2200" dirty="0">
+                <a:solidFill>
+                  <a:schemeClr val="tx1"/>
+                </a:solidFill>
+                <a:latin typeface="Caladea"/>
+                <a:ea typeface="Caladea"/>
+                <a:cs typeface="Caladea"/>
+              </a:rPr>
+              <a:t> </a:t>
+            </a:r>
+            <a:r>
+              <a:rPr sz="2200" dirty="0" err="1">
+                <a:solidFill>
+                  <a:schemeClr val="tx1"/>
+                </a:solidFill>
+                <a:latin typeface="Caladea"/>
+                <a:ea typeface="Caladea"/>
+                <a:cs typeface="Caladea"/>
+              </a:rPr>
+              <a:t>su</a:t>
+            </a:r>
+            <a:r>
+              <a:rPr sz="2200" dirty="0">
+                <a:solidFill>
+                  <a:schemeClr val="tx1"/>
+                </a:solidFill>
+                <a:latin typeface="Caladea"/>
+                <a:ea typeface="Caladea"/>
+                <a:cs typeface="Caladea"/>
+              </a:rPr>
+              <a:t> </a:t>
+            </a:r>
+            <a:r>
+              <a:rPr sz="2200" dirty="0" err="1">
+                <a:solidFill>
+                  <a:schemeClr val="tx1"/>
+                </a:solidFill>
+                <a:latin typeface="Caladea"/>
+                <a:ea typeface="Caladea"/>
+                <a:cs typeface="Caladea"/>
+              </a:rPr>
+              <a:t>algoritmi</a:t>
+            </a:r>
+            <a:r>
+              <a:rPr sz="2200" dirty="0">
+                <a:solidFill>
+                  <a:schemeClr val="tx1"/>
+                </a:solidFill>
+                <a:latin typeface="Caladea"/>
+                <a:ea typeface="Caladea"/>
+                <a:cs typeface="Caladea"/>
+              </a:rPr>
+              <a:t> in </a:t>
+            </a:r>
+            <a:r>
+              <a:rPr sz="2200" dirty="0" err="1">
+                <a:solidFill>
+                  <a:schemeClr val="tx1"/>
+                </a:solidFill>
+                <a:latin typeface="Caladea"/>
+                <a:ea typeface="Caladea"/>
+                <a:cs typeface="Caladea"/>
+              </a:rPr>
+              <a:t>grado</a:t>
+            </a:r>
+            <a:r>
+              <a:rPr sz="2200" dirty="0">
+                <a:solidFill>
+                  <a:schemeClr val="tx1"/>
+                </a:solidFill>
+                <a:latin typeface="Caladea"/>
+                <a:ea typeface="Caladea"/>
+                <a:cs typeface="Caladea"/>
+              </a:rPr>
+              <a:t> di “</a:t>
+            </a:r>
+            <a:r>
+              <a:rPr sz="2200" dirty="0" err="1">
+                <a:solidFill>
+                  <a:schemeClr val="tx1"/>
+                </a:solidFill>
+                <a:latin typeface="Caladea"/>
+                <a:ea typeface="Caladea"/>
+                <a:cs typeface="Caladea"/>
+              </a:rPr>
+              <a:t>apprendere</a:t>
+            </a:r>
+            <a:r>
+              <a:rPr sz="2200" dirty="0">
+                <a:solidFill>
+                  <a:schemeClr val="tx1"/>
+                </a:solidFill>
+                <a:latin typeface="Caladea"/>
+                <a:ea typeface="Caladea"/>
+                <a:cs typeface="Caladea"/>
+              </a:rPr>
+              <a:t>” </a:t>
+            </a:r>
+            <a:r>
+              <a:rPr sz="2200" dirty="0" err="1">
+                <a:solidFill>
+                  <a:schemeClr val="tx1"/>
+                </a:solidFill>
+                <a:latin typeface="Caladea"/>
+                <a:ea typeface="Caladea"/>
+                <a:cs typeface="Caladea"/>
+              </a:rPr>
+              <a:t>grazie</a:t>
+            </a:r>
+            <a:r>
+              <a:rPr sz="2200" dirty="0">
+                <a:solidFill>
+                  <a:schemeClr val="tx1"/>
+                </a:solidFill>
+                <a:latin typeface="Caladea"/>
+                <a:ea typeface="Caladea"/>
+                <a:cs typeface="Caladea"/>
+              </a:rPr>
+              <a:t> al </a:t>
+            </a:r>
+            <a:r>
+              <a:rPr sz="2200" dirty="0" err="1">
+                <a:solidFill>
+                  <a:schemeClr val="tx1"/>
+                </a:solidFill>
+                <a:latin typeface="Caladea"/>
+                <a:ea typeface="Caladea"/>
+                <a:cs typeface="Caladea"/>
+              </a:rPr>
+              <a:t>consumo</a:t>
+            </a:r>
+            <a:r>
+              <a:rPr sz="2200" dirty="0">
+                <a:solidFill>
+                  <a:schemeClr val="tx1"/>
+                </a:solidFill>
+                <a:latin typeface="Caladea"/>
+                <a:ea typeface="Caladea"/>
+                <a:cs typeface="Caladea"/>
+              </a:rPr>
+              <a:t> di una </a:t>
+            </a:r>
+            <a:r>
+              <a:rPr sz="2200" dirty="0" err="1">
+                <a:solidFill>
+                  <a:schemeClr val="tx1"/>
+                </a:solidFill>
+                <a:latin typeface="Caladea"/>
+                <a:ea typeface="Caladea"/>
+                <a:cs typeface="Caladea"/>
+              </a:rPr>
+              <a:t>grande</a:t>
+            </a:r>
+            <a:r>
+              <a:rPr sz="2200" dirty="0">
+                <a:solidFill>
+                  <a:schemeClr val="tx1"/>
+                </a:solidFill>
+                <a:latin typeface="Caladea"/>
+                <a:ea typeface="Caladea"/>
+                <a:cs typeface="Caladea"/>
+              </a:rPr>
+              <a:t> </a:t>
+            </a:r>
+            <a:r>
+              <a:rPr sz="2200" dirty="0" err="1">
+                <a:solidFill>
+                  <a:schemeClr val="tx1"/>
+                </a:solidFill>
+                <a:latin typeface="Caladea"/>
+                <a:ea typeface="Caladea"/>
+                <a:cs typeface="Caladea"/>
+              </a:rPr>
+              <a:t>quantit</a:t>
+            </a:r>
+            <a:r>
+              <a:rPr sz="2200" dirty="0" err="1">
                 <a:solidFill>
                   <a:schemeClr val="tx1"/>
                 </a:solidFill>
@@ -10676,24 +10955,38 @@
               <a:t>à</a:t>
             </a:r>
             <a:r>
-              <a:rPr sz="2200">
-                <a:solidFill>
-                  <a:schemeClr val="tx1"/>
-                </a:solidFill>
-                <a:latin typeface="Caladea"/>
-                <a:ea typeface="Caladea"/>
-                <a:cs typeface="Caladea"/>
-              </a:rPr>
-              <a:t> di dati.</a:t>
-            </a:r>
-            <a:endParaRPr sz="2200">
-              <a:solidFill>
-                <a:schemeClr val="tx1"/>
-              </a:solidFill>
-              <a:latin typeface="Caladea"/>
-              <a:ea typeface="Caladea"/>
-              <a:cs typeface="Caladea"/>
-            </a:endParaRPr>
+              <a:rPr sz="2200" dirty="0">
+                <a:solidFill>
+                  <a:schemeClr val="tx1"/>
+                </a:solidFill>
+                <a:latin typeface="Caladea"/>
+                <a:ea typeface="Caladea"/>
+                <a:cs typeface="Caladea"/>
+              </a:rPr>
+              <a:t> di </a:t>
+            </a:r>
+            <a:r>
+              <a:rPr sz="2200" dirty="0" err="1">
+                <a:solidFill>
+                  <a:schemeClr val="tx1"/>
+                </a:solidFill>
+                <a:latin typeface="Caladea"/>
+                <a:ea typeface="Caladea"/>
+                <a:cs typeface="Caladea"/>
+              </a:rPr>
+              <a:t>dati</a:t>
+            </a:r>
+            <a:r>
+              <a:rPr sz="2200" dirty="0">
+                <a:solidFill>
+                  <a:schemeClr val="tx1"/>
+                </a:solidFill>
+                <a:latin typeface="Caladea"/>
+                <a:ea typeface="Caladea"/>
+                <a:cs typeface="Caladea"/>
+              </a:rPr>
+              <a:t>.</a:t>
+            </a:r>
           </a:p>
         </p:txBody>
       </p:sp>
@@ -10706,13 +10999,13 @@
           <p:nvPr/>
         </p:nvSpPr>
         <p:spPr bwMode="auto">
-          <a:xfrm flipH="0" flipV="0">
+          <a:xfrm>
             <a:off x="609599" y="2872843"/>
             <a:ext cx="3589744" cy="556155"/>
           </a:xfrm>
         </p:spPr>
         <p:txBody>
-          <a:bodyPr vertOverflow="overflow" horzOverflow="overflow" vert="horz" wrap="square" lIns="91440" tIns="45720" rIns="91440" bIns="45720" numCol="1" spcCol="0" rtlCol="0" fromWordArt="0" anchor="ctr" anchorCtr="0" forceAA="0" upright="0" compatLnSpc="0">
+          <a:bodyPr vertOverflow="overflow" horzOverflow="overflow" vert="horz" wrap="square" lIns="91440" tIns="45720" rIns="91440" bIns="45720" numCol="1" spcCol="0" rtlCol="0" fromWordArt="0" anchor="ctr" anchorCtr="0" forceAA="0" compatLnSpc="0">
             <a:normAutofit/>
           </a:bodyPr>
           <a:lstStyle>
@@ -10743,23 +11036,7 @@
                 <a:ea typeface="Caladea"/>
                 <a:cs typeface="Caladea"/>
               </a:rPr>
-              <a:t>Cosa </a:t>
-            </a:r>
-            <a:r>
-              <a:rPr sz="2600">
-                <a:latin typeface="Caladea"/>
-                <a:ea typeface="Caladea"/>
-                <a:cs typeface="Caladea"/>
-              </a:rPr>
-              <a:t>è</a:t>
-            </a:r>
-            <a:r>
-              <a:rPr sz="2600">
-                <a:latin typeface="Caladea"/>
-                <a:ea typeface="Caladea"/>
-                <a:cs typeface="Caladea"/>
-              </a:rPr>
-              <a:t> un Algoritmo?</a:t>
+              <a:t>Cosa è un Algoritmo?</a:t>
             </a:r>
             <a:endParaRPr sz="2600">
               <a:latin typeface="Caladea"/>
@@ -10777,7 +11054,7 @@
           <p:nvPr/>
         </p:nvSpPr>
         <p:spPr bwMode="auto">
-          <a:xfrm flipH="0" flipV="0">
+          <a:xfrm>
             <a:off x="609599" y="3429000"/>
             <a:ext cx="10972800" cy="457940"/>
           </a:xfrm>
@@ -10950,25 +11227,17 @@
               </a:rPr>
               <a:t>Una sequenza di operazioni che il computer esegue, come facciamo noi con una ricetta!</a:t>
             </a:r>
-            <a:endParaRPr sz="2200">
-              <a:solidFill>
-                <a:schemeClr val="tx1"/>
-              </a:solidFill>
-              <a:latin typeface="Caladea"/>
-              <a:ea typeface="Caladea"/>
-              <a:cs typeface="Caladea"/>
-            </a:endParaRPr>
           </a:p>
         </p:txBody>
       </p:sp>
       <p:sp>
         <p:nvSpPr>
-          <p:cNvPr id="30999004" name=""/>
+          <p:cNvPr id="30999004" name="Ovale 30999003"/>
           <p:cNvSpPr/>
           <p:nvPr/>
         </p:nvSpPr>
         <p:spPr bwMode="auto">
-          <a:xfrm rot="0" flipH="0" flipV="0">
+          <a:xfrm>
             <a:off x="359335" y="4420245"/>
             <a:ext cx="2564488" cy="718772"/>
           </a:xfrm>
@@ -11004,7 +11273,8 @@
           </a:fontRef>
         </p:style>
         <p:txBody>
-          <a:bodyPr vertOverflow="overflow" horzOverflow="overflow" vert="horz" wrap="square" lIns="91440" tIns="45720" rIns="91440" bIns="45720" numCol="1" spcCol="0" rtlCol="0" fromWordArt="0" anchor="ctr" anchorCtr="0" forceAA="0" upright="0" compatLnSpc="0"/>
+          <a:bodyPr vertOverflow="overflow" horzOverflow="overflow" vert="horz" wrap="square" lIns="91440" tIns="45720" rIns="91440" bIns="45720" numCol="1" spcCol="0" rtlCol="0" fromWordArt="0" anchor="ctr" anchorCtr="0" forceAA="0" compatLnSpc="0"/>
+          <a:lstStyle/>
           <a:p>
             <a:pPr algn="ctr">
               <a:defRPr/>
@@ -11015,32 +11285,19 @@
                   <a:schemeClr val="tx1"/>
                 </a:solidFill>
               </a:rPr>
-              <a:t>Riempi una pendola</a:t>
-            </a:r>
-            <a:r>
-              <a:rPr sz="1400">
-                <a:solidFill>
-                  <a:schemeClr val="tx1"/>
-                </a:solidFill>
-              </a:rPr>
-              <a:t> d’acqua</a:t>
-            </a:r>
-            <a:endParaRPr sz="1400">
-              <a:solidFill>
-                <a:schemeClr val="tx1"/>
-              </a:solidFill>
-            </a:endParaRPr>
+              <a:t>Riempi una pendola d’acqua</a:t>
+            </a:r>
           </a:p>
         </p:txBody>
       </p:sp>
       <p:sp>
         <p:nvSpPr>
-          <p:cNvPr id="403171986" name=""/>
+          <p:cNvPr id="403171986" name="Ovale 403171985"/>
           <p:cNvSpPr/>
           <p:nvPr/>
         </p:nvSpPr>
         <p:spPr bwMode="auto">
-          <a:xfrm rot="0" flipH="0" flipV="0">
+          <a:xfrm>
             <a:off x="3531511" y="4420245"/>
             <a:ext cx="2564487" cy="718771"/>
           </a:xfrm>
@@ -11076,7 +11333,8 @@
           </a:fontRef>
         </p:style>
         <p:txBody>
-          <a:bodyPr vertOverflow="overflow" horzOverflow="overflow" vert="horz" wrap="square" lIns="91440" tIns="45720" rIns="91440" bIns="45720" numCol="1" spcCol="0" rtlCol="0" fromWordArt="0" anchor="ctr" anchorCtr="0" forceAA="0" upright="0" compatLnSpc="0"/>
+          <a:bodyPr vertOverflow="overflow" horzOverflow="overflow" vert="horz" wrap="square" lIns="91440" tIns="45720" rIns="91440" bIns="45720" numCol="1" spcCol="0" rtlCol="0" fromWordArt="0" anchor="ctr" anchorCtr="0" forceAA="0" compatLnSpc="0"/>
+          <a:lstStyle/>
           <a:p>
             <a:pPr algn="ctr">
               <a:defRPr/>
@@ -11089,22 +11347,17 @@
               </a:rPr>
               <a:t>Mettila sui fornelli</a:t>
             </a:r>
-            <a:endParaRPr sz="1400">
-              <a:solidFill>
-                <a:schemeClr val="tx1"/>
-              </a:solidFill>
-            </a:endParaRPr>
           </a:p>
         </p:txBody>
       </p:sp>
       <p:sp>
         <p:nvSpPr>
-          <p:cNvPr id="1751772485" name=""/>
+          <p:cNvPr id="1751772485" name="Ovale 1751772484"/>
           <p:cNvSpPr/>
           <p:nvPr/>
         </p:nvSpPr>
         <p:spPr bwMode="auto">
-          <a:xfrm rot="0" flipH="0" flipV="0">
+          <a:xfrm>
             <a:off x="6494719" y="4420245"/>
             <a:ext cx="2564487" cy="718771"/>
           </a:xfrm>
@@ -11140,7 +11393,8 @@
           </a:fontRef>
         </p:style>
         <p:txBody>
-          <a:bodyPr vertOverflow="overflow" horzOverflow="overflow" vert="horz" wrap="square" lIns="91440" tIns="45720" rIns="91440" bIns="45720" numCol="1" spcCol="0" rtlCol="0" fromWordArt="0" anchor="ctr" anchorCtr="0" forceAA="0" upright="0" compatLnSpc="0"/>
+          <a:bodyPr vertOverflow="overflow" horzOverflow="overflow" vert="horz" wrap="square" lIns="91440" tIns="45720" rIns="91440" bIns="45720" numCol="1" spcCol="0" rtlCol="0" fromWordArt="0" anchor="ctr" anchorCtr="0" forceAA="0" compatLnSpc="0"/>
+          <a:lstStyle/>
           <a:p>
             <a:pPr algn="ctr">
               <a:defRPr/>
@@ -11153,22 +11407,17 @@
               </a:rPr>
               <a:t>Accendi il fuoco</a:t>
             </a:r>
-            <a:endParaRPr sz="1400">
-              <a:solidFill>
-                <a:schemeClr val="tx1"/>
-              </a:solidFill>
-            </a:endParaRPr>
           </a:p>
         </p:txBody>
       </p:sp>
       <p:sp>
         <p:nvSpPr>
-          <p:cNvPr id="2134830241" name=""/>
+          <p:cNvPr id="2134830241" name="Ovale 2134830240"/>
           <p:cNvSpPr/>
           <p:nvPr/>
         </p:nvSpPr>
         <p:spPr bwMode="auto">
-          <a:xfrm rot="0" flipH="0" flipV="0">
+          <a:xfrm>
             <a:off x="9716410" y="4420245"/>
             <a:ext cx="1789250" cy="718771"/>
           </a:xfrm>
@@ -11204,7 +11453,8 @@
           </a:fontRef>
         </p:style>
         <p:txBody>
-          <a:bodyPr vertOverflow="overflow" horzOverflow="overflow" vert="horz" wrap="square" lIns="91440" tIns="45720" rIns="91440" bIns="45720" numCol="1" spcCol="0" rtlCol="0" fromWordArt="0" anchor="ctr" anchorCtr="0" forceAA="0" upright="0" compatLnSpc="0"/>
+          <a:bodyPr vertOverflow="overflow" horzOverflow="overflow" vert="horz" wrap="square" lIns="91440" tIns="45720" rIns="91440" bIns="45720" numCol="1" spcCol="0" rtlCol="0" fromWordArt="0" anchor="ctr" anchorCtr="0" forceAA="0" compatLnSpc="0"/>
+          <a:lstStyle/>
           <a:p>
             <a:pPr algn="ctr">
               <a:defRPr/>
@@ -11217,17 +11467,12 @@
               </a:rPr>
               <a:t>...</a:t>
             </a:r>
-            <a:endParaRPr sz="1400">
-              <a:solidFill>
-                <a:schemeClr val="tx1"/>
-              </a:solidFill>
-            </a:endParaRPr>
           </a:p>
         </p:txBody>
       </p:sp>
       <p:cxnSp>
         <p:nvCxnSpPr>
-          <p:cNvPr id="1355572667" name=""/>
+          <p:cNvPr id="1355572667" name="Connettore diritto 1355572666"/>
           <p:cNvCxnSpPr>
             <a:stCxn id="30999004" idx="6"/>
             <a:endCxn id="403171986" idx="2"/>
@@ -11235,7 +11480,7 @@
           <p:nvPr/>
         </p:nvCxnSpPr>
         <p:spPr bwMode="auto">
-          <a:xfrm rot="0" flipH="0" flipV="1">
+          <a:xfrm flipV="1">
             <a:off x="2923823" y="4779631"/>
             <a:ext cx="607688" cy="0"/>
           </a:xfrm>
@@ -11265,7 +11510,7 @@
       </p:cxnSp>
       <p:cxnSp>
         <p:nvCxnSpPr>
-          <p:cNvPr id="343526007" name=""/>
+          <p:cNvPr id="343526007" name="Connettore diritto 343526006"/>
           <p:cNvCxnSpPr>
             <a:stCxn id="403171986" idx="6"/>
             <a:endCxn id="1751772485" idx="2"/>
@@ -11273,7 +11518,7 @@
           <p:nvPr/>
         </p:nvCxnSpPr>
         <p:spPr bwMode="auto">
-          <a:xfrm rot="0" flipH="0" flipV="0">
+          <a:xfrm>
             <a:off x="6095999" y="4779631"/>
             <a:ext cx="398719" cy="0"/>
           </a:xfrm>
@@ -11303,7 +11548,7 @@
       </p:cxnSp>
       <p:cxnSp>
         <p:nvCxnSpPr>
-          <p:cNvPr id="2043989114" name=""/>
+          <p:cNvPr id="2043989114" name="Connettore diritto 2043989113"/>
           <p:cNvCxnSpPr>
             <a:stCxn id="1751772485" idx="6"/>
             <a:endCxn id="2134830241" idx="2"/>
@@ -11311,7 +11556,7 @@
           <p:nvPr/>
         </p:nvCxnSpPr>
         <p:spPr bwMode="auto">
-          <a:xfrm rot="0" flipH="0" flipV="0">
+          <a:xfrm>
             <a:off x="9059207" y="4779631"/>
             <a:ext cx="657203" cy="0"/>
           </a:xfrm>
@@ -11341,12 +11586,12 @@
       </p:cxnSp>
       <p:cxnSp>
         <p:nvCxnSpPr>
-          <p:cNvPr id="11882820" name=""/>
+          <p:cNvPr id="11882820" name="Connettore diritto 11882819"/>
           <p:cNvCxnSpPr/>
           <p:nvPr/>
         </p:nvCxnSpPr>
         <p:spPr bwMode="auto">
-          <a:xfrm rot="0" flipH="0" flipV="1">
+          <a:xfrm flipV="1">
             <a:off x="2923823" y="4779631"/>
             <a:ext cx="607688" cy="0"/>
           </a:xfrm>
@@ -11380,12 +11625,12 @@
       </p:cxnSp>
       <p:cxnSp>
         <p:nvCxnSpPr>
-          <p:cNvPr id="2059489236" name=""/>
+          <p:cNvPr id="2059489236" name="Connettore diritto 2059489235"/>
           <p:cNvCxnSpPr/>
           <p:nvPr/>
         </p:nvCxnSpPr>
         <p:spPr bwMode="auto">
-          <a:xfrm rot="0" flipH="0" flipV="0">
+          <a:xfrm>
             <a:off x="6095999" y="4779631"/>
             <a:ext cx="398719" cy="0"/>
           </a:xfrm>
@@ -11419,12 +11664,12 @@
       </p:cxnSp>
       <p:cxnSp>
         <p:nvCxnSpPr>
-          <p:cNvPr id="199565380" name=""/>
+          <p:cNvPr id="199565380" name="Connettore diritto 199565379"/>
           <p:cNvCxnSpPr/>
           <p:nvPr/>
         </p:nvCxnSpPr>
         <p:spPr bwMode="auto">
-          <a:xfrm rot="0" flipH="0" flipV="0">
+          <a:xfrm>
             <a:off x="9059207" y="4779631"/>
             <a:ext cx="657203" cy="0"/>
           </a:xfrm>
@@ -11461,20 +11706,12 @@
   <p:clrMapOvr>
     <a:masterClrMapping/>
   </p:clrMapOvr>
-  <mc:AlternateContent xmlns:mc="http://schemas.openxmlformats.org/markup-compatibility/2006">
-    <mc:Choice xmlns:p159="http://schemas.microsoft.com/office/powerpoint/2015/09/main" xmlns:p14="http://schemas.microsoft.com/office/powerpoint/2010/main" Requires="p159">
-      <p:transition p14:dur="2000" advClick="1"/>
-    </mc:Choice>
-    <mc:Fallback>
-      <p:transition advClick="1"/>
-    </mc:Fallback>
-  </mc:AlternateContent>
 </p:sld>
 </file>
 
 <file path=ppt/slides/slide3.xml><?xml version="1.0" encoding="utf-8"?>
-<p:sld xmlns:a="http://schemas.openxmlformats.org/drawingml/2006/main" xmlns:r="http://schemas.openxmlformats.org/officeDocument/2006/relationships" xmlns:p="http://schemas.openxmlformats.org/presentationml/2006/main" xmlns:m="http://schemas.openxmlformats.org/officeDocument/2006/math" xmlns:w="http://schemas.openxmlformats.org/wordprocessingml/2006/main" xmlns:mc="http://schemas.openxmlformats.org/markup-compatibility/2006" showMasterPhAnim="0" showMasterSp="1" show="1">
-  <p:cSld name="">
+<p:sld xmlns:a="http://schemas.openxmlformats.org/drawingml/2006/main" xmlns:r="http://schemas.openxmlformats.org/officeDocument/2006/relationships" xmlns:p="http://schemas.openxmlformats.org/presentationml/2006/main" showMasterPhAnim="0">
+  <p:cSld>
     <p:spTree>
       <p:nvGrpSpPr>
         <p:cNvPr id="1" name=""/>
@@ -11500,14 +11737,14 @@
           </p:nvPr>
         </p:nvSpPr>
         <p:spPr bwMode="auto">
-          <a:xfrm flipH="0" flipV="0">
+          <a:xfrm>
             <a:off x="245379" y="1182387"/>
             <a:ext cx="4968725" cy="556156"/>
           </a:xfrm>
         </p:spPr>
         <p:txBody>
-          <a:bodyPr vertOverflow="overflow" horzOverflow="overflow" vert="horz" wrap="square" lIns="91440" tIns="45720" rIns="91440" bIns="45720" numCol="1" spcCol="0" rtlCol="0" fromWordArt="0" anchor="ctr" anchorCtr="0" forceAA="0" upright="0" compatLnSpc="0">
-            <a:normAutofit fontScale="90000" lnSpcReduction="2000"/>
+          <a:bodyPr vertOverflow="overflow" horzOverflow="overflow" vert="horz" wrap="square" lIns="91440" tIns="45720" rIns="91440" bIns="45720" numCol="1" spcCol="0" rtlCol="0" fromWordArt="0" anchor="ctr" anchorCtr="0" forceAA="0" compatLnSpc="0">
+            <a:normAutofit fontScale="90000"/>
           </a:bodyPr>
           <a:lstStyle/>
           <a:p>
@@ -11520,15 +11757,7 @@
                 <a:ea typeface="Caladea"/>
                 <a:cs typeface="Caladea"/>
               </a:rPr>
-              <a:t>Quidi cosa fa il</a:t>
-            </a:r>
-            <a:r>
-              <a:rPr sz="2600">
-                <a:latin typeface="Caladea"/>
-                <a:ea typeface="Caladea"/>
-                <a:cs typeface="Caladea"/>
-              </a:rPr>
-              <a:t> Machine Learning...?</a:t>
+              <a:t>Quidi cosa fa il Machine Learning...?</a:t>
             </a:r>
             <a:endParaRPr sz="2600">
               <a:latin typeface="Caladea"/>
@@ -11548,7 +11777,7 @@
           </p:nvPr>
         </p:nvSpPr>
         <p:spPr bwMode="auto">
-          <a:xfrm flipH="0" flipV="0">
+          <a:xfrm>
             <a:off x="245379" y="1738543"/>
             <a:ext cx="11164599" cy="827727"/>
           </a:xfrm>
@@ -11573,20 +11802,12 @@
               </a:rPr>
               <a:t>Permette al computer di “adattarsi” per risolvere problemi specifici di cui non ha la soluzione a priori. </a:t>
             </a:r>
-            <a:endParaRPr sz="2200">
-              <a:solidFill>
-                <a:schemeClr val="tx1"/>
-              </a:solidFill>
-              <a:latin typeface="Caladea"/>
-              <a:ea typeface="Caladea"/>
-              <a:cs typeface="Caladea"/>
-            </a:endParaRPr>
           </a:p>
         </p:txBody>
       </p:sp>
       <p:pic>
         <p:nvPicPr>
-          <p:cNvPr id="1490961806" name=""/>
+          <p:cNvPr id="1490961806" name="Immagine 1490961805"/>
           <p:cNvPicPr>
             <a:picLocks noChangeAspect="1"/>
           </p:cNvPicPr>
@@ -11597,7 +11818,7 @@
           <a:stretch/>
         </p:blipFill>
         <p:spPr bwMode="auto">
-          <a:xfrm flipH="0" flipV="0">
+          <a:xfrm>
             <a:off x="7018459" y="3239463"/>
             <a:ext cx="4557307" cy="1999162"/>
           </a:xfrm>
@@ -11608,12 +11829,12 @@
       </p:pic>
       <p:sp>
         <p:nvSpPr>
-          <p:cNvPr id="997255336" name=""/>
+          <p:cNvPr id="997255336" name="CasellaDiTesto 997255335"/>
           <p:cNvSpPr txBox="1"/>
           <p:nvPr/>
         </p:nvSpPr>
         <p:spPr bwMode="auto">
-          <a:xfrm rot="0" flipH="0" flipV="0">
+          <a:xfrm>
             <a:off x="245379" y="2633190"/>
             <a:ext cx="6116065" cy="3322679"/>
           </a:xfrm>
@@ -11623,9 +11844,10 @@
           <a:noFill/>
         </p:spPr>
         <p:txBody>
-          <a:bodyPr vertOverflow="overflow" horzOverflow="overflow" vert="horz" wrap="square" lIns="91440" tIns="45720" rIns="91440" bIns="45720" numCol="1" spcCol="0" rtlCol="0" fromWordArt="0" anchor="t" anchorCtr="0" forceAA="0" upright="0" compatLnSpc="0">
+          <a:bodyPr vertOverflow="overflow" horzOverflow="overflow" vert="horz" wrap="square" lIns="91440" tIns="45720" rIns="91440" bIns="45720" numCol="1" spcCol="0" rtlCol="0" fromWordArt="0" anchor="t" anchorCtr="0" forceAA="0" compatLnSpc="0">
             <a:spAutoFit/>
           </a:bodyPr>
+          <a:lstStyle/>
           <a:p>
             <a:pPr marL="0" indent="0" algn="l">
               <a:buFont typeface="Arial"/>
@@ -11681,62 +11903,7 @@
                 <a:ea typeface="Caladea"/>
                 <a:cs typeface="Caladea"/>
               </a:rPr>
-              <a:t>Ogni volta che </a:t>
-            </a:r>
-            <a:r>
-              <a:rPr sz="1600" b="0" i="0" u="none">
-                <a:solidFill>
-                  <a:schemeClr val="tx1"/>
-                </a:solidFill>
-                <a:latin typeface="Caladea"/>
-                <a:ea typeface="Caladea"/>
-                <a:cs typeface="Caladea"/>
-              </a:rPr>
-              <a:t>segni un’email come </a:t>
-            </a:r>
-            <a:r>
-              <a:rPr sz="1600" b="0" i="0" u="none">
-                <a:solidFill>
-                  <a:schemeClr val="tx1"/>
-                </a:solidFill>
-                <a:latin typeface="Caladea"/>
-                <a:ea typeface="Caladea"/>
-                <a:cs typeface="Caladea"/>
-              </a:rPr>
-              <a:t>“spam” </a:t>
-            </a:r>
-            <a:r>
-              <a:rPr sz="1600" b="0" i="0" u="none">
-                <a:solidFill>
-                  <a:schemeClr val="tx1"/>
-                </a:solidFill>
-                <a:latin typeface="Caladea"/>
-                <a:ea typeface="Caladea"/>
-                <a:cs typeface="Caladea"/>
-              </a:rPr>
-              <a:t>stai </a:t>
-            </a:r>
-            <a:r>
-              <a:rPr sz="1600" b="0" i="0" u="none">
-                <a:solidFill>
-                  <a:schemeClr val="tx1"/>
-                </a:solidFill>
-                <a:latin typeface="Caladea"/>
-                <a:ea typeface="Caladea"/>
-                <a:cs typeface="Caladea"/>
-              </a:rPr>
-              <a:t>insegnando qualcosa al computer</a:t>
-            </a:r>
-            <a:r>
-              <a:rPr sz="1600" b="0" i="0" u="none">
-                <a:solidFill>
-                  <a:schemeClr val="tx1"/>
-                </a:solidFill>
-                <a:latin typeface="Caladea"/>
-                <a:ea typeface="Caladea"/>
-                <a:cs typeface="Caladea"/>
-              </a:rPr>
-              <a:t>.</a:t>
+              <a:t>Ogni volta che segni un’email come “spam” stai insegnando qualcosa al computer.</a:t>
             </a:r>
             <a:endParaRPr sz="1800" b="0" i="0" u="none">
               <a:solidFill>
@@ -11762,29 +11929,7 @@
                 <a:ea typeface="Caladea"/>
                 <a:cs typeface="Caladea"/>
               </a:rPr>
-              <a:t>Con il tempo, il sistema osserva che </a:t>
-            </a:r>
-            <a:r>
-              <a:rPr sz="1600" b="0" i="0" u="none">
-                <a:solidFill>
-                  <a:schemeClr val="tx1"/>
-                </a:solidFill>
-                <a:latin typeface="Caladea"/>
-                <a:ea typeface="Caladea"/>
-                <a:cs typeface="Caladea"/>
-              </a:rPr>
-              <a:t>le email che contengono spesso parole come </a:t>
-            </a:r>
-            <a:r>
-              <a:rPr sz="1600" b="0" i="0" u="none">
-                <a:solidFill>
-                  <a:schemeClr val="tx1"/>
-                </a:solidFill>
-                <a:latin typeface="Caladea"/>
-                <a:ea typeface="Caladea"/>
-                <a:cs typeface="Caladea"/>
-              </a:rPr>
-              <a:t>“vinci” o “offerta imperdibile” sono da te considerate spam, l’algoritmo del sistema metter</a:t>
+              <a:t>Con il tempo, il sistema osserva che le email che contengono spesso parole come “vinci” o “offerta imperdibile” sono da te considerate spam, l’algoritmo del sistema metter</a:t>
             </a:r>
             <a:r>
               <a:rPr sz="1600">
@@ -11844,40 +11989,7 @@
                 <a:ea typeface="Caladea"/>
                 <a:cs typeface="Caladea"/>
               </a:rPr>
-              <a:t>Il machine learning permette quindi</a:t>
-            </a:r>
-            <a:r>
-              <a:rPr sz="1600" b="0" i="0" u="none">
-                <a:solidFill>
-                  <a:schemeClr val="tx1"/>
-                </a:solidFill>
-                <a:latin typeface="Caladea"/>
-                <a:ea typeface="Caladea"/>
-                <a:cs typeface="Caladea"/>
-              </a:rPr>
-              <a:t> al computer di </a:t>
-            </a:r>
-            <a:r>
-              <a:rPr sz="1600" b="0" i="0" u="none">
-                <a:solidFill>
-                  <a:schemeClr val="tx1"/>
-                </a:solidFill>
-                <a:latin typeface="Caladea"/>
-                <a:ea typeface="Caladea"/>
-                <a:cs typeface="Caladea"/>
-              </a:rPr>
-              <a:t>imparare dagli esempi</a:t>
-            </a:r>
-            <a:r>
-              <a:rPr sz="1600" b="0" i="0" u="none">
-                <a:solidFill>
-                  <a:schemeClr val="tx1"/>
-                </a:solidFill>
-                <a:latin typeface="Caladea"/>
-                <a:ea typeface="Caladea"/>
-                <a:cs typeface="Caladea"/>
-              </a:rPr>
-              <a:t> invece di seguire solo regole fisse scritte da un programmatore.</a:t>
+              <a:t>Il machine learning permette quindi al computer di imparare dagli esempi invece di seguire solo regole fisse scritte da un programmatore.</a:t>
             </a:r>
             <a:endParaRPr sz="1200" b="0" i="0" u="none">
               <a:solidFill>
@@ -11895,20 +12007,12 @@
   <p:clrMapOvr>
     <a:masterClrMapping/>
   </p:clrMapOvr>
-  <mc:AlternateContent xmlns:mc="http://schemas.openxmlformats.org/markup-compatibility/2006">
-    <mc:Choice xmlns:p159="http://schemas.microsoft.com/office/powerpoint/2015/09/main" xmlns:p14="http://schemas.microsoft.com/office/powerpoint/2010/main" Requires="p159">
-      <p:transition p14:dur="2000" advClick="1"/>
-    </mc:Choice>
-    <mc:Fallback>
-      <p:transition advClick="1"/>
-    </mc:Fallback>
-  </mc:AlternateContent>
 </p:sld>
 </file>
 
 <file path=ppt/slides/slide4.xml><?xml version="1.0" encoding="utf-8"?>
-<p:sld xmlns:a="http://schemas.openxmlformats.org/drawingml/2006/main" xmlns:r="http://schemas.openxmlformats.org/officeDocument/2006/relationships" xmlns:p="http://schemas.openxmlformats.org/presentationml/2006/main" xmlns:m="http://schemas.openxmlformats.org/officeDocument/2006/math" xmlns:w="http://schemas.openxmlformats.org/wordprocessingml/2006/main" xmlns:mc="http://schemas.openxmlformats.org/markup-compatibility/2006" showMasterPhAnim="0" showMasterSp="1" show="1">
-  <p:cSld name="">
+<p:sld xmlns:a="http://schemas.openxmlformats.org/drawingml/2006/main" xmlns:r="http://schemas.openxmlformats.org/officeDocument/2006/relationships" xmlns:p="http://schemas.openxmlformats.org/presentationml/2006/main" showMasterPhAnim="0">
+  <p:cSld>
     <p:spTree>
       <p:nvGrpSpPr>
         <p:cNvPr id="1" name=""/>
@@ -11934,14 +12038,14 @@
           </p:nvPr>
         </p:nvSpPr>
         <p:spPr bwMode="auto">
-          <a:xfrm flipH="0" flipV="0">
+          <a:xfrm>
             <a:off x="245379" y="1071416"/>
             <a:ext cx="4968725" cy="556156"/>
           </a:xfrm>
         </p:spPr>
         <p:txBody>
-          <a:bodyPr vertOverflow="overflow" horzOverflow="overflow" vert="horz" wrap="square" lIns="91440" tIns="45720" rIns="91440" bIns="45720" numCol="1" spcCol="0" rtlCol="0" fromWordArt="0" anchor="ctr" anchorCtr="0" forceAA="0" upright="0" compatLnSpc="0">
-            <a:normAutofit fontScale="90000" lnSpcReduction="2000"/>
+          <a:bodyPr vertOverflow="overflow" horzOverflow="overflow" vert="horz" wrap="square" lIns="91440" tIns="45720" rIns="91440" bIns="45720" numCol="1" spcCol="0" rtlCol="0" fromWordArt="0" anchor="ctr" anchorCtr="0" forceAA="0" compatLnSpc="0">
+            <a:normAutofit fontScale="90000"/>
           </a:bodyPr>
           <a:lstStyle/>
           <a:p>
@@ -11974,13 +12078,13 @@
           </p:nvPr>
         </p:nvSpPr>
         <p:spPr bwMode="auto">
-          <a:xfrm flipH="0" flipV="0">
+          <a:xfrm>
             <a:off x="245379" y="1627572"/>
             <a:ext cx="11164599" cy="4762499"/>
           </a:xfrm>
         </p:spPr>
         <p:txBody>
-          <a:bodyPr vertOverflow="overflow" horzOverflow="overflow" vert="horz" wrap="square" lIns="91440" tIns="45720" rIns="91440" bIns="45720" numCol="1" spcCol="0" rtlCol="0" fromWordArt="0" anchor="t" anchorCtr="0" forceAA="0" upright="0" compatLnSpc="0">
+          <a:bodyPr vertOverflow="overflow" horzOverflow="overflow" vert="horz" wrap="square" lIns="91440" tIns="45720" rIns="91440" bIns="45720" numCol="1" spcCol="0" rtlCol="0" fromWordArt="0" anchor="t" anchorCtr="0" forceAA="0" compatLnSpc="0">
             <a:normAutofit/>
           </a:bodyPr>
           <a:lstStyle/>
@@ -11991,18 +12095,40 @@
               <a:defRPr/>
             </a:pPr>
             <a:r>
-              <a:rPr sz="2000" b="0" i="0" u="none">
-                <a:solidFill>
-                  <a:schemeClr val="tx1"/>
-                </a:solidFill>
-                <a:latin typeface="Caladea"/>
-                <a:ea typeface="Caladea"/>
-                <a:cs typeface="Caladea"/>
-              </a:rPr>
-              <a:t>Un'azienda di snack deve identificare velocemente del cibo che gli arriva, deve mettere in dei contenitori le banane ed in altri le mandorle.</a:t>
-            </a:r>
-            <a:r>
-              <a:rPr sz="2000" b="0" i="0">
+              <a:rPr sz="2000" b="0" i="0" u="none" dirty="0" err="1">
+                <a:solidFill>
+                  <a:schemeClr val="tx1"/>
+                </a:solidFill>
+                <a:latin typeface="Caladea"/>
+                <a:ea typeface="Caladea"/>
+                <a:cs typeface="Caladea"/>
+              </a:rPr>
+              <a:t>Un'azienda</a:t>
+            </a:r>
+            <a:r>
+              <a:rPr sz="2000" b="0" i="0" u="none" dirty="0">
+                <a:solidFill>
+                  <a:schemeClr val="tx1"/>
+                </a:solidFill>
+                <a:latin typeface="Caladea"/>
+                <a:ea typeface="Caladea"/>
+                <a:cs typeface="Caladea"/>
+              </a:rPr>
+              <a:t> di snack </a:t>
+            </a:r>
+            <a:r>
+              <a:rPr sz="2000" b="0" i="0" u="none" dirty="0" err="1">
+                <a:solidFill>
+                  <a:schemeClr val="tx1"/>
+                </a:solidFill>
+                <a:latin typeface="Caladea"/>
+                <a:ea typeface="Caladea"/>
+                <a:cs typeface="Caladea"/>
+              </a:rPr>
+              <a:t>deve</a:t>
+            </a:r>
+            <a:r>
+              <a:rPr sz="2000" b="0" i="0" u="none" dirty="0">
                 <a:solidFill>
                   <a:schemeClr val="tx1"/>
                 </a:solidFill>
@@ -12013,17 +12139,883 @@
               <a:t> </a:t>
             </a:r>
             <a:r>
-              <a:rPr sz="2000" b="0" i="0">
-                <a:solidFill>
-                  <a:schemeClr val="tx1"/>
-                </a:solidFill>
-                <a:latin typeface="Caladea"/>
-                <a:ea typeface="Caladea"/>
-                <a:cs typeface="Caladea"/>
-              </a:rPr>
-              <a:t>Deve farlo senza rovina il cibo e quindi non puo usare dei filtri meccanici.</a:t>
-            </a:r>
-            <a:endParaRPr sz="2000" b="0" i="0">
+              <a:rPr sz="2000" b="0" i="0" u="none" dirty="0" err="1">
+                <a:solidFill>
+                  <a:schemeClr val="tx1"/>
+                </a:solidFill>
+                <a:latin typeface="Caladea"/>
+                <a:ea typeface="Caladea"/>
+                <a:cs typeface="Caladea"/>
+              </a:rPr>
+              <a:t>identificare</a:t>
+            </a:r>
+            <a:r>
+              <a:rPr sz="2000" b="0" i="0" u="none" dirty="0">
+                <a:solidFill>
+                  <a:schemeClr val="tx1"/>
+                </a:solidFill>
+                <a:latin typeface="Caladea"/>
+                <a:ea typeface="Caladea"/>
+                <a:cs typeface="Caladea"/>
+              </a:rPr>
+              <a:t> </a:t>
+            </a:r>
+            <a:r>
+              <a:rPr sz="2000" b="0" i="0" u="none" dirty="0" err="1">
+                <a:solidFill>
+                  <a:schemeClr val="tx1"/>
+                </a:solidFill>
+                <a:latin typeface="Caladea"/>
+                <a:ea typeface="Caladea"/>
+                <a:cs typeface="Caladea"/>
+              </a:rPr>
+              <a:t>velocemente</a:t>
+            </a:r>
+            <a:r>
+              <a:rPr sz="2000" b="0" i="0" u="none" dirty="0">
+                <a:solidFill>
+                  <a:schemeClr val="tx1"/>
+                </a:solidFill>
+                <a:latin typeface="Caladea"/>
+                <a:ea typeface="Caladea"/>
+                <a:cs typeface="Caladea"/>
+              </a:rPr>
+              <a:t> del </a:t>
+            </a:r>
+            <a:r>
+              <a:rPr sz="2000" b="0" i="0" u="none" dirty="0" err="1">
+                <a:solidFill>
+                  <a:schemeClr val="tx1"/>
+                </a:solidFill>
+                <a:latin typeface="Caladea"/>
+                <a:ea typeface="Caladea"/>
+                <a:cs typeface="Caladea"/>
+              </a:rPr>
+              <a:t>cibo</a:t>
+            </a:r>
+            <a:r>
+              <a:rPr sz="2000" b="0" i="0" u="none" dirty="0">
+                <a:solidFill>
+                  <a:schemeClr val="tx1"/>
+                </a:solidFill>
+                <a:latin typeface="Caladea"/>
+                <a:ea typeface="Caladea"/>
+                <a:cs typeface="Caladea"/>
+              </a:rPr>
+              <a:t> </a:t>
+            </a:r>
+            <a:r>
+              <a:rPr sz="2000" b="0" i="0" u="none" dirty="0" err="1">
+                <a:solidFill>
+                  <a:schemeClr val="tx1"/>
+                </a:solidFill>
+                <a:latin typeface="Caladea"/>
+                <a:ea typeface="Caladea"/>
+                <a:cs typeface="Caladea"/>
+              </a:rPr>
+              <a:t>che</a:t>
+            </a:r>
+            <a:r>
+              <a:rPr sz="2000" b="0" i="0" u="none" dirty="0">
+                <a:solidFill>
+                  <a:schemeClr val="tx1"/>
+                </a:solidFill>
+                <a:latin typeface="Caladea"/>
+                <a:ea typeface="Caladea"/>
+                <a:cs typeface="Caladea"/>
+              </a:rPr>
+              <a:t> </a:t>
+            </a:r>
+            <a:r>
+              <a:rPr sz="2000" b="0" i="0" u="none" dirty="0" err="1">
+                <a:solidFill>
+                  <a:schemeClr val="tx1"/>
+                </a:solidFill>
+                <a:latin typeface="Caladea"/>
+                <a:ea typeface="Caladea"/>
+                <a:cs typeface="Caladea"/>
+              </a:rPr>
+              <a:t>gli</a:t>
+            </a:r>
+            <a:r>
+              <a:rPr sz="2000" b="0" i="0" u="none" dirty="0">
+                <a:solidFill>
+                  <a:schemeClr val="tx1"/>
+                </a:solidFill>
+                <a:latin typeface="Caladea"/>
+                <a:ea typeface="Caladea"/>
+                <a:cs typeface="Caladea"/>
+              </a:rPr>
+              <a:t> </a:t>
+            </a:r>
+            <a:r>
+              <a:rPr sz="2000" b="0" i="0" u="none" dirty="0" err="1">
+                <a:solidFill>
+                  <a:schemeClr val="tx1"/>
+                </a:solidFill>
+                <a:latin typeface="Caladea"/>
+                <a:ea typeface="Caladea"/>
+                <a:cs typeface="Caladea"/>
+              </a:rPr>
+              <a:t>arriva</a:t>
+            </a:r>
+            <a:r>
+              <a:rPr sz="2000" b="0" i="0" u="none" dirty="0">
+                <a:solidFill>
+                  <a:schemeClr val="tx1"/>
+                </a:solidFill>
+                <a:latin typeface="Caladea"/>
+                <a:ea typeface="Caladea"/>
+                <a:cs typeface="Caladea"/>
+              </a:rPr>
+              <a:t>, </a:t>
+            </a:r>
+            <a:r>
+              <a:rPr sz="2000" b="0" i="0" u="none" dirty="0" err="1">
+                <a:solidFill>
+                  <a:schemeClr val="tx1"/>
+                </a:solidFill>
+                <a:latin typeface="Caladea"/>
+                <a:ea typeface="Caladea"/>
+                <a:cs typeface="Caladea"/>
+              </a:rPr>
+              <a:t>deve</a:t>
+            </a:r>
+            <a:r>
+              <a:rPr sz="2000" b="0" i="0" u="none" dirty="0">
+                <a:solidFill>
+                  <a:schemeClr val="tx1"/>
+                </a:solidFill>
+                <a:latin typeface="Caladea"/>
+                <a:ea typeface="Caladea"/>
+                <a:cs typeface="Caladea"/>
+              </a:rPr>
+              <a:t> </a:t>
+            </a:r>
+            <a:r>
+              <a:rPr sz="2000" b="0" i="0" u="none" dirty="0" err="1">
+                <a:solidFill>
+                  <a:schemeClr val="tx1"/>
+                </a:solidFill>
+                <a:latin typeface="Caladea"/>
+                <a:ea typeface="Caladea"/>
+                <a:cs typeface="Caladea"/>
+              </a:rPr>
+              <a:t>mettere</a:t>
+            </a:r>
+            <a:r>
+              <a:rPr sz="2000" b="0" i="0" u="none" dirty="0">
+                <a:solidFill>
+                  <a:schemeClr val="tx1"/>
+                </a:solidFill>
+                <a:latin typeface="Caladea"/>
+                <a:ea typeface="Caladea"/>
+                <a:cs typeface="Caladea"/>
+              </a:rPr>
+              <a:t> in </a:t>
+            </a:r>
+            <a:r>
+              <a:rPr sz="2000" b="0" i="0" u="none" dirty="0" err="1">
+                <a:solidFill>
+                  <a:schemeClr val="tx1"/>
+                </a:solidFill>
+                <a:latin typeface="Caladea"/>
+                <a:ea typeface="Caladea"/>
+                <a:cs typeface="Caladea"/>
+              </a:rPr>
+              <a:t>dei</a:t>
+            </a:r>
+            <a:r>
+              <a:rPr sz="2000" b="0" i="0" u="none" dirty="0">
+                <a:solidFill>
+                  <a:schemeClr val="tx1"/>
+                </a:solidFill>
+                <a:latin typeface="Caladea"/>
+                <a:ea typeface="Caladea"/>
+                <a:cs typeface="Caladea"/>
+              </a:rPr>
+              <a:t> </a:t>
+            </a:r>
+            <a:r>
+              <a:rPr sz="2000" b="0" i="0" u="none" dirty="0" err="1">
+                <a:solidFill>
+                  <a:schemeClr val="tx1"/>
+                </a:solidFill>
+                <a:latin typeface="Caladea"/>
+                <a:ea typeface="Caladea"/>
+                <a:cs typeface="Caladea"/>
+              </a:rPr>
+              <a:t>contenitori</a:t>
+            </a:r>
+            <a:r>
+              <a:rPr sz="2000" b="0" i="0" u="none" dirty="0">
+                <a:solidFill>
+                  <a:schemeClr val="tx1"/>
+                </a:solidFill>
+                <a:latin typeface="Caladea"/>
+                <a:ea typeface="Caladea"/>
+                <a:cs typeface="Caladea"/>
+              </a:rPr>
+              <a:t> le </a:t>
+            </a:r>
+            <a:r>
+              <a:rPr sz="2000" b="0" i="0" u="none" dirty="0" err="1">
+                <a:solidFill>
+                  <a:schemeClr val="tx1"/>
+                </a:solidFill>
+                <a:latin typeface="Caladea"/>
+                <a:ea typeface="Caladea"/>
+                <a:cs typeface="Caladea"/>
+              </a:rPr>
+              <a:t>banane</a:t>
+            </a:r>
+            <a:r>
+              <a:rPr sz="2000" b="0" i="0" u="none" dirty="0">
+                <a:solidFill>
+                  <a:schemeClr val="tx1"/>
+                </a:solidFill>
+                <a:latin typeface="Caladea"/>
+                <a:ea typeface="Caladea"/>
+                <a:cs typeface="Caladea"/>
+              </a:rPr>
+              <a:t> ed in </a:t>
+            </a:r>
+            <a:r>
+              <a:rPr sz="2000" b="0" i="0" u="none" dirty="0" err="1">
+                <a:solidFill>
+                  <a:schemeClr val="tx1"/>
+                </a:solidFill>
+                <a:latin typeface="Caladea"/>
+                <a:ea typeface="Caladea"/>
+                <a:cs typeface="Caladea"/>
+              </a:rPr>
+              <a:t>altri</a:t>
+            </a:r>
+            <a:r>
+              <a:rPr sz="2000" b="0" i="0" u="none" dirty="0">
+                <a:solidFill>
+                  <a:schemeClr val="tx1"/>
+                </a:solidFill>
+                <a:latin typeface="Caladea"/>
+                <a:ea typeface="Caladea"/>
+                <a:cs typeface="Caladea"/>
+              </a:rPr>
+              <a:t> le </a:t>
+            </a:r>
+            <a:r>
+              <a:rPr sz="2000" b="0" i="0" u="none" dirty="0" err="1">
+                <a:solidFill>
+                  <a:schemeClr val="tx1"/>
+                </a:solidFill>
+                <a:latin typeface="Caladea"/>
+                <a:ea typeface="Caladea"/>
+                <a:cs typeface="Caladea"/>
+              </a:rPr>
+              <a:t>mandorle</a:t>
+            </a:r>
+            <a:r>
+              <a:rPr sz="2000" b="0" i="0" u="none" dirty="0">
+                <a:solidFill>
+                  <a:schemeClr val="tx1"/>
+                </a:solidFill>
+                <a:latin typeface="Caladea"/>
+                <a:ea typeface="Caladea"/>
+                <a:cs typeface="Caladea"/>
+              </a:rPr>
+              <a:t>.</a:t>
+            </a:r>
+            <a:r>
+              <a:rPr sz="2000" b="0" i="0" dirty="0">
+                <a:solidFill>
+                  <a:schemeClr val="tx1"/>
+                </a:solidFill>
+                <a:latin typeface="Caladea"/>
+                <a:ea typeface="Caladea"/>
+                <a:cs typeface="Caladea"/>
+              </a:rPr>
+              <a:t> </a:t>
+            </a:r>
+            <a:r>
+              <a:rPr sz="2000" b="0" i="0" dirty="0" err="1">
+                <a:solidFill>
+                  <a:schemeClr val="tx1"/>
+                </a:solidFill>
+                <a:latin typeface="Caladea"/>
+                <a:ea typeface="Caladea"/>
+                <a:cs typeface="Caladea"/>
+              </a:rPr>
+              <a:t>Deve</a:t>
+            </a:r>
+            <a:r>
+              <a:rPr sz="2000" b="0" i="0" dirty="0">
+                <a:solidFill>
+                  <a:schemeClr val="tx1"/>
+                </a:solidFill>
+                <a:latin typeface="Caladea"/>
+                <a:ea typeface="Caladea"/>
+                <a:cs typeface="Caladea"/>
+              </a:rPr>
+              <a:t> </a:t>
+            </a:r>
+            <a:r>
+              <a:rPr sz="2000" b="0" i="0" dirty="0" err="1">
+                <a:solidFill>
+                  <a:schemeClr val="tx1"/>
+                </a:solidFill>
+                <a:latin typeface="Caladea"/>
+                <a:ea typeface="Caladea"/>
+                <a:cs typeface="Caladea"/>
+              </a:rPr>
+              <a:t>farlo</a:t>
+            </a:r>
+            <a:r>
+              <a:rPr sz="2000" b="0" i="0" dirty="0">
+                <a:solidFill>
+                  <a:schemeClr val="tx1"/>
+                </a:solidFill>
+                <a:latin typeface="Caladea"/>
+                <a:ea typeface="Caladea"/>
+                <a:cs typeface="Caladea"/>
+              </a:rPr>
+              <a:t> senza </a:t>
+            </a:r>
+            <a:r>
+              <a:rPr sz="2000" b="0" i="0" dirty="0" err="1">
+                <a:solidFill>
+                  <a:schemeClr val="tx1"/>
+                </a:solidFill>
+                <a:latin typeface="Caladea"/>
+                <a:ea typeface="Caladea"/>
+                <a:cs typeface="Caladea"/>
+              </a:rPr>
+              <a:t>rovina</a:t>
+            </a:r>
+            <a:r>
+              <a:rPr sz="2000" b="0" i="0" dirty="0">
+                <a:solidFill>
+                  <a:schemeClr val="tx1"/>
+                </a:solidFill>
+                <a:latin typeface="Caladea"/>
+                <a:ea typeface="Caladea"/>
+                <a:cs typeface="Caladea"/>
+              </a:rPr>
+              <a:t> </a:t>
+            </a:r>
+            <a:r>
+              <a:rPr sz="2000" b="0" i="0" dirty="0" err="1">
+                <a:solidFill>
+                  <a:schemeClr val="tx1"/>
+                </a:solidFill>
+                <a:latin typeface="Caladea"/>
+                <a:ea typeface="Caladea"/>
+                <a:cs typeface="Caladea"/>
+              </a:rPr>
+              <a:t>il</a:t>
+            </a:r>
+            <a:r>
+              <a:rPr sz="2000" b="0" i="0" dirty="0">
+                <a:solidFill>
+                  <a:schemeClr val="tx1"/>
+                </a:solidFill>
+                <a:latin typeface="Caladea"/>
+                <a:ea typeface="Caladea"/>
+                <a:cs typeface="Caladea"/>
+              </a:rPr>
+              <a:t> </a:t>
+            </a:r>
+            <a:r>
+              <a:rPr sz="2000" b="0" i="0" dirty="0" err="1">
+                <a:solidFill>
+                  <a:schemeClr val="tx1"/>
+                </a:solidFill>
+                <a:latin typeface="Caladea"/>
+                <a:ea typeface="Caladea"/>
+                <a:cs typeface="Caladea"/>
+              </a:rPr>
+              <a:t>cibo</a:t>
+            </a:r>
+            <a:r>
+              <a:rPr sz="2000" b="0" i="0" dirty="0">
+                <a:solidFill>
+                  <a:schemeClr val="tx1"/>
+                </a:solidFill>
+                <a:latin typeface="Caladea"/>
+                <a:ea typeface="Caladea"/>
+                <a:cs typeface="Caladea"/>
+              </a:rPr>
+              <a:t> e </a:t>
+            </a:r>
+            <a:r>
+              <a:rPr sz="2000" b="0" i="0" dirty="0" err="1">
+                <a:solidFill>
+                  <a:schemeClr val="tx1"/>
+                </a:solidFill>
+                <a:latin typeface="Caladea"/>
+                <a:ea typeface="Caladea"/>
+                <a:cs typeface="Caladea"/>
+              </a:rPr>
+              <a:t>quindi</a:t>
+            </a:r>
+            <a:r>
+              <a:rPr sz="2000" b="0" i="0" dirty="0">
+                <a:solidFill>
+                  <a:schemeClr val="tx1"/>
+                </a:solidFill>
+                <a:latin typeface="Caladea"/>
+                <a:ea typeface="Caladea"/>
+                <a:cs typeface="Caladea"/>
+              </a:rPr>
+              <a:t> non </a:t>
+            </a:r>
+            <a:r>
+              <a:rPr sz="2000" b="0" i="0" dirty="0" err="1">
+                <a:solidFill>
+                  <a:schemeClr val="tx1"/>
+                </a:solidFill>
+                <a:latin typeface="Caladea"/>
+                <a:ea typeface="Caladea"/>
+                <a:cs typeface="Caladea"/>
+              </a:rPr>
+              <a:t>pu</a:t>
+            </a:r>
+            <a:r>
+              <a:rPr lang="it-IT" sz="2000" b="0" i="0" dirty="0">
+                <a:solidFill>
+                  <a:schemeClr val="tx1"/>
+                </a:solidFill>
+                <a:latin typeface="Caladea"/>
+                <a:ea typeface="Caladea"/>
+                <a:cs typeface="Caladea"/>
+              </a:rPr>
+              <a:t>ò</a:t>
+            </a:r>
+            <a:r>
+              <a:rPr sz="2000" b="0" i="0" dirty="0">
+                <a:solidFill>
+                  <a:schemeClr val="tx1"/>
+                </a:solidFill>
+                <a:latin typeface="Caladea"/>
+                <a:ea typeface="Caladea"/>
+                <a:cs typeface="Caladea"/>
+              </a:rPr>
+              <a:t> </a:t>
+            </a:r>
+            <a:r>
+              <a:rPr sz="2000" b="0" i="0" dirty="0" err="1">
+                <a:solidFill>
+                  <a:schemeClr val="tx1"/>
+                </a:solidFill>
+                <a:latin typeface="Caladea"/>
+                <a:ea typeface="Caladea"/>
+                <a:cs typeface="Caladea"/>
+              </a:rPr>
+              <a:t>usare</a:t>
+            </a:r>
+            <a:r>
+              <a:rPr sz="2000" b="0" i="0" dirty="0">
+                <a:solidFill>
+                  <a:schemeClr val="tx1"/>
+                </a:solidFill>
+                <a:latin typeface="Caladea"/>
+                <a:ea typeface="Caladea"/>
+                <a:cs typeface="Caladea"/>
+              </a:rPr>
+              <a:t> </a:t>
+            </a:r>
+            <a:r>
+              <a:rPr sz="2000" b="0" i="0" dirty="0" err="1">
+                <a:solidFill>
+                  <a:schemeClr val="tx1"/>
+                </a:solidFill>
+                <a:latin typeface="Caladea"/>
+                <a:ea typeface="Caladea"/>
+                <a:cs typeface="Caladea"/>
+              </a:rPr>
+              <a:t>dei</a:t>
+            </a:r>
+            <a:r>
+              <a:rPr sz="2000" b="0" i="0" dirty="0">
+                <a:solidFill>
+                  <a:schemeClr val="tx1"/>
+                </a:solidFill>
+                <a:latin typeface="Caladea"/>
+                <a:ea typeface="Caladea"/>
+                <a:cs typeface="Caladea"/>
+              </a:rPr>
+              <a:t> </a:t>
+            </a:r>
+            <a:r>
+              <a:rPr sz="2000" b="0" i="0" dirty="0" err="1">
+                <a:solidFill>
+                  <a:schemeClr val="tx1"/>
+                </a:solidFill>
+                <a:latin typeface="Caladea"/>
+                <a:ea typeface="Caladea"/>
+                <a:cs typeface="Caladea"/>
+              </a:rPr>
+              <a:t>filtri</a:t>
+            </a:r>
+            <a:r>
+              <a:rPr sz="2000" b="0" i="0" dirty="0">
+                <a:solidFill>
+                  <a:schemeClr val="tx1"/>
+                </a:solidFill>
+                <a:latin typeface="Caladea"/>
+                <a:ea typeface="Caladea"/>
+                <a:cs typeface="Caladea"/>
+              </a:rPr>
+              <a:t> </a:t>
+            </a:r>
+            <a:r>
+              <a:rPr sz="2000" b="0" i="0" dirty="0" err="1">
+                <a:solidFill>
+                  <a:schemeClr val="tx1"/>
+                </a:solidFill>
+                <a:latin typeface="Caladea"/>
+                <a:ea typeface="Caladea"/>
+                <a:cs typeface="Caladea"/>
+              </a:rPr>
+              <a:t>meccanici</a:t>
+            </a:r>
+            <a:r>
+              <a:rPr sz="2000" b="0" i="0" dirty="0">
+                <a:solidFill>
+                  <a:schemeClr val="tx1"/>
+                </a:solidFill>
+                <a:latin typeface="Caladea"/>
+                <a:ea typeface="Caladea"/>
+                <a:cs typeface="Caladea"/>
+              </a:rPr>
+              <a:t>.</a:t>
+            </a:r>
+          </a:p>
+          <a:p>
+            <a:pPr marL="0" indent="0">
+              <a:buFont typeface="Arial"/>
+              <a:buNone/>
+              <a:defRPr/>
+            </a:pPr>
+            <a:endParaRPr sz="2000" b="0" i="0" dirty="0">
+              <a:solidFill>
+                <a:schemeClr val="tx1"/>
+              </a:solidFill>
+              <a:latin typeface="Caladea"/>
+              <a:cs typeface="Caladea"/>
+            </a:endParaRPr>
+          </a:p>
+          <a:p>
+            <a:pPr marL="0" indent="0">
+              <a:buFont typeface="Arial"/>
+              <a:buNone/>
+              <a:defRPr/>
+            </a:pPr>
+            <a:r>
+              <a:rPr sz="2000" b="0" i="0" dirty="0">
+                <a:solidFill>
+                  <a:schemeClr val="tx1"/>
+                </a:solidFill>
+                <a:latin typeface="Caladea"/>
+                <a:ea typeface="Caladea"/>
+                <a:cs typeface="Caladea"/>
+              </a:rPr>
+              <a:t>Che </a:t>
+            </a:r>
+            <a:r>
+              <a:rPr sz="2000" b="0" i="0" dirty="0" err="1">
+                <a:solidFill>
+                  <a:schemeClr val="tx1"/>
+                </a:solidFill>
+                <a:latin typeface="Caladea"/>
+                <a:ea typeface="Caladea"/>
+                <a:cs typeface="Caladea"/>
+              </a:rPr>
+              <a:t>caratteristiche</a:t>
+            </a:r>
+            <a:r>
+              <a:rPr sz="2000" b="0" i="0" dirty="0">
+                <a:solidFill>
+                  <a:schemeClr val="tx1"/>
+                </a:solidFill>
+                <a:latin typeface="Caladea"/>
+                <a:ea typeface="Caladea"/>
+                <a:cs typeface="Caladea"/>
+              </a:rPr>
+              <a:t> di </a:t>
+            </a:r>
+            <a:r>
+              <a:rPr sz="2000" b="0" i="0" dirty="0" err="1">
+                <a:solidFill>
+                  <a:schemeClr val="tx1"/>
+                </a:solidFill>
+                <a:latin typeface="Caladea"/>
+                <a:ea typeface="Caladea"/>
+                <a:cs typeface="Caladea"/>
+              </a:rPr>
+              <a:t>banane</a:t>
+            </a:r>
+            <a:r>
+              <a:rPr sz="2000" b="0" i="0" dirty="0">
+                <a:solidFill>
+                  <a:schemeClr val="tx1"/>
+                </a:solidFill>
+                <a:latin typeface="Caladea"/>
+                <a:ea typeface="Caladea"/>
+                <a:cs typeface="Caladea"/>
+              </a:rPr>
+              <a:t> e </a:t>
+            </a:r>
+            <a:r>
+              <a:rPr sz="2000" b="0" i="0" dirty="0" err="1">
+                <a:solidFill>
+                  <a:schemeClr val="tx1"/>
+                </a:solidFill>
+                <a:latin typeface="Caladea"/>
+                <a:ea typeface="Caladea"/>
+                <a:cs typeface="Caladea"/>
+              </a:rPr>
+              <a:t>mandorle</a:t>
+            </a:r>
+            <a:r>
+              <a:rPr sz="2000" b="0" i="0" dirty="0">
+                <a:solidFill>
+                  <a:schemeClr val="tx1"/>
+                </a:solidFill>
+                <a:latin typeface="Caladea"/>
+                <a:ea typeface="Caladea"/>
+                <a:cs typeface="Caladea"/>
+              </a:rPr>
+              <a:t> </a:t>
+            </a:r>
+            <a:r>
+              <a:rPr sz="2000" b="0" i="0" dirty="0" err="1">
+                <a:solidFill>
+                  <a:schemeClr val="tx1"/>
+                </a:solidFill>
+                <a:latin typeface="Caladea"/>
+                <a:ea typeface="Caladea"/>
+                <a:cs typeface="Caladea"/>
+              </a:rPr>
+              <a:t>pu</a:t>
+            </a:r>
+            <a:r>
+              <a:rPr lang="it-IT" sz="2000" b="0" i="0" dirty="0">
+                <a:solidFill>
+                  <a:schemeClr val="tx1"/>
+                </a:solidFill>
+                <a:latin typeface="Caladea"/>
+                <a:ea typeface="Caladea"/>
+                <a:cs typeface="Caladea"/>
+              </a:rPr>
+              <a:t>ò</a:t>
+            </a:r>
+            <a:r>
+              <a:rPr sz="2000" b="0" i="0" dirty="0">
+                <a:solidFill>
+                  <a:schemeClr val="tx1"/>
+                </a:solidFill>
+                <a:latin typeface="Caladea"/>
+                <a:ea typeface="Caladea"/>
+                <a:cs typeface="Caladea"/>
+              </a:rPr>
+              <a:t> </a:t>
+            </a:r>
+            <a:r>
+              <a:rPr sz="2000" b="0" i="0" dirty="0" err="1">
+                <a:solidFill>
+                  <a:schemeClr val="tx1"/>
+                </a:solidFill>
+                <a:latin typeface="Caladea"/>
+                <a:ea typeface="Caladea"/>
+                <a:cs typeface="Caladea"/>
+              </a:rPr>
+              <a:t>usare</a:t>
+            </a:r>
+            <a:r>
+              <a:rPr sz="2000" b="0" i="0" dirty="0">
+                <a:solidFill>
+                  <a:schemeClr val="tx1"/>
+                </a:solidFill>
+                <a:latin typeface="Caladea"/>
+                <a:ea typeface="Caladea"/>
+                <a:cs typeface="Caladea"/>
+              </a:rPr>
+              <a:t> per </a:t>
+            </a:r>
+            <a:r>
+              <a:rPr sz="2000" b="0" i="0" dirty="0" err="1">
+                <a:solidFill>
+                  <a:schemeClr val="tx1"/>
+                </a:solidFill>
+                <a:latin typeface="Caladea"/>
+                <a:ea typeface="Caladea"/>
+                <a:cs typeface="Caladea"/>
+              </a:rPr>
+              <a:t>differenziale</a:t>
+            </a:r>
+            <a:r>
+              <a:rPr sz="2000" b="0" i="0" dirty="0">
+                <a:solidFill>
+                  <a:schemeClr val="tx1"/>
+                </a:solidFill>
+                <a:latin typeface="Caladea"/>
+                <a:ea typeface="Caladea"/>
+                <a:cs typeface="Caladea"/>
+              </a:rPr>
+              <a:t>?</a:t>
+            </a:r>
+          </a:p>
+          <a:p>
+            <a:pPr marL="0" indent="0">
+              <a:buFont typeface="Arial"/>
+              <a:buNone/>
+              <a:defRPr/>
+            </a:pPr>
+            <a:r>
+              <a:rPr sz="2000" b="0" i="0" dirty="0" err="1">
+                <a:solidFill>
+                  <a:schemeClr val="tx1"/>
+                </a:solidFill>
+                <a:latin typeface="Caladea"/>
+                <a:ea typeface="Caladea"/>
+                <a:cs typeface="Caladea"/>
+              </a:rPr>
+              <a:t>Provate</a:t>
+            </a:r>
+            <a:r>
+              <a:rPr sz="2000" b="0" i="0" dirty="0">
+                <a:solidFill>
+                  <a:schemeClr val="tx1"/>
+                </a:solidFill>
+                <a:latin typeface="Caladea"/>
+                <a:ea typeface="Caladea"/>
+                <a:cs typeface="Caladea"/>
+              </a:rPr>
+              <a:t> a </a:t>
+            </a:r>
+            <a:r>
+              <a:rPr sz="2000" b="0" i="0" dirty="0" err="1">
+                <a:solidFill>
+                  <a:schemeClr val="tx1"/>
+                </a:solidFill>
+                <a:latin typeface="Caladea"/>
+                <a:ea typeface="Caladea"/>
+                <a:cs typeface="Caladea"/>
+              </a:rPr>
+              <a:t>metterle</a:t>
+            </a:r>
+            <a:r>
+              <a:rPr sz="2000" b="0" i="0" dirty="0">
+                <a:solidFill>
+                  <a:schemeClr val="tx1"/>
+                </a:solidFill>
+                <a:latin typeface="Caladea"/>
+                <a:ea typeface="Caladea"/>
+                <a:cs typeface="Caladea"/>
+              </a:rPr>
+              <a:t> in </a:t>
+            </a:r>
+            <a:r>
+              <a:rPr sz="2000" b="0" i="0" dirty="0" err="1">
+                <a:solidFill>
+                  <a:schemeClr val="tx1"/>
+                </a:solidFill>
+                <a:latin typeface="Caladea"/>
+                <a:ea typeface="Caladea"/>
+                <a:cs typeface="Caladea"/>
+              </a:rPr>
+              <a:t>ordine</a:t>
+            </a:r>
+            <a:r>
+              <a:rPr sz="2000" b="0" i="0" dirty="0">
+                <a:solidFill>
+                  <a:schemeClr val="tx1"/>
+                </a:solidFill>
+                <a:latin typeface="Caladea"/>
+                <a:cs typeface="Caladea"/>
+              </a:rPr>
+              <a:t> di </a:t>
+            </a:r>
+            <a:r>
+              <a:rPr sz="2000" b="0" i="0" dirty="0" err="1">
+                <a:solidFill>
+                  <a:schemeClr val="tx1"/>
+                </a:solidFill>
+                <a:latin typeface="Caladea"/>
+                <a:cs typeface="Caladea"/>
+              </a:rPr>
+              <a:t>importanza</a:t>
+            </a:r>
+            <a:r>
+              <a:rPr sz="2000" b="0" i="0" dirty="0">
+                <a:solidFill>
+                  <a:schemeClr val="tx1"/>
+                </a:solidFill>
+                <a:latin typeface="Caladea"/>
+                <a:cs typeface="Caladea"/>
+              </a:rPr>
+              <a:t>, </a:t>
+            </a:r>
+            <a:r>
+              <a:rPr sz="2000" b="0" i="0" dirty="0" err="1">
+                <a:solidFill>
+                  <a:schemeClr val="tx1"/>
+                </a:solidFill>
+                <a:latin typeface="Caladea"/>
+                <a:cs typeface="Caladea"/>
+              </a:rPr>
+              <a:t>scegliete</a:t>
+            </a:r>
+            <a:r>
+              <a:rPr sz="2000" b="0" i="0" dirty="0">
+                <a:solidFill>
+                  <a:schemeClr val="tx1"/>
+                </a:solidFill>
+                <a:latin typeface="Caladea"/>
+                <a:cs typeface="Caladea"/>
+              </a:rPr>
+              <a:t> le due pi</a:t>
+            </a:r>
+            <a:r>
+              <a:rPr lang="it-IT" sz="2000" b="0" i="0" dirty="0">
+                <a:solidFill>
+                  <a:schemeClr val="tx1"/>
+                </a:solidFill>
+                <a:latin typeface="Caladea"/>
+                <a:cs typeface="Caladea"/>
+              </a:rPr>
+              <a:t>ù</a:t>
+            </a:r>
+            <a:r>
+              <a:rPr sz="2000" b="0" i="0" dirty="0">
+                <a:solidFill>
+                  <a:schemeClr val="tx1"/>
+                </a:solidFill>
+                <a:latin typeface="Caladea"/>
+                <a:cs typeface="Caladea"/>
+              </a:rPr>
+              <a:t> </a:t>
+            </a:r>
+            <a:r>
+              <a:rPr sz="2000" b="0" i="0" dirty="0" err="1">
+                <a:solidFill>
+                  <a:schemeClr val="tx1"/>
+                </a:solidFill>
+                <a:latin typeface="Caladea"/>
+                <a:cs typeface="Caladea"/>
+              </a:rPr>
+              <a:t>caratteristiche</a:t>
+            </a:r>
+            <a:r>
+              <a:rPr lang="it-IT" sz="2000" b="0" i="0" dirty="0">
+                <a:solidFill>
+                  <a:schemeClr val="tx1"/>
+                </a:solidFill>
+                <a:latin typeface="Caladea"/>
+                <a:cs typeface="Caladea"/>
+              </a:rPr>
+              <a:t>…</a:t>
+            </a:r>
+            <a:endParaRPr sz="2000" b="0" i="0" dirty="0">
               <a:solidFill>
                 <a:schemeClr val="tx1"/>
               </a:solidFill>
@@ -12032,13 +13024,707 @@
               <a:cs typeface="Caladea"/>
             </a:endParaRPr>
           </a:p>
+        </p:txBody>
+      </p:sp>
+    </p:spTree>
+    <p:extLst>
+      <p:ext uri="{BB962C8B-B14F-4D97-AF65-F5344CB8AC3E}">
+        <p14:creationId xmlns:p14="http://schemas.microsoft.com/office/powerpoint/2010/main" val="2642078514"/>
+      </p:ext>
+    </p:extLst>
+  </p:cSld>
+  <p:clrMapOvr>
+    <a:masterClrMapping/>
+  </p:clrMapOvr>
+</p:sld>
+</file>
+
+<file path=ppt/slides/slide5.xml><?xml version="1.0" encoding="utf-8"?>
+<p:sld xmlns:a="http://schemas.openxmlformats.org/drawingml/2006/main" xmlns:r="http://schemas.openxmlformats.org/officeDocument/2006/relationships" xmlns:p="http://schemas.openxmlformats.org/presentationml/2006/main" showMasterPhAnim="0">
+  <p:cSld>
+    <p:spTree>
+      <p:nvGrpSpPr>
+        <p:cNvPr id="1" name=""/>
+        <p:cNvGrpSpPr/>
+        <p:nvPr/>
+      </p:nvGrpSpPr>
+      <p:grpSpPr bwMode="auto">
+        <a:xfrm>
+          <a:off x="0" y="0"/>
+          <a:ext cx="0" cy="0"/>
+          <a:chOff x="0" y="0"/>
+          <a:chExt cx="0" cy="0"/>
+        </a:xfrm>
+      </p:grpSpPr>
+      <p:sp>
+        <p:nvSpPr>
+          <p:cNvPr id="1347328370" name="Title 1"/>
+          <p:cNvSpPr>
+            <a:spLocks noGrp="1"/>
+          </p:cNvSpPr>
+          <p:nvPr>
+            <p:ph type="title"/>
+          </p:nvPr>
+        </p:nvSpPr>
+        <p:spPr bwMode="auto">
+          <a:xfrm>
+            <a:off x="245379" y="1071416"/>
+            <a:ext cx="4968725" cy="556156"/>
+          </a:xfrm>
+        </p:spPr>
+        <p:txBody>
+          <a:bodyPr vertOverflow="overflow" horzOverflow="overflow" vert="horz" wrap="square" lIns="91440" tIns="45720" rIns="91440" bIns="45720" numCol="1" spcCol="0" rtlCol="0" fromWordArt="0" anchor="ctr" anchorCtr="0" forceAA="0" compatLnSpc="0">
+            <a:normAutofit fontScale="90000"/>
+          </a:bodyPr>
+          <a:lstStyle/>
+          <a:p>
+            <a:pPr>
+              <a:defRPr/>
+            </a:pPr>
+            <a:r>
+              <a:rPr sz="2600">
+                <a:latin typeface="Caladea"/>
+                <a:ea typeface="Caladea"/>
+                <a:cs typeface="Caladea"/>
+              </a:rPr>
+              <a:t>Vediamo in pratica! Algoritmo KNN</a:t>
+            </a:r>
+            <a:endParaRPr sz="2600">
+              <a:latin typeface="Caladea"/>
+              <a:cs typeface="Caladea"/>
+            </a:endParaRPr>
+          </a:p>
+        </p:txBody>
+      </p:sp>
+      <p:sp>
+        <p:nvSpPr>
+          <p:cNvPr id="481348300" name="Content Placeholder 2"/>
+          <p:cNvSpPr>
+            <a:spLocks noGrp="1"/>
+          </p:cNvSpPr>
+          <p:nvPr>
+            <p:ph idx="1"/>
+          </p:nvPr>
+        </p:nvSpPr>
+        <p:spPr bwMode="auto">
+          <a:xfrm>
+            <a:off x="245379" y="1627572"/>
+            <a:ext cx="11164599" cy="4762499"/>
+          </a:xfrm>
+        </p:spPr>
+        <p:txBody>
+          <a:bodyPr vertOverflow="overflow" horzOverflow="overflow" vert="horz" wrap="square" lIns="91440" tIns="45720" rIns="91440" bIns="45720" numCol="1" spcCol="0" rtlCol="0" fromWordArt="0" anchor="t" anchorCtr="0" forceAA="0" compatLnSpc="0">
+            <a:normAutofit/>
+          </a:bodyPr>
+          <a:lstStyle/>
           <a:p>
             <a:pPr marL="0" indent="0">
               <a:buFont typeface="Arial"/>
               <a:buNone/>
               <a:defRPr/>
             </a:pPr>
-            <a:endParaRPr sz="2000" b="0" i="0">
+            <a:r>
+              <a:rPr sz="2000" b="0" i="0" u="none" dirty="0" err="1">
+                <a:solidFill>
+                  <a:schemeClr val="tx1"/>
+                </a:solidFill>
+                <a:latin typeface="Caladea"/>
+                <a:ea typeface="Caladea"/>
+                <a:cs typeface="Caladea"/>
+              </a:rPr>
+              <a:t>Un'azienda</a:t>
+            </a:r>
+            <a:r>
+              <a:rPr sz="2000" b="0" i="0" u="none" dirty="0">
+                <a:solidFill>
+                  <a:schemeClr val="tx1"/>
+                </a:solidFill>
+                <a:latin typeface="Caladea"/>
+                <a:ea typeface="Caladea"/>
+                <a:cs typeface="Caladea"/>
+              </a:rPr>
+              <a:t> di snack </a:t>
+            </a:r>
+            <a:r>
+              <a:rPr sz="2000" b="0" i="0" u="none" dirty="0" err="1">
+                <a:solidFill>
+                  <a:schemeClr val="tx1"/>
+                </a:solidFill>
+                <a:latin typeface="Caladea"/>
+                <a:ea typeface="Caladea"/>
+                <a:cs typeface="Caladea"/>
+              </a:rPr>
+              <a:t>deve</a:t>
+            </a:r>
+            <a:r>
+              <a:rPr sz="2000" b="0" i="0" u="none" dirty="0">
+                <a:solidFill>
+                  <a:schemeClr val="tx1"/>
+                </a:solidFill>
+                <a:latin typeface="Caladea"/>
+                <a:ea typeface="Caladea"/>
+                <a:cs typeface="Caladea"/>
+              </a:rPr>
+              <a:t> </a:t>
+            </a:r>
+            <a:r>
+              <a:rPr sz="2000" b="0" i="0" u="none" dirty="0" err="1">
+                <a:solidFill>
+                  <a:schemeClr val="tx1"/>
+                </a:solidFill>
+                <a:latin typeface="Caladea"/>
+                <a:ea typeface="Caladea"/>
+                <a:cs typeface="Caladea"/>
+              </a:rPr>
+              <a:t>identificare</a:t>
+            </a:r>
+            <a:r>
+              <a:rPr sz="2000" b="0" i="0" u="none" dirty="0">
+                <a:solidFill>
+                  <a:schemeClr val="tx1"/>
+                </a:solidFill>
+                <a:latin typeface="Caladea"/>
+                <a:ea typeface="Caladea"/>
+                <a:cs typeface="Caladea"/>
+              </a:rPr>
+              <a:t> </a:t>
+            </a:r>
+            <a:r>
+              <a:rPr sz="2000" b="0" i="0" u="none" dirty="0" err="1">
+                <a:solidFill>
+                  <a:schemeClr val="tx1"/>
+                </a:solidFill>
+                <a:latin typeface="Caladea"/>
+                <a:ea typeface="Caladea"/>
+                <a:cs typeface="Caladea"/>
+              </a:rPr>
+              <a:t>velocemente</a:t>
+            </a:r>
+            <a:r>
+              <a:rPr sz="2000" b="0" i="0" u="none" dirty="0">
+                <a:solidFill>
+                  <a:schemeClr val="tx1"/>
+                </a:solidFill>
+                <a:latin typeface="Caladea"/>
+                <a:ea typeface="Caladea"/>
+                <a:cs typeface="Caladea"/>
+              </a:rPr>
+              <a:t> del </a:t>
+            </a:r>
+            <a:r>
+              <a:rPr sz="2000" b="0" i="0" u="none" dirty="0" err="1">
+                <a:solidFill>
+                  <a:schemeClr val="tx1"/>
+                </a:solidFill>
+                <a:latin typeface="Caladea"/>
+                <a:ea typeface="Caladea"/>
+                <a:cs typeface="Caladea"/>
+              </a:rPr>
+              <a:t>cibo</a:t>
+            </a:r>
+            <a:r>
+              <a:rPr sz="2000" b="0" i="0" u="none" dirty="0">
+                <a:solidFill>
+                  <a:schemeClr val="tx1"/>
+                </a:solidFill>
+                <a:latin typeface="Caladea"/>
+                <a:ea typeface="Caladea"/>
+                <a:cs typeface="Caladea"/>
+              </a:rPr>
+              <a:t> </a:t>
+            </a:r>
+            <a:r>
+              <a:rPr sz="2000" b="0" i="0" u="none" dirty="0" err="1">
+                <a:solidFill>
+                  <a:schemeClr val="tx1"/>
+                </a:solidFill>
+                <a:latin typeface="Caladea"/>
+                <a:ea typeface="Caladea"/>
+                <a:cs typeface="Caladea"/>
+              </a:rPr>
+              <a:t>che</a:t>
+            </a:r>
+            <a:r>
+              <a:rPr sz="2000" b="0" i="0" u="none" dirty="0">
+                <a:solidFill>
+                  <a:schemeClr val="tx1"/>
+                </a:solidFill>
+                <a:latin typeface="Caladea"/>
+                <a:ea typeface="Caladea"/>
+                <a:cs typeface="Caladea"/>
+              </a:rPr>
+              <a:t> </a:t>
+            </a:r>
+            <a:r>
+              <a:rPr sz="2000" b="0" i="0" u="none" dirty="0" err="1">
+                <a:solidFill>
+                  <a:schemeClr val="tx1"/>
+                </a:solidFill>
+                <a:latin typeface="Caladea"/>
+                <a:ea typeface="Caladea"/>
+                <a:cs typeface="Caladea"/>
+              </a:rPr>
+              <a:t>gli</a:t>
+            </a:r>
+            <a:r>
+              <a:rPr sz="2000" b="0" i="0" u="none" dirty="0">
+                <a:solidFill>
+                  <a:schemeClr val="tx1"/>
+                </a:solidFill>
+                <a:latin typeface="Caladea"/>
+                <a:ea typeface="Caladea"/>
+                <a:cs typeface="Caladea"/>
+              </a:rPr>
+              <a:t> </a:t>
+            </a:r>
+            <a:r>
+              <a:rPr sz="2000" b="0" i="0" u="none" dirty="0" err="1">
+                <a:solidFill>
+                  <a:schemeClr val="tx1"/>
+                </a:solidFill>
+                <a:latin typeface="Caladea"/>
+                <a:ea typeface="Caladea"/>
+                <a:cs typeface="Caladea"/>
+              </a:rPr>
+              <a:t>arriva</a:t>
+            </a:r>
+            <a:r>
+              <a:rPr sz="2000" b="0" i="0" u="none" dirty="0">
+                <a:solidFill>
+                  <a:schemeClr val="tx1"/>
+                </a:solidFill>
+                <a:latin typeface="Caladea"/>
+                <a:ea typeface="Caladea"/>
+                <a:cs typeface="Caladea"/>
+              </a:rPr>
+              <a:t>, </a:t>
+            </a:r>
+            <a:r>
+              <a:rPr sz="2000" b="0" i="0" u="none" dirty="0" err="1">
+                <a:solidFill>
+                  <a:schemeClr val="tx1"/>
+                </a:solidFill>
+                <a:latin typeface="Caladea"/>
+                <a:ea typeface="Caladea"/>
+                <a:cs typeface="Caladea"/>
+              </a:rPr>
+              <a:t>deve</a:t>
+            </a:r>
+            <a:r>
+              <a:rPr sz="2000" b="0" i="0" u="none" dirty="0">
+                <a:solidFill>
+                  <a:schemeClr val="tx1"/>
+                </a:solidFill>
+                <a:latin typeface="Caladea"/>
+                <a:ea typeface="Caladea"/>
+                <a:cs typeface="Caladea"/>
+              </a:rPr>
+              <a:t> </a:t>
+            </a:r>
+            <a:r>
+              <a:rPr sz="2000" b="0" i="0" u="none" dirty="0" err="1">
+                <a:solidFill>
+                  <a:schemeClr val="tx1"/>
+                </a:solidFill>
+                <a:latin typeface="Caladea"/>
+                <a:ea typeface="Caladea"/>
+                <a:cs typeface="Caladea"/>
+              </a:rPr>
+              <a:t>mettere</a:t>
+            </a:r>
+            <a:r>
+              <a:rPr sz="2000" b="0" i="0" u="none" dirty="0">
+                <a:solidFill>
+                  <a:schemeClr val="tx1"/>
+                </a:solidFill>
+                <a:latin typeface="Caladea"/>
+                <a:ea typeface="Caladea"/>
+                <a:cs typeface="Caladea"/>
+              </a:rPr>
+              <a:t> in </a:t>
+            </a:r>
+            <a:r>
+              <a:rPr sz="2000" b="0" i="0" u="none" dirty="0" err="1">
+                <a:solidFill>
+                  <a:schemeClr val="tx1"/>
+                </a:solidFill>
+                <a:latin typeface="Caladea"/>
+                <a:ea typeface="Caladea"/>
+                <a:cs typeface="Caladea"/>
+              </a:rPr>
+              <a:t>dei</a:t>
+            </a:r>
+            <a:r>
+              <a:rPr sz="2000" b="0" i="0" u="none" dirty="0">
+                <a:solidFill>
+                  <a:schemeClr val="tx1"/>
+                </a:solidFill>
+                <a:latin typeface="Caladea"/>
+                <a:ea typeface="Caladea"/>
+                <a:cs typeface="Caladea"/>
+              </a:rPr>
+              <a:t> </a:t>
+            </a:r>
+            <a:r>
+              <a:rPr sz="2000" b="0" i="0" u="none" dirty="0" err="1">
+                <a:solidFill>
+                  <a:schemeClr val="tx1"/>
+                </a:solidFill>
+                <a:latin typeface="Caladea"/>
+                <a:ea typeface="Caladea"/>
+                <a:cs typeface="Caladea"/>
+              </a:rPr>
+              <a:t>contenitori</a:t>
+            </a:r>
+            <a:r>
+              <a:rPr sz="2000" b="0" i="0" u="none" dirty="0">
+                <a:solidFill>
+                  <a:schemeClr val="tx1"/>
+                </a:solidFill>
+                <a:latin typeface="Caladea"/>
+                <a:ea typeface="Caladea"/>
+                <a:cs typeface="Caladea"/>
+              </a:rPr>
+              <a:t> le </a:t>
+            </a:r>
+            <a:r>
+              <a:rPr sz="2000" b="0" i="0" u="none" dirty="0" err="1">
+                <a:solidFill>
+                  <a:schemeClr val="tx1"/>
+                </a:solidFill>
+                <a:latin typeface="Caladea"/>
+                <a:ea typeface="Caladea"/>
+                <a:cs typeface="Caladea"/>
+              </a:rPr>
+              <a:t>banane</a:t>
+            </a:r>
+            <a:r>
+              <a:rPr sz="2000" b="0" i="0" u="none" dirty="0">
+                <a:solidFill>
+                  <a:schemeClr val="tx1"/>
+                </a:solidFill>
+                <a:latin typeface="Caladea"/>
+                <a:ea typeface="Caladea"/>
+                <a:cs typeface="Caladea"/>
+              </a:rPr>
+              <a:t> ed in </a:t>
+            </a:r>
+            <a:r>
+              <a:rPr sz="2000" b="0" i="0" u="none" dirty="0" err="1">
+                <a:solidFill>
+                  <a:schemeClr val="tx1"/>
+                </a:solidFill>
+                <a:latin typeface="Caladea"/>
+                <a:ea typeface="Caladea"/>
+                <a:cs typeface="Caladea"/>
+              </a:rPr>
+              <a:t>altri</a:t>
+            </a:r>
+            <a:r>
+              <a:rPr sz="2000" b="0" i="0" u="none" dirty="0">
+                <a:solidFill>
+                  <a:schemeClr val="tx1"/>
+                </a:solidFill>
+                <a:latin typeface="Caladea"/>
+                <a:ea typeface="Caladea"/>
+                <a:cs typeface="Caladea"/>
+              </a:rPr>
+              <a:t> le </a:t>
+            </a:r>
+            <a:r>
+              <a:rPr sz="2000" b="0" i="0" u="none" dirty="0" err="1">
+                <a:solidFill>
+                  <a:schemeClr val="tx1"/>
+                </a:solidFill>
+                <a:latin typeface="Caladea"/>
+                <a:ea typeface="Caladea"/>
+                <a:cs typeface="Caladea"/>
+              </a:rPr>
+              <a:t>mandorle</a:t>
+            </a:r>
+            <a:r>
+              <a:rPr sz="2000" b="0" i="0" u="none" dirty="0">
+                <a:solidFill>
+                  <a:schemeClr val="tx1"/>
+                </a:solidFill>
+                <a:latin typeface="Caladea"/>
+                <a:ea typeface="Caladea"/>
+                <a:cs typeface="Caladea"/>
+              </a:rPr>
+              <a:t>.</a:t>
+            </a:r>
+            <a:r>
+              <a:rPr sz="2000" b="0" i="0" dirty="0">
+                <a:solidFill>
+                  <a:schemeClr val="tx1"/>
+                </a:solidFill>
+                <a:latin typeface="Caladea"/>
+                <a:ea typeface="Caladea"/>
+                <a:cs typeface="Caladea"/>
+              </a:rPr>
+              <a:t> </a:t>
+            </a:r>
+            <a:r>
+              <a:rPr sz="2000" b="0" i="0" dirty="0" err="1">
+                <a:solidFill>
+                  <a:schemeClr val="tx1"/>
+                </a:solidFill>
+                <a:latin typeface="Caladea"/>
+                <a:ea typeface="Caladea"/>
+                <a:cs typeface="Caladea"/>
+              </a:rPr>
+              <a:t>Deve</a:t>
+            </a:r>
+            <a:r>
+              <a:rPr sz="2000" b="0" i="0" dirty="0">
+                <a:solidFill>
+                  <a:schemeClr val="tx1"/>
+                </a:solidFill>
+                <a:latin typeface="Caladea"/>
+                <a:ea typeface="Caladea"/>
+                <a:cs typeface="Caladea"/>
+              </a:rPr>
+              <a:t> </a:t>
+            </a:r>
+            <a:r>
+              <a:rPr sz="2000" b="0" i="0" dirty="0" err="1">
+                <a:solidFill>
+                  <a:schemeClr val="tx1"/>
+                </a:solidFill>
+                <a:latin typeface="Caladea"/>
+                <a:ea typeface="Caladea"/>
+                <a:cs typeface="Caladea"/>
+              </a:rPr>
+              <a:t>farlo</a:t>
+            </a:r>
+            <a:r>
+              <a:rPr sz="2000" b="0" i="0" dirty="0">
+                <a:solidFill>
+                  <a:schemeClr val="tx1"/>
+                </a:solidFill>
+                <a:latin typeface="Caladea"/>
+                <a:ea typeface="Caladea"/>
+                <a:cs typeface="Caladea"/>
+              </a:rPr>
+              <a:t> senza </a:t>
+            </a:r>
+            <a:r>
+              <a:rPr sz="2000" b="0" i="0" dirty="0" err="1">
+                <a:solidFill>
+                  <a:schemeClr val="tx1"/>
+                </a:solidFill>
+                <a:latin typeface="Caladea"/>
+                <a:ea typeface="Caladea"/>
+                <a:cs typeface="Caladea"/>
+              </a:rPr>
+              <a:t>rovina</a:t>
+            </a:r>
+            <a:r>
+              <a:rPr sz="2000" b="0" i="0" dirty="0">
+                <a:solidFill>
+                  <a:schemeClr val="tx1"/>
+                </a:solidFill>
+                <a:latin typeface="Caladea"/>
+                <a:ea typeface="Caladea"/>
+                <a:cs typeface="Caladea"/>
+              </a:rPr>
+              <a:t> </a:t>
+            </a:r>
+            <a:r>
+              <a:rPr sz="2000" b="0" i="0" dirty="0" err="1">
+                <a:solidFill>
+                  <a:schemeClr val="tx1"/>
+                </a:solidFill>
+                <a:latin typeface="Caladea"/>
+                <a:ea typeface="Caladea"/>
+                <a:cs typeface="Caladea"/>
+              </a:rPr>
+              <a:t>il</a:t>
+            </a:r>
+            <a:r>
+              <a:rPr sz="2000" b="0" i="0" dirty="0">
+                <a:solidFill>
+                  <a:schemeClr val="tx1"/>
+                </a:solidFill>
+                <a:latin typeface="Caladea"/>
+                <a:ea typeface="Caladea"/>
+                <a:cs typeface="Caladea"/>
+              </a:rPr>
+              <a:t> </a:t>
+            </a:r>
+            <a:r>
+              <a:rPr sz="2000" b="0" i="0" dirty="0" err="1">
+                <a:solidFill>
+                  <a:schemeClr val="tx1"/>
+                </a:solidFill>
+                <a:latin typeface="Caladea"/>
+                <a:ea typeface="Caladea"/>
+                <a:cs typeface="Caladea"/>
+              </a:rPr>
+              <a:t>cibo</a:t>
+            </a:r>
+            <a:r>
+              <a:rPr sz="2000" b="0" i="0" dirty="0">
+                <a:solidFill>
+                  <a:schemeClr val="tx1"/>
+                </a:solidFill>
+                <a:latin typeface="Caladea"/>
+                <a:ea typeface="Caladea"/>
+                <a:cs typeface="Caladea"/>
+              </a:rPr>
+              <a:t> e </a:t>
+            </a:r>
+            <a:r>
+              <a:rPr sz="2000" b="0" i="0" dirty="0" err="1">
+                <a:solidFill>
+                  <a:schemeClr val="tx1"/>
+                </a:solidFill>
+                <a:latin typeface="Caladea"/>
+                <a:ea typeface="Caladea"/>
+                <a:cs typeface="Caladea"/>
+              </a:rPr>
+              <a:t>quindi</a:t>
+            </a:r>
+            <a:r>
+              <a:rPr sz="2000" b="0" i="0" dirty="0">
+                <a:solidFill>
+                  <a:schemeClr val="tx1"/>
+                </a:solidFill>
+                <a:latin typeface="Caladea"/>
+                <a:ea typeface="Caladea"/>
+                <a:cs typeface="Caladea"/>
+              </a:rPr>
+              <a:t> non </a:t>
+            </a:r>
+            <a:r>
+              <a:rPr sz="2000" b="0" i="0" dirty="0" err="1">
+                <a:solidFill>
+                  <a:schemeClr val="tx1"/>
+                </a:solidFill>
+                <a:latin typeface="Caladea"/>
+                <a:ea typeface="Caladea"/>
+                <a:cs typeface="Caladea"/>
+              </a:rPr>
+              <a:t>pu</a:t>
+            </a:r>
+            <a:r>
+              <a:rPr lang="it-IT" sz="2000" b="0" i="0" dirty="0">
+                <a:solidFill>
+                  <a:schemeClr val="tx1"/>
+                </a:solidFill>
+                <a:latin typeface="Caladea"/>
+                <a:ea typeface="Caladea"/>
+                <a:cs typeface="Caladea"/>
+              </a:rPr>
+              <a:t>ò</a:t>
+            </a:r>
+            <a:r>
+              <a:rPr sz="2000" b="0" i="0" dirty="0">
+                <a:solidFill>
+                  <a:schemeClr val="tx1"/>
+                </a:solidFill>
+                <a:latin typeface="Caladea"/>
+                <a:ea typeface="Caladea"/>
+                <a:cs typeface="Caladea"/>
+              </a:rPr>
+              <a:t> </a:t>
+            </a:r>
+            <a:r>
+              <a:rPr sz="2000" b="0" i="0" dirty="0" err="1">
+                <a:solidFill>
+                  <a:schemeClr val="tx1"/>
+                </a:solidFill>
+                <a:latin typeface="Caladea"/>
+                <a:ea typeface="Caladea"/>
+                <a:cs typeface="Caladea"/>
+              </a:rPr>
+              <a:t>usare</a:t>
+            </a:r>
+            <a:r>
+              <a:rPr sz="2000" b="0" i="0" dirty="0">
+                <a:solidFill>
+                  <a:schemeClr val="tx1"/>
+                </a:solidFill>
+                <a:latin typeface="Caladea"/>
+                <a:ea typeface="Caladea"/>
+                <a:cs typeface="Caladea"/>
+              </a:rPr>
+              <a:t> </a:t>
+            </a:r>
+            <a:r>
+              <a:rPr sz="2000" b="0" i="0" dirty="0" err="1">
+                <a:solidFill>
+                  <a:schemeClr val="tx1"/>
+                </a:solidFill>
+                <a:latin typeface="Caladea"/>
+                <a:ea typeface="Caladea"/>
+                <a:cs typeface="Caladea"/>
+              </a:rPr>
+              <a:t>dei</a:t>
+            </a:r>
+            <a:r>
+              <a:rPr sz="2000" b="0" i="0" dirty="0">
+                <a:solidFill>
+                  <a:schemeClr val="tx1"/>
+                </a:solidFill>
+                <a:latin typeface="Caladea"/>
+                <a:ea typeface="Caladea"/>
+                <a:cs typeface="Caladea"/>
+              </a:rPr>
+              <a:t> </a:t>
+            </a:r>
+            <a:r>
+              <a:rPr sz="2000" b="0" i="0" dirty="0" err="1">
+                <a:solidFill>
+                  <a:schemeClr val="tx1"/>
+                </a:solidFill>
+                <a:latin typeface="Caladea"/>
+                <a:ea typeface="Caladea"/>
+                <a:cs typeface="Caladea"/>
+              </a:rPr>
+              <a:t>filtri</a:t>
+            </a:r>
+            <a:r>
+              <a:rPr sz="2000" b="0" i="0" dirty="0">
+                <a:solidFill>
+                  <a:schemeClr val="tx1"/>
+                </a:solidFill>
+                <a:latin typeface="Caladea"/>
+                <a:ea typeface="Caladea"/>
+                <a:cs typeface="Caladea"/>
+              </a:rPr>
+              <a:t> </a:t>
+            </a:r>
+            <a:r>
+              <a:rPr sz="2000" b="0" i="0" dirty="0" err="1">
+                <a:solidFill>
+                  <a:schemeClr val="tx1"/>
+                </a:solidFill>
+                <a:latin typeface="Caladea"/>
+                <a:ea typeface="Caladea"/>
+                <a:cs typeface="Caladea"/>
+              </a:rPr>
+              <a:t>meccanici</a:t>
+            </a:r>
+            <a:r>
+              <a:rPr sz="2000" b="0" i="0" dirty="0">
+                <a:solidFill>
+                  <a:schemeClr val="tx1"/>
+                </a:solidFill>
+                <a:latin typeface="Caladea"/>
+                <a:ea typeface="Caladea"/>
+                <a:cs typeface="Caladea"/>
+              </a:rPr>
+              <a:t>.</a:t>
+            </a:r>
+          </a:p>
+          <a:p>
+            <a:pPr marL="0" indent="0">
+              <a:buFont typeface="Arial"/>
+              <a:buNone/>
+              <a:defRPr/>
+            </a:pPr>
+            <a:endParaRPr sz="2000" b="0" i="0" dirty="0">
               <a:solidFill>
                 <a:schemeClr val="tx1"/>
               </a:solidFill>
@@ -12053,17 +13739,302 @@
               <a:defRPr/>
             </a:pPr>
             <a:r>
-              <a:rPr sz="2000" b="0" i="0">
-                <a:solidFill>
-                  <a:schemeClr val="tx1"/>
-                </a:solidFill>
-                <a:latin typeface="Caladea"/>
-                <a:ea typeface="Caladea"/>
-                <a:cs typeface="Caladea"/>
-              </a:rPr>
-              <a:t>Che caratteristiche di banane e mandorle puo usare per differenziale?</a:t>
-            </a:r>
-            <a:endParaRPr sz="2000" b="0" i="0">
+              <a:rPr sz="2000" b="0" i="0" dirty="0">
+                <a:solidFill>
+                  <a:schemeClr val="tx1"/>
+                </a:solidFill>
+                <a:latin typeface="Caladea"/>
+                <a:ea typeface="Caladea"/>
+                <a:cs typeface="Caladea"/>
+              </a:rPr>
+              <a:t>Che </a:t>
+            </a:r>
+            <a:r>
+              <a:rPr sz="2000" b="0" i="0" dirty="0" err="1">
+                <a:solidFill>
+                  <a:schemeClr val="tx1"/>
+                </a:solidFill>
+                <a:latin typeface="Caladea"/>
+                <a:ea typeface="Caladea"/>
+                <a:cs typeface="Caladea"/>
+              </a:rPr>
+              <a:t>caratteristiche</a:t>
+            </a:r>
+            <a:r>
+              <a:rPr sz="2000" b="0" i="0" dirty="0">
+                <a:solidFill>
+                  <a:schemeClr val="tx1"/>
+                </a:solidFill>
+                <a:latin typeface="Caladea"/>
+                <a:ea typeface="Caladea"/>
+                <a:cs typeface="Caladea"/>
+              </a:rPr>
+              <a:t> di </a:t>
+            </a:r>
+            <a:r>
+              <a:rPr sz="2000" b="0" i="0" dirty="0" err="1">
+                <a:solidFill>
+                  <a:schemeClr val="tx1"/>
+                </a:solidFill>
+                <a:latin typeface="Caladea"/>
+                <a:ea typeface="Caladea"/>
+                <a:cs typeface="Caladea"/>
+              </a:rPr>
+              <a:t>banane</a:t>
+            </a:r>
+            <a:r>
+              <a:rPr sz="2000" b="0" i="0" dirty="0">
+                <a:solidFill>
+                  <a:schemeClr val="tx1"/>
+                </a:solidFill>
+                <a:latin typeface="Caladea"/>
+                <a:ea typeface="Caladea"/>
+                <a:cs typeface="Caladea"/>
+              </a:rPr>
+              <a:t> e </a:t>
+            </a:r>
+            <a:r>
+              <a:rPr sz="2000" b="0" i="0" dirty="0" err="1">
+                <a:solidFill>
+                  <a:schemeClr val="tx1"/>
+                </a:solidFill>
+                <a:latin typeface="Caladea"/>
+                <a:ea typeface="Caladea"/>
+                <a:cs typeface="Caladea"/>
+              </a:rPr>
+              <a:t>mandorle</a:t>
+            </a:r>
+            <a:r>
+              <a:rPr sz="2000" b="0" i="0" dirty="0">
+                <a:solidFill>
+                  <a:schemeClr val="tx1"/>
+                </a:solidFill>
+                <a:latin typeface="Caladea"/>
+                <a:ea typeface="Caladea"/>
+                <a:cs typeface="Caladea"/>
+              </a:rPr>
+              <a:t> </a:t>
+            </a:r>
+            <a:r>
+              <a:rPr sz="2000" b="0" i="0" dirty="0" err="1">
+                <a:solidFill>
+                  <a:schemeClr val="tx1"/>
+                </a:solidFill>
+                <a:latin typeface="Caladea"/>
+                <a:ea typeface="Caladea"/>
+                <a:cs typeface="Caladea"/>
+              </a:rPr>
+              <a:t>pu</a:t>
+            </a:r>
+            <a:r>
+              <a:rPr lang="it-IT" sz="2000" b="0" i="0" dirty="0">
+                <a:solidFill>
+                  <a:schemeClr val="tx1"/>
+                </a:solidFill>
+                <a:latin typeface="Caladea"/>
+                <a:ea typeface="Caladea"/>
+                <a:cs typeface="Caladea"/>
+              </a:rPr>
+              <a:t>ò</a:t>
+            </a:r>
+            <a:r>
+              <a:rPr sz="2000" b="0" i="0" dirty="0">
+                <a:solidFill>
+                  <a:schemeClr val="tx1"/>
+                </a:solidFill>
+                <a:latin typeface="Caladea"/>
+                <a:ea typeface="Caladea"/>
+                <a:cs typeface="Caladea"/>
+              </a:rPr>
+              <a:t> </a:t>
+            </a:r>
+            <a:r>
+              <a:rPr sz="2000" b="0" i="0" dirty="0" err="1">
+                <a:solidFill>
+                  <a:schemeClr val="tx1"/>
+                </a:solidFill>
+                <a:latin typeface="Caladea"/>
+                <a:ea typeface="Caladea"/>
+                <a:cs typeface="Caladea"/>
+              </a:rPr>
+              <a:t>usare</a:t>
+            </a:r>
+            <a:r>
+              <a:rPr sz="2000" b="0" i="0" dirty="0">
+                <a:solidFill>
+                  <a:schemeClr val="tx1"/>
+                </a:solidFill>
+                <a:latin typeface="Caladea"/>
+                <a:ea typeface="Caladea"/>
+                <a:cs typeface="Caladea"/>
+              </a:rPr>
+              <a:t> per </a:t>
+            </a:r>
+            <a:r>
+              <a:rPr sz="2000" b="0" i="0" dirty="0" err="1">
+                <a:solidFill>
+                  <a:schemeClr val="tx1"/>
+                </a:solidFill>
+                <a:latin typeface="Caladea"/>
+                <a:ea typeface="Caladea"/>
+                <a:cs typeface="Caladea"/>
+              </a:rPr>
+              <a:t>differenziale</a:t>
+            </a:r>
+            <a:r>
+              <a:rPr sz="2000" b="0" i="0" dirty="0">
+                <a:solidFill>
+                  <a:schemeClr val="tx1"/>
+                </a:solidFill>
+                <a:latin typeface="Caladea"/>
+                <a:ea typeface="Caladea"/>
+                <a:cs typeface="Caladea"/>
+              </a:rPr>
+              <a:t>?</a:t>
+            </a:r>
+          </a:p>
+          <a:p>
+            <a:pPr marL="0" indent="0">
+              <a:buFont typeface="Arial"/>
+              <a:buNone/>
+              <a:defRPr/>
+            </a:pPr>
+            <a:r>
+              <a:rPr sz="2000" b="0" i="0" dirty="0" err="1">
+                <a:solidFill>
+                  <a:schemeClr val="tx1"/>
+                </a:solidFill>
+                <a:latin typeface="Caladea"/>
+                <a:ea typeface="Caladea"/>
+                <a:cs typeface="Caladea"/>
+              </a:rPr>
+              <a:t>Provate</a:t>
+            </a:r>
+            <a:r>
+              <a:rPr sz="2000" b="0" i="0" dirty="0">
+                <a:solidFill>
+                  <a:schemeClr val="tx1"/>
+                </a:solidFill>
+                <a:latin typeface="Caladea"/>
+                <a:ea typeface="Caladea"/>
+                <a:cs typeface="Caladea"/>
+              </a:rPr>
+              <a:t> a </a:t>
+            </a:r>
+            <a:r>
+              <a:rPr sz="2000" b="0" i="0" dirty="0" err="1">
+                <a:solidFill>
+                  <a:schemeClr val="tx1"/>
+                </a:solidFill>
+                <a:latin typeface="Caladea"/>
+                <a:ea typeface="Caladea"/>
+                <a:cs typeface="Caladea"/>
+              </a:rPr>
+              <a:t>metterle</a:t>
+            </a:r>
+            <a:r>
+              <a:rPr sz="2000" b="0" i="0" dirty="0">
+                <a:solidFill>
+                  <a:schemeClr val="tx1"/>
+                </a:solidFill>
+                <a:latin typeface="Caladea"/>
+                <a:ea typeface="Caladea"/>
+                <a:cs typeface="Caladea"/>
+              </a:rPr>
+              <a:t> in </a:t>
+            </a:r>
+            <a:r>
+              <a:rPr sz="2000" b="0" i="0" dirty="0" err="1">
+                <a:solidFill>
+                  <a:schemeClr val="tx1"/>
+                </a:solidFill>
+                <a:latin typeface="Caladea"/>
+                <a:ea typeface="Caladea"/>
+                <a:cs typeface="Caladea"/>
+              </a:rPr>
+              <a:t>ordine</a:t>
+            </a:r>
+            <a:r>
+              <a:rPr sz="2000" b="0" i="0" dirty="0">
+                <a:solidFill>
+                  <a:schemeClr val="tx1"/>
+                </a:solidFill>
+                <a:latin typeface="Caladea"/>
+                <a:cs typeface="Caladea"/>
+              </a:rPr>
+              <a:t> di </a:t>
+            </a:r>
+            <a:r>
+              <a:rPr sz="2000" b="0" i="0" dirty="0" err="1">
+                <a:solidFill>
+                  <a:schemeClr val="tx1"/>
+                </a:solidFill>
+                <a:latin typeface="Caladea"/>
+                <a:cs typeface="Caladea"/>
+              </a:rPr>
+              <a:t>importanza</a:t>
+            </a:r>
+            <a:r>
+              <a:rPr sz="2000" b="0" i="0" dirty="0">
+                <a:solidFill>
+                  <a:schemeClr val="tx1"/>
+                </a:solidFill>
+                <a:latin typeface="Caladea"/>
+                <a:cs typeface="Caladea"/>
+              </a:rPr>
+              <a:t>, </a:t>
+            </a:r>
+            <a:r>
+              <a:rPr sz="2000" b="0" i="0" dirty="0" err="1">
+                <a:solidFill>
+                  <a:schemeClr val="tx1"/>
+                </a:solidFill>
+                <a:latin typeface="Caladea"/>
+                <a:cs typeface="Caladea"/>
+              </a:rPr>
+              <a:t>scegliete</a:t>
+            </a:r>
+            <a:r>
+              <a:rPr sz="2000" b="0" i="0" dirty="0">
+                <a:solidFill>
+                  <a:schemeClr val="tx1"/>
+                </a:solidFill>
+                <a:latin typeface="Caladea"/>
+                <a:cs typeface="Caladea"/>
+              </a:rPr>
+              <a:t> le due pi</a:t>
+            </a:r>
+            <a:r>
+              <a:rPr lang="it-IT" sz="2000" b="0" i="0" dirty="0">
+                <a:solidFill>
+                  <a:schemeClr val="tx1"/>
+                </a:solidFill>
+                <a:latin typeface="Caladea"/>
+                <a:cs typeface="Caladea"/>
+              </a:rPr>
+              <a:t>ù</a:t>
+            </a:r>
+            <a:r>
+              <a:rPr sz="2000" b="0" i="0" dirty="0">
+                <a:solidFill>
+                  <a:schemeClr val="tx1"/>
+                </a:solidFill>
+                <a:latin typeface="Caladea"/>
+                <a:cs typeface="Caladea"/>
+              </a:rPr>
+              <a:t> </a:t>
+            </a:r>
+            <a:r>
+              <a:rPr sz="2000" b="0" i="0" dirty="0" err="1">
+                <a:solidFill>
+                  <a:schemeClr val="tx1"/>
+                </a:solidFill>
+                <a:latin typeface="Caladea"/>
+                <a:cs typeface="Caladea"/>
+              </a:rPr>
+              <a:t>caratteristiche</a:t>
+            </a:r>
+            <a:endParaRPr sz="2000" b="0" i="0" dirty="0">
               <a:solidFill>
                 <a:schemeClr val="tx1"/>
               </a:solidFill>
@@ -12073,33 +14044,21 @@
             </a:endParaRPr>
           </a:p>
           <a:p>
-            <a:pPr marL="0" indent="0">
-              <a:buFont typeface="Arial"/>
-              <a:buNone/>
-              <a:defRPr/>
-            </a:pPr>
-            <a:r>
-              <a:rPr sz="2000" b="0" i="0">
-                <a:solidFill>
-                  <a:schemeClr val="tx1"/>
-                </a:solidFill>
-                <a:latin typeface="Caladea"/>
-                <a:ea typeface="Caladea"/>
-                <a:cs typeface="Caladea"/>
-              </a:rPr>
-              <a:t>Provate a metterle in ordine</a:t>
-            </a:r>
-            <a:r>
-              <a:rPr sz="2000" b="0" i="0">
-                <a:solidFill>
-                  <a:schemeClr val="tx1"/>
-                </a:solidFill>
-                <a:latin typeface="Caladea"/>
-                <a:cs typeface="Caladea"/>
-              </a:rPr>
-              <a:t> di importanza, scegliete le due piu caratteristiche</a:t>
-            </a:r>
-            <a:endParaRPr sz="2000" b="0" i="0">
+            <a:pPr>
+              <a:defRPr/>
+            </a:pPr>
+            <a:r>
+              <a:rPr sz="2000" b="0" i="0" dirty="0" err="1">
+                <a:solidFill>
+                  <a:schemeClr val="tx1"/>
+                </a:solidFill>
+                <a:latin typeface="Caladea"/>
+                <a:ea typeface="Caladea"/>
+                <a:cs typeface="Caladea"/>
+              </a:rPr>
+              <a:t>Colore</a:t>
+            </a:r>
+            <a:endParaRPr sz="2000" b="0" i="0" dirty="0">
               <a:solidFill>
                 <a:schemeClr val="tx1"/>
               </a:solidFill>
@@ -12113,17 +14072,39 @@
               <a:defRPr/>
             </a:pPr>
             <a:r>
-              <a:rPr sz="2000" b="0" i="0">
-                <a:solidFill>
-                  <a:schemeClr val="tx1"/>
-                </a:solidFill>
-                <a:latin typeface="Caladea"/>
-                <a:ea typeface="Caladea"/>
-                <a:cs typeface="Caladea"/>
-              </a:rPr>
-              <a:t>Colore</a:t>
-            </a:r>
-            <a:endParaRPr sz="2000" b="0" i="0">
+              <a:rPr sz="2000" b="0" i="0" dirty="0" err="1">
+                <a:solidFill>
+                  <a:schemeClr val="tx1"/>
+                </a:solidFill>
+                <a:latin typeface="Caladea"/>
+                <a:ea typeface="Caladea"/>
+                <a:cs typeface="Caladea"/>
+              </a:rPr>
+              <a:t>Conduzione</a:t>
+            </a:r>
+            <a:r>
+              <a:rPr sz="2000" b="0" i="0" dirty="0">
+                <a:solidFill>
+                  <a:schemeClr val="tx1"/>
+                </a:solidFill>
+                <a:latin typeface="Caladea"/>
+                <a:ea typeface="Caladea"/>
+                <a:cs typeface="Caladea"/>
+              </a:rPr>
+              <a:t> </a:t>
+            </a:r>
+            <a:r>
+              <a:rPr sz="2000" b="0" i="0" dirty="0" err="1">
+                <a:solidFill>
+                  <a:schemeClr val="tx1"/>
+                </a:solidFill>
+                <a:latin typeface="Caladea"/>
+                <a:ea typeface="Caladea"/>
+                <a:cs typeface="Caladea"/>
+              </a:rPr>
+              <a:t>termica</a:t>
+            </a:r>
+            <a:endParaRPr sz="2000" b="0" i="0" dirty="0">
               <a:solidFill>
                 <a:schemeClr val="tx1"/>
               </a:solidFill>
@@ -12137,17 +14118,170 @@
               <a:defRPr/>
             </a:pPr>
             <a:r>
-              <a:rPr sz="2000" b="0" i="0">
-                <a:solidFill>
-                  <a:schemeClr val="tx1"/>
-                </a:solidFill>
-                <a:latin typeface="Caladea"/>
-                <a:ea typeface="Caladea"/>
-                <a:cs typeface="Caladea"/>
-              </a:rPr>
-              <a:t>Conduzione termica</a:t>
-            </a:r>
-            <a:endParaRPr sz="2000" b="0" i="0">
+              <a:rPr sz="2000" b="0" i="0" dirty="0" err="1">
+                <a:solidFill>
+                  <a:schemeClr val="tx1"/>
+                </a:solidFill>
+                <a:latin typeface="Caladea"/>
+                <a:ea typeface="Caladea"/>
+                <a:cs typeface="Caladea"/>
+              </a:rPr>
+              <a:t>Durezza</a:t>
+            </a:r>
+            <a:r>
+              <a:rPr sz="2000" b="0" i="0" dirty="0">
+                <a:solidFill>
+                  <a:schemeClr val="tx1"/>
+                </a:solidFill>
+                <a:latin typeface="Caladea"/>
+                <a:ea typeface="Caladea"/>
+                <a:cs typeface="Caladea"/>
+              </a:rPr>
+              <a:t> (</a:t>
+            </a:r>
+            <a:r>
+              <a:rPr sz="2000" b="0" i="0" dirty="0" err="1">
+                <a:solidFill>
+                  <a:schemeClr val="tx1"/>
+                </a:solidFill>
+                <a:latin typeface="Caladea"/>
+                <a:ea typeface="Caladea"/>
+                <a:cs typeface="Caladea"/>
+              </a:rPr>
+              <a:t>che</a:t>
+            </a:r>
+            <a:r>
+              <a:rPr sz="2000" b="0" i="0" dirty="0">
+                <a:solidFill>
+                  <a:schemeClr val="tx1"/>
+                </a:solidFill>
+                <a:latin typeface="Caladea"/>
+                <a:ea typeface="Caladea"/>
+                <a:cs typeface="Caladea"/>
+              </a:rPr>
+              <a:t> forza da </a:t>
+            </a:r>
+            <a:r>
+              <a:rPr sz="2000" b="0" i="0" dirty="0" err="1">
+                <a:solidFill>
+                  <a:schemeClr val="tx1"/>
+                </a:solidFill>
+                <a:latin typeface="Caladea"/>
+                <a:ea typeface="Caladea"/>
+                <a:cs typeface="Caladea"/>
+              </a:rPr>
+              <a:t>applicare</a:t>
+            </a:r>
+            <a:r>
+              <a:rPr sz="2000" b="0" i="0" dirty="0">
+                <a:solidFill>
+                  <a:schemeClr val="tx1"/>
+                </a:solidFill>
+                <a:latin typeface="Caladea"/>
+                <a:ea typeface="Caladea"/>
+                <a:cs typeface="Caladea"/>
+              </a:rPr>
+              <a:t> prima </a:t>
+            </a:r>
+            <a:r>
+              <a:rPr sz="2000" b="0" i="0" dirty="0" err="1">
+                <a:solidFill>
+                  <a:schemeClr val="tx1"/>
+                </a:solidFill>
+                <a:latin typeface="Caladea"/>
+                <a:ea typeface="Caladea"/>
+                <a:cs typeface="Caladea"/>
+              </a:rPr>
+              <a:t>che</a:t>
+            </a:r>
+            <a:r>
+              <a:rPr sz="2000" b="0" i="0" dirty="0">
+                <a:solidFill>
+                  <a:schemeClr val="tx1"/>
+                </a:solidFill>
+                <a:latin typeface="Caladea"/>
+                <a:ea typeface="Caladea"/>
+                <a:cs typeface="Caladea"/>
+              </a:rPr>
+              <a:t> </a:t>
+            </a:r>
+            <a:r>
+              <a:rPr sz="2000" b="0" i="0" dirty="0" err="1">
+                <a:solidFill>
+                  <a:schemeClr val="tx1"/>
+                </a:solidFill>
+                <a:latin typeface="Caladea"/>
+                <a:ea typeface="Caladea"/>
+                <a:cs typeface="Caladea"/>
+              </a:rPr>
+              <a:t>si</a:t>
+            </a:r>
+            <a:r>
+              <a:rPr sz="2000" b="0" i="0" dirty="0">
+                <a:solidFill>
+                  <a:schemeClr val="tx1"/>
+                </a:solidFill>
+                <a:latin typeface="Caladea"/>
+                <a:ea typeface="Caladea"/>
+                <a:cs typeface="Caladea"/>
+              </a:rPr>
+              <a:t> </a:t>
+            </a:r>
+            <a:r>
+              <a:rPr sz="2000" b="0" i="0" dirty="0" err="1">
+                <a:solidFill>
+                  <a:schemeClr val="tx1"/>
+                </a:solidFill>
+                <a:latin typeface="Caladea"/>
+                <a:ea typeface="Caladea"/>
+                <a:cs typeface="Caladea"/>
+              </a:rPr>
+              <a:t>rompano</a:t>
+            </a:r>
+            <a:r>
+              <a:rPr sz="2000" b="0" i="0" dirty="0">
+                <a:solidFill>
+                  <a:schemeClr val="tx1"/>
+                </a:solidFill>
+                <a:latin typeface="Caladea"/>
+                <a:ea typeface="Caladea"/>
+                <a:cs typeface="Caladea"/>
+              </a:rPr>
+              <a:t>)</a:t>
+            </a:r>
+          </a:p>
+          <a:p>
+            <a:pPr>
+              <a:defRPr/>
+            </a:pPr>
+            <a:r>
+              <a:rPr sz="2000" b="0" i="0" dirty="0">
+                <a:solidFill>
+                  <a:schemeClr val="tx1"/>
+                </a:solidFill>
+                <a:latin typeface="Caladea"/>
+                <a:ea typeface="Caladea"/>
+                <a:cs typeface="Caladea"/>
+              </a:rPr>
+              <a:t>Volume</a:t>
+            </a:r>
+          </a:p>
+          <a:p>
+            <a:pPr>
+              <a:defRPr/>
+            </a:pPr>
+            <a:r>
+              <a:rPr sz="2000" b="0" i="0" dirty="0" err="1">
+                <a:solidFill>
+                  <a:schemeClr val="tx1"/>
+                </a:solidFill>
+                <a:latin typeface="Caladea"/>
+                <a:ea typeface="Caladea"/>
+                <a:cs typeface="Caladea"/>
+              </a:rPr>
+              <a:t>Dolcezza</a:t>
+            </a:r>
+            <a:endParaRPr sz="2000" b="0" i="0" dirty="0">
               <a:solidFill>
                 <a:schemeClr val="tx1"/>
               </a:solidFill>
@@ -12161,28 +14295,104 @@
               <a:defRPr/>
             </a:pPr>
             <a:r>
-              <a:rPr sz="2000" b="0" i="0">
-                <a:solidFill>
-                  <a:schemeClr val="tx1"/>
-                </a:solidFill>
-                <a:latin typeface="Caladea"/>
-                <a:ea typeface="Caladea"/>
-                <a:cs typeface="Caladea"/>
-              </a:rPr>
-              <a:t>Durezza</a:t>
-            </a:r>
-            <a:r>
-              <a:rPr sz="2000" b="0" i="0">
-                <a:solidFill>
-                  <a:schemeClr val="tx1"/>
-                </a:solidFill>
-                <a:latin typeface="Caladea"/>
-                <a:ea typeface="Caladea"/>
-                <a:cs typeface="Caladea"/>
-              </a:rPr>
-              <a:t> (che forza da applicare prima che si rompano)</a:t>
-            </a:r>
-            <a:endParaRPr sz="2000" b="0" i="0">
+              <a:rPr sz="2000" b="0" i="0" dirty="0">
+                <a:solidFill>
+                  <a:schemeClr val="tx1"/>
+                </a:solidFill>
+                <a:latin typeface="Caladea"/>
+                <a:ea typeface="Caladea"/>
+                <a:cs typeface="Caladea"/>
+              </a:rPr>
+              <a:t>Peso</a:t>
+            </a:r>
+          </a:p>
+          <a:p>
+            <a:pPr>
+              <a:defRPr/>
+            </a:pPr>
+            <a:r>
+              <a:rPr sz="2000" b="0" i="0" dirty="0" err="1">
+                <a:solidFill>
+                  <a:schemeClr val="tx1"/>
+                </a:solidFill>
+                <a:latin typeface="Caladea"/>
+                <a:ea typeface="Caladea"/>
+                <a:cs typeface="Caladea"/>
+              </a:rPr>
+              <a:t>Buccia</a:t>
+            </a:r>
+            <a:r>
+              <a:rPr sz="2000" b="0" i="0" dirty="0">
+                <a:solidFill>
+                  <a:schemeClr val="tx1"/>
+                </a:solidFill>
+                <a:latin typeface="Caladea"/>
+                <a:ea typeface="Caladea"/>
+                <a:cs typeface="Caladea"/>
+              </a:rPr>
+              <a:t> (</a:t>
+            </a:r>
+            <a:r>
+              <a:rPr sz="2000" b="0" i="0" dirty="0" err="1">
+                <a:solidFill>
+                  <a:schemeClr val="tx1"/>
+                </a:solidFill>
+                <a:latin typeface="Caladea"/>
+                <a:ea typeface="Caladea"/>
+                <a:cs typeface="Caladea"/>
+              </a:rPr>
+              <a:t>si</a:t>
+            </a:r>
+            <a:r>
+              <a:rPr sz="2000" b="0" i="0" dirty="0">
+                <a:solidFill>
+                  <a:schemeClr val="tx1"/>
+                </a:solidFill>
+                <a:latin typeface="Caladea"/>
+                <a:ea typeface="Caladea"/>
+                <a:cs typeface="Caladea"/>
+              </a:rPr>
+              <a:t>/no)</a:t>
+            </a:r>
+          </a:p>
+          <a:p>
+            <a:pPr>
+              <a:defRPr/>
+            </a:pPr>
+            <a:r>
+              <a:rPr sz="2000" b="0" i="0" dirty="0" err="1">
+                <a:solidFill>
+                  <a:schemeClr val="tx1"/>
+                </a:solidFill>
+                <a:latin typeface="Caladea"/>
+                <a:ea typeface="Caladea"/>
+                <a:cs typeface="Caladea"/>
+              </a:rPr>
+              <a:t>Conduzione</a:t>
+            </a:r>
+            <a:r>
+              <a:rPr sz="2000" b="0" i="0" dirty="0">
+                <a:solidFill>
+                  <a:schemeClr val="tx1"/>
+                </a:solidFill>
+                <a:latin typeface="Caladea"/>
+                <a:ea typeface="Caladea"/>
+                <a:cs typeface="Caladea"/>
+              </a:rPr>
+              <a:t> </a:t>
+            </a:r>
+            <a:r>
+              <a:rPr sz="2000" b="0" i="0" dirty="0" err="1">
+                <a:solidFill>
+                  <a:schemeClr val="tx1"/>
+                </a:solidFill>
+                <a:latin typeface="Caladea"/>
+                <a:ea typeface="Caladea"/>
+                <a:cs typeface="Caladea"/>
+              </a:rPr>
+              <a:t>elettrica</a:t>
+            </a:r>
+            <a:endParaRPr sz="2000" b="0" i="0" dirty="0">
               <a:solidFill>
                 <a:schemeClr val="tx1"/>
               </a:solidFill>
@@ -12191,126 +14401,6 @@
               <a:cs typeface="Caladea"/>
             </a:endParaRPr>
           </a:p>
-          <a:p>
-            <a:pPr>
-              <a:defRPr/>
-            </a:pPr>
-            <a:r>
-              <a:rPr sz="2000" b="0" i="0">
-                <a:solidFill>
-                  <a:schemeClr val="tx1"/>
-                </a:solidFill>
-                <a:latin typeface="Caladea"/>
-                <a:ea typeface="Caladea"/>
-                <a:cs typeface="Caladea"/>
-              </a:rPr>
-              <a:t>Volume</a:t>
-            </a:r>
-            <a:endParaRPr sz="2000" b="0" i="0">
-              <a:solidFill>
-                <a:schemeClr val="tx1"/>
-              </a:solidFill>
-              <a:latin typeface="Caladea"/>
-              <a:ea typeface="Caladea"/>
-              <a:cs typeface="Caladea"/>
-            </a:endParaRPr>
-          </a:p>
-          <a:p>
-            <a:pPr>
-              <a:defRPr/>
-            </a:pPr>
-            <a:r>
-              <a:rPr sz="2000" b="0" i="0">
-                <a:solidFill>
-                  <a:schemeClr val="tx1"/>
-                </a:solidFill>
-                <a:latin typeface="Caladea"/>
-                <a:ea typeface="Caladea"/>
-                <a:cs typeface="Caladea"/>
-              </a:rPr>
-              <a:t>Dolcezza</a:t>
-            </a:r>
-            <a:endParaRPr sz="2000" b="0" i="0">
-              <a:solidFill>
-                <a:schemeClr val="tx1"/>
-              </a:solidFill>
-              <a:latin typeface="Caladea"/>
-              <a:ea typeface="Caladea"/>
-              <a:cs typeface="Caladea"/>
-            </a:endParaRPr>
-          </a:p>
-          <a:p>
-            <a:pPr>
-              <a:defRPr/>
-            </a:pPr>
-            <a:r>
-              <a:rPr sz="2000" b="0" i="0">
-                <a:solidFill>
-                  <a:schemeClr val="tx1"/>
-                </a:solidFill>
-                <a:latin typeface="Caladea"/>
-                <a:ea typeface="Caladea"/>
-                <a:cs typeface="Caladea"/>
-              </a:rPr>
-              <a:t>Peso</a:t>
-            </a:r>
-            <a:endParaRPr sz="2000" b="0" i="0">
-              <a:solidFill>
-                <a:schemeClr val="tx1"/>
-              </a:solidFill>
-              <a:latin typeface="Caladea"/>
-              <a:ea typeface="Caladea"/>
-              <a:cs typeface="Caladea"/>
-            </a:endParaRPr>
-          </a:p>
-          <a:p>
-            <a:pPr>
-              <a:defRPr/>
-            </a:pPr>
-            <a:r>
-              <a:rPr sz="2000" b="0" i="0">
-                <a:solidFill>
-                  <a:schemeClr val="tx1"/>
-                </a:solidFill>
-                <a:latin typeface="Caladea"/>
-                <a:ea typeface="Caladea"/>
-                <a:cs typeface="Caladea"/>
-              </a:rPr>
-              <a:t>Buccia (si/no)</a:t>
-            </a:r>
-            <a:endParaRPr sz="2000" b="0" i="0">
-              <a:solidFill>
-                <a:schemeClr val="tx1"/>
-              </a:solidFill>
-              <a:latin typeface="Caladea"/>
-              <a:ea typeface="Caladea"/>
-              <a:cs typeface="Caladea"/>
-            </a:endParaRPr>
-          </a:p>
-          <a:p>
-            <a:pPr>
-              <a:defRPr/>
-            </a:pPr>
-            <a:r>
-              <a:rPr sz="2000" b="0" i="0">
-                <a:solidFill>
-                  <a:schemeClr val="tx1"/>
-                </a:solidFill>
-                <a:latin typeface="Caladea"/>
-                <a:ea typeface="Caladea"/>
-                <a:cs typeface="Caladea"/>
-              </a:rPr>
-              <a:t>Conduzione elettrica</a:t>
-            </a:r>
-            <a:endParaRPr sz="2000" b="0" i="0">
-              <a:solidFill>
-                <a:schemeClr val="tx1"/>
-              </a:solidFill>
-              <a:latin typeface="Caladea"/>
-              <a:ea typeface="Caladea"/>
-              <a:cs typeface="Caladea"/>
-            </a:endParaRPr>
-          </a:p>
         </p:txBody>
       </p:sp>
     </p:spTree>
@@ -12318,20 +14408,12 @@
   <p:clrMapOvr>
     <a:masterClrMapping/>
   </p:clrMapOvr>
-  <mc:AlternateContent xmlns:mc="http://schemas.openxmlformats.org/markup-compatibility/2006">
-    <mc:Choice xmlns:p159="http://schemas.microsoft.com/office/powerpoint/2015/09/main" xmlns:p14="http://schemas.microsoft.com/office/powerpoint/2010/main" Requires="p159">
-      <p:transition p14:dur="2000" advClick="1"/>
-    </mc:Choice>
-    <mc:Fallback>
-      <p:transition advClick="1"/>
-    </mc:Fallback>
-  </mc:AlternateContent>
 </p:sld>
 </file>
 
-<file path=ppt/slides/slide5.xml><?xml version="1.0" encoding="utf-8"?>
-<p:sld xmlns:a="http://schemas.openxmlformats.org/drawingml/2006/main" xmlns:r="http://schemas.openxmlformats.org/officeDocument/2006/relationships" xmlns:p="http://schemas.openxmlformats.org/presentationml/2006/main" xmlns:m="http://schemas.openxmlformats.org/officeDocument/2006/math" xmlns:w="http://schemas.openxmlformats.org/wordprocessingml/2006/main" xmlns:mc="http://schemas.openxmlformats.org/markup-compatibility/2006" showMasterPhAnim="0" showMasterSp="1" show="1">
-  <p:cSld name="">
+<file path=ppt/slides/slide6.xml><?xml version="1.0" encoding="utf-8"?>
+<p:sld xmlns:a="http://schemas.openxmlformats.org/drawingml/2006/main" xmlns:r="http://schemas.openxmlformats.org/officeDocument/2006/relationships" xmlns:p="http://schemas.openxmlformats.org/presentationml/2006/main" showMasterPhAnim="0">
+  <p:cSld>
     <p:spTree>
       <p:nvGrpSpPr>
         <p:cNvPr id="1" name=""/>
@@ -12357,14 +14439,14 @@
           </p:nvPr>
         </p:nvSpPr>
         <p:spPr bwMode="auto">
-          <a:xfrm flipH="0" flipV="0">
+          <a:xfrm>
             <a:off x="245379" y="1071416"/>
             <a:ext cx="4968725" cy="556156"/>
           </a:xfrm>
         </p:spPr>
         <p:txBody>
-          <a:bodyPr vertOverflow="overflow" horzOverflow="overflow" vert="horz" wrap="square" lIns="91440" tIns="45720" rIns="91440" bIns="45720" numCol="1" spcCol="0" rtlCol="0" fromWordArt="0" anchor="ctr" anchorCtr="0" forceAA="0" upright="0" compatLnSpc="0">
-            <a:normAutofit fontScale="90000" lnSpcReduction="2000"/>
+          <a:bodyPr vertOverflow="overflow" horzOverflow="overflow" vert="horz" wrap="square" lIns="91440" tIns="45720" rIns="91440" bIns="45720" numCol="1" spcCol="0" rtlCol="0" fromWordArt="0" anchor="ctr" anchorCtr="0" forceAA="0" compatLnSpc="0">
+            <a:normAutofit fontScale="90000"/>
           </a:bodyPr>
           <a:lstStyle/>
           <a:p>
@@ -12397,13 +14479,13 @@
           </p:nvPr>
         </p:nvSpPr>
         <p:spPr bwMode="auto">
-          <a:xfrm flipH="0" flipV="0">
+          <a:xfrm>
             <a:off x="245379" y="1627572"/>
             <a:ext cx="11164599" cy="795291"/>
           </a:xfrm>
         </p:spPr>
         <p:txBody>
-          <a:bodyPr vertOverflow="overflow" horzOverflow="overflow" vert="horz" wrap="square" lIns="91440" tIns="45720" rIns="91440" bIns="45720" numCol="1" spcCol="0" rtlCol="0" fromWordArt="0" anchor="t" anchorCtr="0" forceAA="0" upright="0" compatLnSpc="0">
+          <a:bodyPr vertOverflow="overflow" horzOverflow="overflow" vert="horz" wrap="square" lIns="91440" tIns="45720" rIns="91440" bIns="45720" numCol="1" spcCol="0" rtlCol="0" fromWordArt="0" anchor="t" anchorCtr="0" forceAA="0" compatLnSpc="0">
             <a:normAutofit/>
           </a:bodyPr>
           <a:lstStyle/>
@@ -12414,74 +14496,264 @@
               <a:defRPr/>
             </a:pPr>
             <a:r>
-              <a:rPr sz="2000" b="0" i="0">
-                <a:solidFill>
-                  <a:schemeClr val="tx1"/>
-                </a:solidFill>
-                <a:latin typeface="Caladea"/>
-                <a:ea typeface="Caladea"/>
-                <a:cs typeface="Caladea"/>
-              </a:rPr>
-              <a:t>Bene, avete fatto un processo di selezione e scelto </a:t>
-            </a:r>
-            <a:r>
-              <a:rPr sz="2000" b="0" i="0">
-                <a:solidFill>
-                  <a:schemeClr val="tx1"/>
-                </a:solidFill>
-                <a:latin typeface="Caladea"/>
-                <a:ea typeface="Caladea"/>
-                <a:cs typeface="Caladea"/>
-              </a:rPr>
-              <a:t>le piu caratteristiche. </a:t>
-            </a:r>
-            <a:r>
-              <a:rPr sz="2000" b="0" i="0">
-                <a:solidFill>
-                  <a:schemeClr val="tx1"/>
-                </a:solidFill>
-                <a:latin typeface="Caladea"/>
-                <a:ea typeface="Caladea"/>
-                <a:cs typeface="Caladea"/>
-              </a:rPr>
-              <a:t>Ora </a:t>
-            </a:r>
-            <a:r>
-              <a:rPr sz="2000" b="0" i="0">
-                <a:solidFill>
-                  <a:schemeClr val="tx1"/>
-                </a:solidFill>
-                <a:latin typeface="Caladea"/>
-                <a:ea typeface="Caladea"/>
-                <a:cs typeface="Caladea"/>
-              </a:rPr>
-              <a:t>possiamo usare l’algoritmo KNN (K-Nearest Neighbors, semplicificato)</a:t>
-            </a:r>
-            <a:r>
-              <a:rPr sz="2000" b="0" i="0">
-                <a:solidFill>
-                  <a:schemeClr val="tx1"/>
-                </a:solidFill>
-                <a:latin typeface="Caladea"/>
-                <a:ea typeface="Caladea"/>
-                <a:cs typeface="Caladea"/>
-              </a:rPr>
-              <a:t>:</a:t>
-            </a:r>
-            <a:endParaRPr sz="2000" b="0" i="0">
-              <a:solidFill>
-                <a:schemeClr val="tx1"/>
-              </a:solidFill>
-              <a:latin typeface="Caladea"/>
-              <a:ea typeface="Caladea"/>
-              <a:cs typeface="Caladea"/>
-            </a:endParaRPr>
+              <a:rPr sz="2000" b="0" i="0" dirty="0">
+                <a:solidFill>
+                  <a:schemeClr val="tx1"/>
+                </a:solidFill>
+                <a:latin typeface="Caladea"/>
+                <a:ea typeface="Caladea"/>
+                <a:cs typeface="Caladea"/>
+              </a:rPr>
+              <a:t>Bene, </a:t>
+            </a:r>
+            <a:r>
+              <a:rPr sz="2000" b="0" i="0" dirty="0" err="1">
+                <a:solidFill>
+                  <a:schemeClr val="tx1"/>
+                </a:solidFill>
+                <a:latin typeface="Caladea"/>
+                <a:ea typeface="Caladea"/>
+                <a:cs typeface="Caladea"/>
+              </a:rPr>
+              <a:t>avete</a:t>
+            </a:r>
+            <a:r>
+              <a:rPr sz="2000" b="0" i="0" dirty="0">
+                <a:solidFill>
+                  <a:schemeClr val="tx1"/>
+                </a:solidFill>
+                <a:latin typeface="Caladea"/>
+                <a:ea typeface="Caladea"/>
+                <a:cs typeface="Caladea"/>
+              </a:rPr>
+              <a:t> </a:t>
+            </a:r>
+            <a:r>
+              <a:rPr sz="2000" b="0" i="0" dirty="0" err="1">
+                <a:solidFill>
+                  <a:schemeClr val="tx1"/>
+                </a:solidFill>
+                <a:latin typeface="Caladea"/>
+                <a:ea typeface="Caladea"/>
+                <a:cs typeface="Caladea"/>
+              </a:rPr>
+              <a:t>fatto</a:t>
+            </a:r>
+            <a:r>
+              <a:rPr sz="2000" b="0" i="0" dirty="0">
+                <a:solidFill>
+                  <a:schemeClr val="tx1"/>
+                </a:solidFill>
+                <a:latin typeface="Caladea"/>
+                <a:ea typeface="Caladea"/>
+                <a:cs typeface="Caladea"/>
+              </a:rPr>
+              <a:t> un </a:t>
+            </a:r>
+            <a:r>
+              <a:rPr sz="2000" b="0" i="0" dirty="0" err="1">
+                <a:solidFill>
+                  <a:schemeClr val="tx1"/>
+                </a:solidFill>
+                <a:latin typeface="Caladea"/>
+                <a:ea typeface="Caladea"/>
+                <a:cs typeface="Caladea"/>
+              </a:rPr>
+              <a:t>processo</a:t>
+            </a:r>
+            <a:r>
+              <a:rPr sz="2000" b="0" i="0" dirty="0">
+                <a:solidFill>
+                  <a:schemeClr val="tx1"/>
+                </a:solidFill>
+                <a:latin typeface="Caladea"/>
+                <a:ea typeface="Caladea"/>
+                <a:cs typeface="Caladea"/>
+              </a:rPr>
+              <a:t> di </a:t>
+            </a:r>
+            <a:r>
+              <a:rPr sz="2000" b="0" i="0" dirty="0" err="1">
+                <a:solidFill>
+                  <a:schemeClr val="tx1"/>
+                </a:solidFill>
+                <a:latin typeface="Caladea"/>
+                <a:ea typeface="Caladea"/>
+                <a:cs typeface="Caladea"/>
+              </a:rPr>
+              <a:t>selezione</a:t>
+            </a:r>
+            <a:r>
+              <a:rPr sz="2000" b="0" i="0" dirty="0">
+                <a:solidFill>
+                  <a:schemeClr val="tx1"/>
+                </a:solidFill>
+                <a:latin typeface="Caladea"/>
+                <a:ea typeface="Caladea"/>
+                <a:cs typeface="Caladea"/>
+              </a:rPr>
+              <a:t> e </a:t>
+            </a:r>
+            <a:r>
+              <a:rPr sz="2000" b="0" i="0" dirty="0" err="1">
+                <a:solidFill>
+                  <a:schemeClr val="tx1"/>
+                </a:solidFill>
+                <a:latin typeface="Caladea"/>
+                <a:ea typeface="Caladea"/>
+                <a:cs typeface="Caladea"/>
+              </a:rPr>
+              <a:t>scelto</a:t>
+            </a:r>
+            <a:r>
+              <a:rPr sz="2000" b="0" i="0" dirty="0">
+                <a:solidFill>
+                  <a:schemeClr val="tx1"/>
+                </a:solidFill>
+                <a:latin typeface="Caladea"/>
+                <a:ea typeface="Caladea"/>
+                <a:cs typeface="Caladea"/>
+              </a:rPr>
+              <a:t> le </a:t>
+            </a:r>
+            <a:r>
+              <a:rPr lang="it-IT" sz="2000" dirty="0">
+                <a:solidFill>
+                  <a:schemeClr val="tx1"/>
+                </a:solidFill>
+                <a:latin typeface="Caladea"/>
+                <a:ea typeface="Caladea"/>
+                <a:cs typeface="Caladea"/>
+              </a:rPr>
+              <a:t>proprietà più</a:t>
+            </a:r>
+            <a:r>
+              <a:rPr sz="2000" b="0" i="0" dirty="0">
+                <a:solidFill>
+                  <a:schemeClr val="tx1"/>
+                </a:solidFill>
+                <a:latin typeface="Caladea"/>
+                <a:ea typeface="Caladea"/>
+                <a:cs typeface="Caladea"/>
+              </a:rPr>
+              <a:t> </a:t>
+            </a:r>
+            <a:r>
+              <a:rPr sz="2000" b="0" i="0" dirty="0" err="1">
+                <a:solidFill>
+                  <a:schemeClr val="tx1"/>
+                </a:solidFill>
+                <a:latin typeface="Caladea"/>
+                <a:ea typeface="Caladea"/>
+                <a:cs typeface="Caladea"/>
+              </a:rPr>
+              <a:t>caratteristiche</a:t>
+            </a:r>
+            <a:r>
+              <a:rPr sz="2000" b="0" i="0" dirty="0">
+                <a:solidFill>
+                  <a:schemeClr val="tx1"/>
+                </a:solidFill>
+                <a:latin typeface="Caladea"/>
+                <a:ea typeface="Caladea"/>
+                <a:cs typeface="Caladea"/>
+              </a:rPr>
+              <a:t>. Ora </a:t>
+            </a:r>
+            <a:r>
+              <a:rPr sz="2000" b="0" i="0" dirty="0" err="1">
+                <a:solidFill>
+                  <a:schemeClr val="tx1"/>
+                </a:solidFill>
+                <a:latin typeface="Caladea"/>
+                <a:ea typeface="Caladea"/>
+                <a:cs typeface="Caladea"/>
+              </a:rPr>
+              <a:t>possiamo</a:t>
+            </a:r>
+            <a:r>
+              <a:rPr sz="2000" b="0" i="0" dirty="0">
+                <a:solidFill>
+                  <a:schemeClr val="tx1"/>
+                </a:solidFill>
+                <a:latin typeface="Caladea"/>
+                <a:ea typeface="Caladea"/>
+                <a:cs typeface="Caladea"/>
+              </a:rPr>
+              <a:t> </a:t>
+            </a:r>
+            <a:r>
+              <a:rPr sz="2000" b="0" i="0" dirty="0" err="1">
+                <a:solidFill>
+                  <a:schemeClr val="tx1"/>
+                </a:solidFill>
+                <a:latin typeface="Caladea"/>
+                <a:ea typeface="Caladea"/>
+                <a:cs typeface="Caladea"/>
+              </a:rPr>
+              <a:t>usare</a:t>
+            </a:r>
+            <a:r>
+              <a:rPr sz="2000" b="0" i="0" dirty="0">
+                <a:solidFill>
+                  <a:schemeClr val="tx1"/>
+                </a:solidFill>
+                <a:latin typeface="Caladea"/>
+                <a:ea typeface="Caladea"/>
+                <a:cs typeface="Caladea"/>
+              </a:rPr>
+              <a:t> </a:t>
+            </a:r>
+            <a:r>
+              <a:rPr sz="2000" b="0" i="0" dirty="0" err="1">
+                <a:solidFill>
+                  <a:schemeClr val="tx1"/>
+                </a:solidFill>
+                <a:latin typeface="Caladea"/>
+                <a:ea typeface="Caladea"/>
+                <a:cs typeface="Caladea"/>
+              </a:rPr>
+              <a:t>l’algoritmo</a:t>
+            </a:r>
+            <a:r>
+              <a:rPr sz="2000" b="0" i="0" dirty="0">
+                <a:solidFill>
+                  <a:schemeClr val="tx1"/>
+                </a:solidFill>
+                <a:latin typeface="Caladea"/>
+                <a:ea typeface="Caladea"/>
+                <a:cs typeface="Caladea"/>
+              </a:rPr>
+              <a:t> KNN (K-Nearest Neighbors, </a:t>
+            </a:r>
+            <a:r>
+              <a:rPr sz="2000" b="0" i="0" dirty="0" err="1">
+                <a:solidFill>
+                  <a:schemeClr val="tx1"/>
+                </a:solidFill>
+                <a:latin typeface="Caladea"/>
+                <a:ea typeface="Caladea"/>
+                <a:cs typeface="Caladea"/>
+              </a:rPr>
+              <a:t>semplicificato</a:t>
+            </a:r>
+            <a:r>
+              <a:rPr sz="2000" b="0" i="0" dirty="0">
+                <a:solidFill>
+                  <a:schemeClr val="tx1"/>
+                </a:solidFill>
+                <a:latin typeface="Caladea"/>
+                <a:ea typeface="Caladea"/>
+                <a:cs typeface="Caladea"/>
+              </a:rPr>
+              <a:t>):</a:t>
+            </a:r>
           </a:p>
         </p:txBody>
       </p:sp>
       <p:pic>
         <p:nvPicPr>
-          <p:cNvPr id="666845149" name=""/>
+          <p:cNvPr id="666845149" name="Immagine 666845148"/>
           <p:cNvPicPr>
             <a:picLocks noChangeAspect="1"/>
           </p:cNvPicPr>
@@ -12492,7 +14764,7 @@
           <a:stretch/>
         </p:blipFill>
         <p:spPr bwMode="auto">
-          <a:xfrm flipH="0" flipV="0">
+          <a:xfrm>
             <a:off x="6279101" y="2607815"/>
             <a:ext cx="5847068" cy="3219172"/>
           </a:xfrm>
@@ -12503,14 +14775,14 @@
       </p:pic>
       <p:sp>
         <p:nvSpPr>
-          <p:cNvPr id="1660244800" name=""/>
+          <p:cNvPr id="1660244800" name="CasellaDiTesto 1660244799"/>
           <p:cNvSpPr txBox="1"/>
           <p:nvPr/>
         </p:nvSpPr>
         <p:spPr bwMode="auto">
-          <a:xfrm rot="0" flipH="0" flipV="0">
+          <a:xfrm>
             <a:off x="245379" y="2526436"/>
-            <a:ext cx="5941341" cy="3679082"/>
+            <a:ext cx="5941341" cy="3755836"/>
           </a:xfrm>
           <a:prstGeom prst="rect">
             <a:avLst/>
@@ -12518,9 +14790,10 @@
           <a:noFill/>
         </p:spPr>
         <p:txBody>
-          <a:bodyPr vertOverflow="overflow" horzOverflow="overflow" vert="horz" wrap="square" lIns="91440" tIns="45720" rIns="91440" bIns="45720" numCol="1" spcCol="0" rtlCol="0" fromWordArt="0" anchor="t" anchorCtr="0" forceAA="0" upright="0" compatLnSpc="0">
+          <a:bodyPr vertOverflow="overflow" horzOverflow="overflow" vert="horz" wrap="square" lIns="91440" tIns="45720" rIns="91440" bIns="45720" numCol="1" spcCol="0" rtlCol="0" fromWordArt="0" anchor="t" anchorCtr="0" forceAA="0" compatLnSpc="0">
             <a:spAutoFit/>
           </a:bodyPr>
+          <a:lstStyle/>
           <a:p>
             <a:pPr marL="0" indent="0" algn="l">
               <a:buFont typeface="Arial"/>
@@ -12528,7 +14801,7 @@
               <a:defRPr/>
             </a:pPr>
             <a:r>
-              <a:rPr b="1" i="0">
+              <a:rPr b="1" i="0" dirty="0" err="1">
                 <a:solidFill>
                   <a:schemeClr val="tx1"/>
                 </a:solidFill>
@@ -12538,7 +14811,7 @@
               </a:rPr>
               <a:t>Apprendimento</a:t>
             </a:r>
-            <a:endParaRPr sz="1800" b="0" i="0">
+            <a:endParaRPr sz="1800" b="0" i="0" dirty="0">
               <a:solidFill>
                 <a:schemeClr val="tx1"/>
               </a:solidFill>
@@ -12554,17 +14827,83 @@
               <a:defRPr/>
             </a:pPr>
             <a:r>
-              <a:rPr b="0" i="0">
-                <a:solidFill>
-                  <a:schemeClr val="tx1"/>
-                </a:solidFill>
-                <a:latin typeface="Caladea"/>
-                <a:ea typeface="Caladea"/>
-                <a:cs typeface="Caladea"/>
-              </a:rPr>
-              <a:t>Prendi tante banane e mandorle</a:t>
-            </a:r>
-            <a:endParaRPr sz="1800" b="0" i="0">
+              <a:rPr b="0" i="0" dirty="0" err="1">
+                <a:solidFill>
+                  <a:schemeClr val="tx1"/>
+                </a:solidFill>
+                <a:latin typeface="Caladea"/>
+                <a:ea typeface="Caladea"/>
+                <a:cs typeface="Caladea"/>
+              </a:rPr>
+              <a:t>Prendi</a:t>
+            </a:r>
+            <a:r>
+              <a:rPr b="0" i="0" dirty="0">
+                <a:solidFill>
+                  <a:schemeClr val="tx1"/>
+                </a:solidFill>
+                <a:latin typeface="Caladea"/>
+                <a:ea typeface="Caladea"/>
+                <a:cs typeface="Caladea"/>
+              </a:rPr>
+              <a:t> </a:t>
+            </a:r>
+            <a:r>
+              <a:rPr b="0" i="0" dirty="0" err="1">
+                <a:solidFill>
+                  <a:schemeClr val="tx1"/>
+                </a:solidFill>
+                <a:latin typeface="Caladea"/>
+                <a:ea typeface="Caladea"/>
+                <a:cs typeface="Caladea"/>
+              </a:rPr>
+              <a:t>tante</a:t>
+            </a:r>
+            <a:r>
+              <a:rPr b="0" i="0" dirty="0">
+                <a:solidFill>
+                  <a:schemeClr val="tx1"/>
+                </a:solidFill>
+                <a:latin typeface="Caladea"/>
+                <a:ea typeface="Caladea"/>
+                <a:cs typeface="Caladea"/>
+              </a:rPr>
+              <a:t> </a:t>
+            </a:r>
+            <a:r>
+              <a:rPr b="0" i="0" dirty="0" err="1">
+                <a:solidFill>
+                  <a:schemeClr val="tx1"/>
+                </a:solidFill>
+                <a:latin typeface="Caladea"/>
+                <a:ea typeface="Caladea"/>
+                <a:cs typeface="Caladea"/>
+              </a:rPr>
+              <a:t>banane</a:t>
+            </a:r>
+            <a:r>
+              <a:rPr b="0" i="0" dirty="0">
+                <a:solidFill>
+                  <a:schemeClr val="tx1"/>
+                </a:solidFill>
+                <a:latin typeface="Caladea"/>
+                <a:ea typeface="Caladea"/>
+                <a:cs typeface="Caladea"/>
+              </a:rPr>
+              <a:t> e </a:t>
+            </a:r>
+            <a:r>
+              <a:rPr b="0" i="0" dirty="0" err="1">
+                <a:solidFill>
+                  <a:schemeClr val="tx1"/>
+                </a:solidFill>
+                <a:latin typeface="Caladea"/>
+                <a:ea typeface="Caladea"/>
+                <a:cs typeface="Caladea"/>
+              </a:rPr>
+              <a:t>mandorle</a:t>
+            </a:r>
+            <a:endParaRPr sz="1800" b="0" i="0" dirty="0">
               <a:solidFill>
                 <a:schemeClr val="tx1"/>
               </a:solidFill>
@@ -12580,17 +14919,138 @@
               <a:defRPr/>
             </a:pPr>
             <a:r>
-              <a:rPr b="0" i="0">
-                <a:solidFill>
-                  <a:schemeClr val="tx1"/>
-                </a:solidFill>
-                <a:latin typeface="Caladea"/>
-                <a:ea typeface="Caladea"/>
-                <a:cs typeface="Caladea"/>
-              </a:rPr>
-              <a:t>Misura le due caratteristiche (In questo es. dolcezza e durezza)</a:t>
-            </a:r>
-            <a:endParaRPr sz="1800" b="0" i="0">
+              <a:rPr b="0" i="0" dirty="0" err="1">
+                <a:solidFill>
+                  <a:schemeClr val="tx1"/>
+                </a:solidFill>
+                <a:latin typeface="Caladea"/>
+                <a:ea typeface="Caladea"/>
+                <a:cs typeface="Caladea"/>
+              </a:rPr>
+              <a:t>Misura</a:t>
+            </a:r>
+            <a:r>
+              <a:rPr b="0" i="0" dirty="0">
+                <a:solidFill>
+                  <a:schemeClr val="tx1"/>
+                </a:solidFill>
+                <a:latin typeface="Caladea"/>
+                <a:ea typeface="Caladea"/>
+                <a:cs typeface="Caladea"/>
+              </a:rPr>
+              <a:t> le due </a:t>
+            </a:r>
+            <a:r>
+              <a:rPr b="0" i="0" dirty="0" err="1">
+                <a:solidFill>
+                  <a:schemeClr val="tx1"/>
+                </a:solidFill>
+                <a:latin typeface="Caladea"/>
+                <a:ea typeface="Caladea"/>
+                <a:cs typeface="Caladea"/>
+              </a:rPr>
+              <a:t>caratteristiche</a:t>
+            </a:r>
+            <a:r>
+              <a:rPr b="0" i="0" dirty="0">
+                <a:solidFill>
+                  <a:schemeClr val="tx1"/>
+                </a:solidFill>
+                <a:latin typeface="Caladea"/>
+                <a:ea typeface="Caladea"/>
+                <a:cs typeface="Caladea"/>
+              </a:rPr>
+              <a:t> (</a:t>
+            </a:r>
+            <a:r>
+              <a:rPr lang="it-IT" b="0" i="0" dirty="0">
+                <a:solidFill>
+                  <a:schemeClr val="tx1"/>
+                </a:solidFill>
+                <a:latin typeface="Caladea"/>
+                <a:ea typeface="Caladea"/>
+                <a:cs typeface="Caladea"/>
+              </a:rPr>
+              <a:t>i</a:t>
+            </a:r>
+            <a:r>
+              <a:rPr b="0" i="0" dirty="0">
+                <a:solidFill>
+                  <a:schemeClr val="tx1"/>
+                </a:solidFill>
+                <a:latin typeface="Caladea"/>
+                <a:ea typeface="Caladea"/>
+                <a:cs typeface="Caladea"/>
+              </a:rPr>
+              <a:t>n </a:t>
+            </a:r>
+            <a:r>
+              <a:rPr b="0" i="0" dirty="0" err="1">
+                <a:solidFill>
+                  <a:schemeClr val="tx1"/>
+                </a:solidFill>
+                <a:latin typeface="Caladea"/>
+                <a:ea typeface="Caladea"/>
+                <a:cs typeface="Caladea"/>
+              </a:rPr>
+              <a:t>questo</a:t>
+            </a:r>
+            <a:r>
+              <a:rPr b="0" i="0" dirty="0">
+                <a:solidFill>
+                  <a:schemeClr val="tx1"/>
+                </a:solidFill>
+                <a:latin typeface="Caladea"/>
+                <a:ea typeface="Caladea"/>
+                <a:cs typeface="Caladea"/>
+              </a:rPr>
+              <a:t> es. </a:t>
+            </a:r>
+            <a:r>
+              <a:rPr b="0" i="0" dirty="0" err="1">
+                <a:solidFill>
+                  <a:schemeClr val="tx1"/>
+                </a:solidFill>
+                <a:latin typeface="Caladea"/>
+                <a:ea typeface="Caladea"/>
+                <a:cs typeface="Caladea"/>
+              </a:rPr>
+              <a:t>dolcezza</a:t>
+            </a:r>
+            <a:r>
+              <a:rPr b="0" i="0" dirty="0">
+                <a:solidFill>
+                  <a:schemeClr val="tx1"/>
+                </a:solidFill>
+                <a:latin typeface="Caladea"/>
+                <a:ea typeface="Caladea"/>
+                <a:cs typeface="Caladea"/>
+              </a:rPr>
+              <a:t> e </a:t>
+            </a:r>
+            <a:r>
+              <a:rPr b="0" i="0" dirty="0" err="1">
+                <a:solidFill>
+                  <a:schemeClr val="tx1"/>
+                </a:solidFill>
+                <a:latin typeface="Caladea"/>
+                <a:ea typeface="Caladea"/>
+                <a:cs typeface="Caladea"/>
+              </a:rPr>
+              <a:t>durezza</a:t>
+            </a:r>
+            <a:r>
+              <a:rPr b="0" i="0" dirty="0">
+                <a:solidFill>
+                  <a:schemeClr val="tx1"/>
+                </a:solidFill>
+                <a:latin typeface="Caladea"/>
+                <a:ea typeface="Caladea"/>
+                <a:cs typeface="Caladea"/>
+              </a:rPr>
+              <a:t>)</a:t>
+            </a:r>
+            <a:endParaRPr sz="1800" b="0" i="0" dirty="0">
               <a:solidFill>
                 <a:schemeClr val="tx1"/>
               </a:solidFill>
@@ -12606,17 +15066,204 @@
               <a:defRPr/>
             </a:pPr>
             <a:r>
-              <a:rPr b="0" i="0">
-                <a:solidFill>
-                  <a:schemeClr val="tx1"/>
-                </a:solidFill>
-                <a:latin typeface="Caladea"/>
-                <a:ea typeface="Caladea"/>
-                <a:cs typeface="Caladea"/>
-              </a:rPr>
-              <a:t>Metti i valori misurati in un grafico (es. asse  x dolcezza, asse y durezza)</a:t>
-            </a:r>
-            <a:endParaRPr sz="1800" b="0" i="0">
+              <a:rPr b="0" i="0" dirty="0" err="1">
+                <a:solidFill>
+                  <a:schemeClr val="tx1"/>
+                </a:solidFill>
+                <a:latin typeface="Caladea"/>
+                <a:ea typeface="Caladea"/>
+                <a:cs typeface="Caladea"/>
+              </a:rPr>
+              <a:t>Metti</a:t>
+            </a:r>
+            <a:r>
+              <a:rPr b="0" i="0" dirty="0">
+                <a:solidFill>
+                  <a:schemeClr val="tx1"/>
+                </a:solidFill>
+                <a:latin typeface="Caladea"/>
+                <a:ea typeface="Caladea"/>
+                <a:cs typeface="Caladea"/>
+              </a:rPr>
+              <a:t> </a:t>
+            </a:r>
+            <a:r>
+              <a:rPr b="0" i="0" dirty="0" err="1">
+                <a:solidFill>
+                  <a:schemeClr val="tx1"/>
+                </a:solidFill>
+                <a:latin typeface="Caladea"/>
+                <a:ea typeface="Caladea"/>
+                <a:cs typeface="Caladea"/>
+              </a:rPr>
+              <a:t>i</a:t>
+            </a:r>
+            <a:r>
+              <a:rPr b="0" i="0" dirty="0">
+                <a:solidFill>
+                  <a:schemeClr val="tx1"/>
+                </a:solidFill>
+                <a:latin typeface="Caladea"/>
+                <a:ea typeface="Caladea"/>
+                <a:cs typeface="Caladea"/>
+              </a:rPr>
+              <a:t> </a:t>
+            </a:r>
+            <a:r>
+              <a:rPr b="0" i="0" dirty="0" err="1">
+                <a:solidFill>
+                  <a:schemeClr val="tx1"/>
+                </a:solidFill>
+                <a:latin typeface="Caladea"/>
+                <a:ea typeface="Caladea"/>
+                <a:cs typeface="Caladea"/>
+              </a:rPr>
+              <a:t>valori</a:t>
+            </a:r>
+            <a:r>
+              <a:rPr b="0" i="0" dirty="0">
+                <a:solidFill>
+                  <a:schemeClr val="tx1"/>
+                </a:solidFill>
+                <a:latin typeface="Caladea"/>
+                <a:ea typeface="Caladea"/>
+                <a:cs typeface="Caladea"/>
+              </a:rPr>
+              <a:t> </a:t>
+            </a:r>
+            <a:r>
+              <a:rPr b="0" i="0" dirty="0" err="1">
+                <a:solidFill>
+                  <a:schemeClr val="tx1"/>
+                </a:solidFill>
+                <a:latin typeface="Caladea"/>
+                <a:ea typeface="Caladea"/>
+                <a:cs typeface="Caladea"/>
+              </a:rPr>
+              <a:t>misurati</a:t>
+            </a:r>
+            <a:r>
+              <a:rPr b="0" i="0" dirty="0">
+                <a:solidFill>
+                  <a:schemeClr val="tx1"/>
+                </a:solidFill>
+                <a:latin typeface="Caladea"/>
+                <a:ea typeface="Caladea"/>
+                <a:cs typeface="Caladea"/>
+              </a:rPr>
+              <a:t> in un </a:t>
+            </a:r>
+            <a:r>
+              <a:rPr lang="it-IT" b="0" i="0" dirty="0">
+                <a:solidFill>
+                  <a:schemeClr val="tx1"/>
+                </a:solidFill>
+                <a:latin typeface="Caladea"/>
+                <a:ea typeface="Caladea"/>
+                <a:cs typeface="Caladea"/>
+              </a:rPr>
+              <a:t>piano cartesiano bi-dimensionale</a:t>
+            </a:r>
+            <a:r>
+              <a:rPr b="0" i="0" dirty="0">
+                <a:solidFill>
+                  <a:schemeClr val="tx1"/>
+                </a:solidFill>
+                <a:latin typeface="Caladea"/>
+                <a:ea typeface="Caladea"/>
+                <a:cs typeface="Caladea"/>
+              </a:rPr>
+              <a:t> (es. </a:t>
+            </a:r>
+            <a:r>
+              <a:rPr b="0" i="0" dirty="0" err="1">
+                <a:solidFill>
+                  <a:schemeClr val="tx1"/>
+                </a:solidFill>
+                <a:latin typeface="Caladea"/>
+                <a:ea typeface="Caladea"/>
+                <a:cs typeface="Caladea"/>
+              </a:rPr>
+              <a:t>asse</a:t>
+            </a:r>
+            <a:r>
+              <a:rPr b="0" i="0" dirty="0">
+                <a:solidFill>
+                  <a:schemeClr val="tx1"/>
+                </a:solidFill>
+                <a:latin typeface="Caladea"/>
+                <a:ea typeface="Caladea"/>
+                <a:cs typeface="Caladea"/>
+              </a:rPr>
+              <a:t>  x </a:t>
+            </a:r>
+            <a:r>
+              <a:rPr b="0" i="0" dirty="0" err="1">
+                <a:solidFill>
+                  <a:schemeClr val="tx1"/>
+                </a:solidFill>
+                <a:latin typeface="Caladea"/>
+                <a:ea typeface="Caladea"/>
+                <a:cs typeface="Caladea"/>
+              </a:rPr>
+              <a:t>dolcezza</a:t>
+            </a:r>
+            <a:r>
+              <a:rPr b="0" i="0" dirty="0">
+                <a:solidFill>
+                  <a:schemeClr val="tx1"/>
+                </a:solidFill>
+                <a:latin typeface="Caladea"/>
+                <a:ea typeface="Caladea"/>
+                <a:cs typeface="Caladea"/>
+              </a:rPr>
+              <a:t>, </a:t>
+            </a:r>
+            <a:r>
+              <a:rPr b="0" i="0" dirty="0" err="1">
+                <a:solidFill>
+                  <a:schemeClr val="tx1"/>
+                </a:solidFill>
+                <a:latin typeface="Caladea"/>
+                <a:ea typeface="Caladea"/>
+                <a:cs typeface="Caladea"/>
+              </a:rPr>
+              <a:t>asse</a:t>
+            </a:r>
+            <a:r>
+              <a:rPr b="0" i="0" dirty="0">
+                <a:solidFill>
+                  <a:schemeClr val="tx1"/>
+                </a:solidFill>
+                <a:latin typeface="Caladea"/>
+                <a:ea typeface="Caladea"/>
+                <a:cs typeface="Caladea"/>
+              </a:rPr>
+              <a:t> y </a:t>
+            </a:r>
+            <a:r>
+              <a:rPr b="0" i="0" dirty="0" err="1">
+                <a:solidFill>
+                  <a:schemeClr val="tx1"/>
+                </a:solidFill>
+                <a:latin typeface="Caladea"/>
+                <a:ea typeface="Caladea"/>
+                <a:cs typeface="Caladea"/>
+              </a:rPr>
+              <a:t>durezza</a:t>
+            </a:r>
+            <a:r>
+              <a:rPr b="0" i="0" dirty="0">
+                <a:solidFill>
+                  <a:schemeClr val="tx1"/>
+                </a:solidFill>
+                <a:latin typeface="Caladea"/>
+                <a:ea typeface="Caladea"/>
+                <a:cs typeface="Caladea"/>
+              </a:rPr>
+              <a:t>)</a:t>
+            </a:r>
+            <a:endParaRPr sz="1800" b="0" i="0" dirty="0">
               <a:solidFill>
                 <a:schemeClr val="tx1"/>
               </a:solidFill>
@@ -12631,7 +15278,7 @@
               <a:buAutoNum type="arabicPeriod"/>
               <a:defRPr/>
             </a:pPr>
-            <a:endParaRPr sz="1800" b="0" i="0">
+            <a:endParaRPr sz="1800" b="0" i="0" dirty="0">
               <a:solidFill>
                 <a:schemeClr val="tx1"/>
               </a:solidFill>
@@ -12647,17 +15294,50 @@
               <a:defRPr/>
             </a:pPr>
             <a:r>
-              <a:rPr b="1" i="0">
-                <a:solidFill>
-                  <a:schemeClr val="tx1"/>
-                </a:solidFill>
-                <a:latin typeface="Caladea"/>
-                <a:ea typeface="Caladea"/>
-                <a:cs typeface="Caladea"/>
-              </a:rPr>
-              <a:t>Utilizzo (Inferenza)</a:t>
-            </a:r>
-            <a:endParaRPr b="0" i="0">
+              <a:rPr b="1" i="0" dirty="0" err="1">
+                <a:solidFill>
+                  <a:schemeClr val="tx1"/>
+                </a:solidFill>
+                <a:latin typeface="Caladea"/>
+                <a:ea typeface="Caladea"/>
+                <a:cs typeface="Caladea"/>
+              </a:rPr>
+              <a:t>Utilizzo</a:t>
+            </a:r>
+            <a:r>
+              <a:rPr b="1" i="0" dirty="0">
+                <a:solidFill>
+                  <a:schemeClr val="tx1"/>
+                </a:solidFill>
+                <a:latin typeface="Caladea"/>
+                <a:ea typeface="Caladea"/>
+                <a:cs typeface="Caladea"/>
+              </a:rPr>
+              <a:t> (</a:t>
+            </a:r>
+            <a:r>
+              <a:rPr b="1" i="0" dirty="0" err="1">
+                <a:solidFill>
+                  <a:schemeClr val="tx1"/>
+                </a:solidFill>
+                <a:latin typeface="Caladea"/>
+                <a:ea typeface="Caladea"/>
+                <a:cs typeface="Caladea"/>
+              </a:rPr>
+              <a:t>Inferenza</a:t>
+            </a:r>
+            <a:r>
+              <a:rPr b="1" i="0" dirty="0">
+                <a:solidFill>
+                  <a:schemeClr val="tx1"/>
+                </a:solidFill>
+                <a:latin typeface="Caladea"/>
+                <a:ea typeface="Caladea"/>
+                <a:cs typeface="Caladea"/>
+              </a:rPr>
+              <a:t>)</a:t>
+            </a:r>
+            <a:endParaRPr b="0" i="0" dirty="0">
               <a:solidFill>
                 <a:schemeClr val="tx1"/>
               </a:solidFill>
@@ -12673,17 +15353,94 @@
               <a:defRPr/>
             </a:pPr>
             <a:r>
-              <a:rPr sz="1800" b="0" i="0">
-                <a:solidFill>
-                  <a:schemeClr val="tx1"/>
-                </a:solidFill>
-                <a:latin typeface="Caladea"/>
-                <a:ea typeface="Caladea"/>
-                <a:cs typeface="Caladea"/>
-              </a:rPr>
-              <a:t>Arriva un nuovo cibo, non sappiamo cosa sia</a:t>
-            </a:r>
-            <a:endParaRPr sz="1800" b="0" i="0">
+              <a:rPr sz="1800" b="0" i="0" dirty="0">
+                <a:solidFill>
+                  <a:schemeClr val="tx1"/>
+                </a:solidFill>
+                <a:latin typeface="Caladea"/>
+                <a:ea typeface="Caladea"/>
+                <a:cs typeface="Caladea"/>
+              </a:rPr>
+              <a:t>Arriva un nuovo </a:t>
+            </a:r>
+            <a:r>
+              <a:rPr sz="1800" b="0" i="0" dirty="0" err="1">
+                <a:solidFill>
+                  <a:schemeClr val="tx1"/>
+                </a:solidFill>
+                <a:latin typeface="Caladea"/>
+                <a:ea typeface="Caladea"/>
+                <a:cs typeface="Caladea"/>
+              </a:rPr>
+              <a:t>cibo</a:t>
+            </a:r>
+            <a:r>
+              <a:rPr sz="1800" b="0" i="0" dirty="0">
+                <a:solidFill>
+                  <a:schemeClr val="tx1"/>
+                </a:solidFill>
+                <a:latin typeface="Caladea"/>
+                <a:ea typeface="Caladea"/>
+                <a:cs typeface="Caladea"/>
+              </a:rPr>
+              <a:t>, non </a:t>
+            </a:r>
+            <a:r>
+              <a:rPr sz="1800" b="0" i="0" dirty="0" err="1">
+                <a:solidFill>
+                  <a:schemeClr val="tx1"/>
+                </a:solidFill>
+                <a:latin typeface="Caladea"/>
+                <a:ea typeface="Caladea"/>
+                <a:cs typeface="Caladea"/>
+              </a:rPr>
+              <a:t>sappiamo</a:t>
+            </a:r>
+            <a:r>
+              <a:rPr sz="1800" b="0" i="0" dirty="0">
+                <a:solidFill>
+                  <a:schemeClr val="tx1"/>
+                </a:solidFill>
+                <a:latin typeface="Caladea"/>
+                <a:ea typeface="Caladea"/>
+                <a:cs typeface="Caladea"/>
+              </a:rPr>
+              <a:t> </a:t>
+            </a:r>
+            <a:r>
+              <a:rPr sz="1800" b="0" i="0" dirty="0" err="1">
+                <a:solidFill>
+                  <a:schemeClr val="tx1"/>
+                </a:solidFill>
+                <a:latin typeface="Caladea"/>
+                <a:ea typeface="Caladea"/>
+                <a:cs typeface="Caladea"/>
+              </a:rPr>
+              <a:t>cosa</a:t>
+            </a:r>
+            <a:r>
+              <a:rPr sz="1800" b="0" i="0" dirty="0">
+                <a:solidFill>
+                  <a:schemeClr val="tx1"/>
+                </a:solidFill>
+                <a:latin typeface="Caladea"/>
+                <a:ea typeface="Caladea"/>
+                <a:cs typeface="Caladea"/>
+              </a:rPr>
+              <a:t> </a:t>
+            </a:r>
+            <a:r>
+              <a:rPr sz="1800" b="0" i="0" dirty="0" err="1">
+                <a:solidFill>
+                  <a:schemeClr val="tx1"/>
+                </a:solidFill>
+                <a:latin typeface="Caladea"/>
+                <a:ea typeface="Caladea"/>
+                <a:cs typeface="Caladea"/>
+              </a:rPr>
+              <a:t>sia</a:t>
+            </a:r>
+            <a:endParaRPr sz="1800" b="0" i="0" dirty="0">
               <a:solidFill>
                 <a:schemeClr val="tx1"/>
               </a:solidFill>
@@ -12699,17 +15456,61 @@
               <a:defRPr/>
             </a:pPr>
             <a:r>
-              <a:rPr sz="1800" b="0" i="0">
-                <a:solidFill>
-                  <a:schemeClr val="tx1"/>
-                </a:solidFill>
-                <a:latin typeface="Caladea"/>
-                <a:ea typeface="Caladea"/>
-                <a:cs typeface="Caladea"/>
-              </a:rPr>
-              <a:t>Misura dolcezza e durezza</a:t>
-            </a:r>
-            <a:endParaRPr sz="1800" b="0" i="0">
+              <a:rPr sz="1800" b="0" i="0" dirty="0" err="1">
+                <a:solidFill>
+                  <a:schemeClr val="tx1"/>
+                </a:solidFill>
+                <a:latin typeface="Caladea"/>
+                <a:ea typeface="Caladea"/>
+                <a:cs typeface="Caladea"/>
+              </a:rPr>
+              <a:t>Misura</a:t>
+            </a:r>
+            <a:r>
+              <a:rPr sz="1800" b="0" i="0" dirty="0">
+                <a:solidFill>
+                  <a:schemeClr val="tx1"/>
+                </a:solidFill>
+                <a:latin typeface="Caladea"/>
+                <a:ea typeface="Caladea"/>
+                <a:cs typeface="Caladea"/>
+              </a:rPr>
+              <a:t> </a:t>
+            </a:r>
+            <a:r>
+              <a:rPr sz="1800" b="0" i="0" dirty="0" err="1">
+                <a:solidFill>
+                  <a:schemeClr val="tx1"/>
+                </a:solidFill>
+                <a:latin typeface="Caladea"/>
+                <a:ea typeface="Caladea"/>
+                <a:cs typeface="Caladea"/>
+              </a:rPr>
+              <a:t>dolcezza</a:t>
+            </a:r>
+            <a:r>
+              <a:rPr sz="1800" b="0" i="0" dirty="0">
+                <a:solidFill>
+                  <a:schemeClr val="tx1"/>
+                </a:solidFill>
+                <a:latin typeface="Caladea"/>
+                <a:ea typeface="Caladea"/>
+                <a:cs typeface="Caladea"/>
+              </a:rPr>
+              <a:t> e </a:t>
+            </a:r>
+            <a:r>
+              <a:rPr sz="1800" b="0" i="0" dirty="0" err="1">
+                <a:solidFill>
+                  <a:schemeClr val="tx1"/>
+                </a:solidFill>
+                <a:latin typeface="Caladea"/>
+                <a:ea typeface="Caladea"/>
+                <a:cs typeface="Caladea"/>
+              </a:rPr>
+              <a:t>durezza</a:t>
+            </a:r>
+            <a:endParaRPr sz="1800" b="0" i="0" dirty="0">
               <a:solidFill>
                 <a:schemeClr val="tx1"/>
               </a:solidFill>
@@ -12725,17 +15526,149 @@
               <a:defRPr/>
             </a:pPr>
             <a:r>
-              <a:rPr sz="1800" b="0" i="0">
-                <a:solidFill>
-                  <a:schemeClr val="tx1"/>
-                </a:solidFill>
-                <a:latin typeface="Caladea"/>
-                <a:ea typeface="Caladea"/>
-                <a:cs typeface="Caladea"/>
-              </a:rPr>
-              <a:t>Calcola la distanza tra il nuovo cibo e quelli presenti</a:t>
-            </a:r>
-            <a:endParaRPr sz="1800" b="0" i="0">
+              <a:rPr sz="1800" b="0" i="0" dirty="0" err="1">
+                <a:solidFill>
+                  <a:schemeClr val="tx1"/>
+                </a:solidFill>
+                <a:latin typeface="Caladea"/>
+                <a:ea typeface="Caladea"/>
+                <a:cs typeface="Caladea"/>
+              </a:rPr>
+              <a:t>Calcola</a:t>
+            </a:r>
+            <a:r>
+              <a:rPr sz="1800" b="0" i="0" dirty="0">
+                <a:solidFill>
+                  <a:schemeClr val="tx1"/>
+                </a:solidFill>
+                <a:latin typeface="Caladea"/>
+                <a:ea typeface="Caladea"/>
+                <a:cs typeface="Caladea"/>
+              </a:rPr>
+              <a:t> la </a:t>
+            </a:r>
+            <a:r>
+              <a:rPr sz="1800" b="0" i="0" dirty="0" err="1">
+                <a:solidFill>
+                  <a:schemeClr val="tx1"/>
+                </a:solidFill>
+                <a:latin typeface="Caladea"/>
+                <a:ea typeface="Caladea"/>
+                <a:cs typeface="Caladea"/>
+              </a:rPr>
+              <a:t>distanza</a:t>
+            </a:r>
+            <a:r>
+              <a:rPr sz="1800" b="0" i="0" dirty="0">
+                <a:solidFill>
+                  <a:schemeClr val="tx1"/>
+                </a:solidFill>
+                <a:latin typeface="Caladea"/>
+                <a:ea typeface="Caladea"/>
+                <a:cs typeface="Caladea"/>
+              </a:rPr>
+              <a:t> </a:t>
+            </a:r>
+            <a:r>
+              <a:rPr sz="1800" b="0" i="0" dirty="0" err="1">
+                <a:solidFill>
+                  <a:schemeClr val="tx1"/>
+                </a:solidFill>
+                <a:latin typeface="Caladea"/>
+                <a:ea typeface="Caladea"/>
+                <a:cs typeface="Caladea"/>
+              </a:rPr>
+              <a:t>tra</a:t>
+            </a:r>
+            <a:r>
+              <a:rPr sz="1800" b="0" i="0" dirty="0">
+                <a:solidFill>
+                  <a:schemeClr val="tx1"/>
+                </a:solidFill>
+                <a:latin typeface="Caladea"/>
+                <a:ea typeface="Caladea"/>
+                <a:cs typeface="Caladea"/>
+              </a:rPr>
+              <a:t> </a:t>
+            </a:r>
+            <a:r>
+              <a:rPr sz="1800" b="0" i="0" dirty="0" err="1">
+                <a:solidFill>
+                  <a:schemeClr val="tx1"/>
+                </a:solidFill>
+                <a:latin typeface="Caladea"/>
+                <a:ea typeface="Caladea"/>
+                <a:cs typeface="Caladea"/>
+              </a:rPr>
+              <a:t>il</a:t>
+            </a:r>
+            <a:r>
+              <a:rPr sz="1800" b="0" i="0" dirty="0">
+                <a:solidFill>
+                  <a:schemeClr val="tx1"/>
+                </a:solidFill>
+                <a:latin typeface="Caladea"/>
+                <a:ea typeface="Caladea"/>
+                <a:cs typeface="Caladea"/>
+              </a:rPr>
+              <a:t> nuovo </a:t>
+            </a:r>
+            <a:r>
+              <a:rPr sz="1800" b="0" i="0" dirty="0" err="1">
+                <a:solidFill>
+                  <a:schemeClr val="tx1"/>
+                </a:solidFill>
+                <a:latin typeface="Caladea"/>
+                <a:ea typeface="Caladea"/>
+                <a:cs typeface="Caladea"/>
+              </a:rPr>
+              <a:t>cibo</a:t>
+            </a:r>
+            <a:r>
+              <a:rPr sz="1800" b="0" i="0" dirty="0">
+                <a:solidFill>
+                  <a:schemeClr val="tx1"/>
+                </a:solidFill>
+                <a:latin typeface="Caladea"/>
+                <a:ea typeface="Caladea"/>
+                <a:cs typeface="Caladea"/>
+              </a:rPr>
+              <a:t> e </a:t>
+            </a:r>
+            <a:r>
+              <a:rPr sz="1800" b="0" i="0" dirty="0" err="1">
+                <a:solidFill>
+                  <a:schemeClr val="tx1"/>
+                </a:solidFill>
+                <a:latin typeface="Caladea"/>
+                <a:ea typeface="Caladea"/>
+                <a:cs typeface="Caladea"/>
+              </a:rPr>
+              <a:t>quelli</a:t>
+            </a:r>
+            <a:r>
+              <a:rPr sz="1800" b="0" i="0" dirty="0">
+                <a:solidFill>
+                  <a:schemeClr val="tx1"/>
+                </a:solidFill>
+                <a:latin typeface="Caladea"/>
+                <a:ea typeface="Caladea"/>
+                <a:cs typeface="Caladea"/>
+              </a:rPr>
+              <a:t> </a:t>
+            </a:r>
+            <a:r>
+              <a:rPr sz="1800" b="0" i="0" dirty="0" err="1">
+                <a:solidFill>
+                  <a:schemeClr val="tx1"/>
+                </a:solidFill>
+                <a:latin typeface="Caladea"/>
+                <a:ea typeface="Caladea"/>
+                <a:cs typeface="Caladea"/>
+              </a:rPr>
+              <a:t>presenti</a:t>
+            </a:r>
+            <a:endParaRPr sz="1800" b="0" i="0" dirty="0">
               <a:solidFill>
                 <a:schemeClr val="tx1"/>
               </a:solidFill>
@@ -12751,18 +15684,62 @@
               <a:defRPr/>
             </a:pPr>
             <a:r>
-              <a:rPr sz="1800" b="0" i="0">
-                <a:solidFill>
-                  <a:schemeClr val="tx1"/>
-                </a:solidFill>
-                <a:latin typeface="Caladea"/>
-                <a:ea typeface="Caladea"/>
-                <a:cs typeface="Caladea"/>
-              </a:rPr>
-              <a:t>Se il nuovo cibo </a:t>
-            </a:r>
-            <a:r>
-              <a:rPr sz="1800" b="0" i="0">
+              <a:rPr sz="1800" b="0" i="0" dirty="0">
+                <a:solidFill>
+                  <a:schemeClr val="tx1"/>
+                </a:solidFill>
+                <a:latin typeface="Caladea"/>
+                <a:ea typeface="Caladea"/>
+                <a:cs typeface="Caladea"/>
+              </a:rPr>
+              <a:t>Se </a:t>
+            </a:r>
+            <a:r>
+              <a:rPr sz="1800" b="0" i="0" dirty="0" err="1">
+                <a:solidFill>
+                  <a:schemeClr val="tx1"/>
+                </a:solidFill>
+                <a:latin typeface="Caladea"/>
+                <a:ea typeface="Caladea"/>
+                <a:cs typeface="Caladea"/>
+              </a:rPr>
+              <a:t>il</a:t>
+            </a:r>
+            <a:r>
+              <a:rPr sz="1800" b="0" i="0" dirty="0">
+                <a:solidFill>
+                  <a:schemeClr val="tx1"/>
+                </a:solidFill>
+                <a:latin typeface="Caladea"/>
+                <a:ea typeface="Caladea"/>
+                <a:cs typeface="Caladea"/>
+              </a:rPr>
+              <a:t> nuovo </a:t>
+            </a:r>
+            <a:r>
+              <a:rPr sz="1800" b="0" i="0" dirty="0" err="1">
+                <a:solidFill>
+                  <a:schemeClr val="tx1"/>
+                </a:solidFill>
+                <a:latin typeface="Caladea"/>
+                <a:ea typeface="Caladea"/>
+                <a:cs typeface="Caladea"/>
+              </a:rPr>
+              <a:t>cibo</a:t>
+            </a:r>
+            <a:r>
+              <a:rPr sz="1800" b="0" i="0" dirty="0">
+                <a:solidFill>
+                  <a:schemeClr val="tx1"/>
+                </a:solidFill>
+                <a:latin typeface="Caladea"/>
+                <a:ea typeface="Caladea"/>
+                <a:cs typeface="Caladea"/>
+              </a:rPr>
+              <a:t> </a:t>
+            </a:r>
+            <a:r>
+              <a:rPr sz="1800" b="0" i="0" dirty="0">
                 <a:solidFill>
                   <a:schemeClr val="tx1"/>
                 </a:solidFill>
@@ -12773,17 +15750,226 @@
               <a:t>è</a:t>
             </a:r>
             <a:r>
-              <a:rPr sz="1800" b="0" i="0">
-                <a:solidFill>
-                  <a:schemeClr val="tx1"/>
-                </a:solidFill>
-                <a:latin typeface="Caladea"/>
-                <a:ea typeface="Caladea"/>
-                <a:cs typeface="Caladea"/>
-              </a:rPr>
-              <a:t> piu vicino alle banane, lo smistiamo tra le banane, altrimenti tra le mandorle</a:t>
-            </a:r>
-            <a:endParaRPr sz="1800" b="0" i="0">
+              <a:rPr sz="1800" b="0" i="0" dirty="0">
+                <a:solidFill>
+                  <a:schemeClr val="tx1"/>
+                </a:solidFill>
+                <a:latin typeface="Caladea"/>
+                <a:ea typeface="Caladea"/>
+                <a:cs typeface="Caladea"/>
+              </a:rPr>
+              <a:t> </a:t>
+            </a:r>
+            <a:r>
+              <a:rPr sz="1800" b="0" i="0" dirty="0" err="1">
+                <a:solidFill>
+                  <a:schemeClr val="tx1"/>
+                </a:solidFill>
+                <a:latin typeface="Caladea"/>
+                <a:ea typeface="Caladea"/>
+                <a:cs typeface="Caladea"/>
+              </a:rPr>
+              <a:t>piu</a:t>
+            </a:r>
+            <a:r>
+              <a:rPr sz="1800" b="0" i="0" dirty="0">
+                <a:solidFill>
+                  <a:schemeClr val="tx1"/>
+                </a:solidFill>
+                <a:latin typeface="Caladea"/>
+                <a:ea typeface="Caladea"/>
+                <a:cs typeface="Caladea"/>
+              </a:rPr>
+              <a:t> </a:t>
+            </a:r>
+            <a:r>
+              <a:rPr sz="1800" b="0" i="0" dirty="0" err="1">
+                <a:solidFill>
+                  <a:schemeClr val="tx1"/>
+                </a:solidFill>
+                <a:latin typeface="Caladea"/>
+                <a:ea typeface="Caladea"/>
+                <a:cs typeface="Caladea"/>
+              </a:rPr>
+              <a:t>vicino</a:t>
+            </a:r>
+            <a:r>
+              <a:rPr sz="1800" b="0" i="0" dirty="0">
+                <a:solidFill>
+                  <a:schemeClr val="tx1"/>
+                </a:solidFill>
+                <a:latin typeface="Caladea"/>
+                <a:ea typeface="Caladea"/>
+                <a:cs typeface="Caladea"/>
+              </a:rPr>
+              <a:t> </a:t>
+            </a:r>
+            <a:r>
+              <a:rPr sz="1800" b="0" i="0" dirty="0" err="1">
+                <a:solidFill>
+                  <a:schemeClr val="tx1"/>
+                </a:solidFill>
+                <a:latin typeface="Caladea"/>
+                <a:ea typeface="Caladea"/>
+                <a:cs typeface="Caladea"/>
+              </a:rPr>
+              <a:t>alle</a:t>
+            </a:r>
+            <a:r>
+              <a:rPr sz="1800" b="0" i="0" dirty="0">
+                <a:solidFill>
+                  <a:schemeClr val="tx1"/>
+                </a:solidFill>
+                <a:latin typeface="Caladea"/>
+                <a:ea typeface="Caladea"/>
+                <a:cs typeface="Caladea"/>
+              </a:rPr>
+              <a:t> </a:t>
+            </a:r>
+            <a:r>
+              <a:rPr sz="1800" b="0" i="0" dirty="0" err="1">
+                <a:solidFill>
+                  <a:schemeClr val="tx1"/>
+                </a:solidFill>
+                <a:latin typeface="Caladea"/>
+                <a:ea typeface="Caladea"/>
+                <a:cs typeface="Caladea"/>
+              </a:rPr>
+              <a:t>banane</a:t>
+            </a:r>
+            <a:r>
+              <a:rPr sz="1800" b="0" i="0" dirty="0">
+                <a:solidFill>
+                  <a:schemeClr val="tx1"/>
+                </a:solidFill>
+                <a:latin typeface="Caladea"/>
+                <a:ea typeface="Caladea"/>
+                <a:cs typeface="Caladea"/>
+              </a:rPr>
+              <a:t>, lo </a:t>
+            </a:r>
+            <a:r>
+              <a:rPr sz="1800" b="0" i="0" dirty="0" err="1">
+                <a:solidFill>
+                  <a:schemeClr val="tx1"/>
+                </a:solidFill>
+                <a:latin typeface="Caladea"/>
+                <a:ea typeface="Caladea"/>
+                <a:cs typeface="Caladea"/>
+              </a:rPr>
+              <a:t>smistiamo</a:t>
+            </a:r>
+            <a:r>
+              <a:rPr sz="1800" b="0" i="0" dirty="0">
+                <a:solidFill>
+                  <a:schemeClr val="tx1"/>
+                </a:solidFill>
+                <a:latin typeface="Caladea"/>
+                <a:ea typeface="Caladea"/>
+                <a:cs typeface="Caladea"/>
+              </a:rPr>
+              <a:t> </a:t>
+            </a:r>
+            <a:r>
+              <a:rPr sz="1800" b="0" i="0" dirty="0" err="1">
+                <a:solidFill>
+                  <a:schemeClr val="tx1"/>
+                </a:solidFill>
+                <a:latin typeface="Caladea"/>
+                <a:ea typeface="Caladea"/>
+                <a:cs typeface="Caladea"/>
+              </a:rPr>
+              <a:t>tra</a:t>
+            </a:r>
+            <a:r>
+              <a:rPr sz="1800" b="0" i="0" dirty="0">
+                <a:solidFill>
+                  <a:schemeClr val="tx1"/>
+                </a:solidFill>
+                <a:latin typeface="Caladea"/>
+                <a:ea typeface="Caladea"/>
+                <a:cs typeface="Caladea"/>
+              </a:rPr>
+              <a:t> le </a:t>
+            </a:r>
+            <a:r>
+              <a:rPr sz="1800" b="0" i="0" dirty="0" err="1">
+                <a:solidFill>
+                  <a:schemeClr val="tx1"/>
+                </a:solidFill>
+                <a:latin typeface="Caladea"/>
+                <a:ea typeface="Caladea"/>
+                <a:cs typeface="Caladea"/>
+              </a:rPr>
+              <a:t>banane</a:t>
+            </a:r>
+            <a:r>
+              <a:rPr sz="1800" b="0" i="0" dirty="0">
+                <a:solidFill>
+                  <a:schemeClr val="tx1"/>
+                </a:solidFill>
+                <a:latin typeface="Caladea"/>
+                <a:ea typeface="Caladea"/>
+                <a:cs typeface="Caladea"/>
+              </a:rPr>
+              <a:t>, </a:t>
+            </a:r>
+            <a:r>
+              <a:rPr sz="1800" b="0" i="0" dirty="0" err="1">
+                <a:solidFill>
+                  <a:schemeClr val="tx1"/>
+                </a:solidFill>
+                <a:latin typeface="Caladea"/>
+                <a:ea typeface="Caladea"/>
+                <a:cs typeface="Caladea"/>
+              </a:rPr>
+              <a:t>altrimenti</a:t>
+            </a:r>
+            <a:r>
+              <a:rPr sz="1800" b="0" i="0" dirty="0">
+                <a:solidFill>
+                  <a:schemeClr val="tx1"/>
+                </a:solidFill>
+                <a:latin typeface="Caladea"/>
+                <a:ea typeface="Caladea"/>
+                <a:cs typeface="Caladea"/>
+              </a:rPr>
+              <a:t> </a:t>
+            </a:r>
+            <a:r>
+              <a:rPr sz="1800" b="0" i="0" dirty="0" err="1">
+                <a:solidFill>
+                  <a:schemeClr val="tx1"/>
+                </a:solidFill>
+                <a:latin typeface="Caladea"/>
+                <a:ea typeface="Caladea"/>
+                <a:cs typeface="Caladea"/>
+              </a:rPr>
+              <a:t>tra</a:t>
+            </a:r>
+            <a:r>
+              <a:rPr sz="1800" b="0" i="0" dirty="0">
+                <a:solidFill>
+                  <a:schemeClr val="tx1"/>
+                </a:solidFill>
+                <a:latin typeface="Caladea"/>
+                <a:ea typeface="Caladea"/>
+                <a:cs typeface="Caladea"/>
+              </a:rPr>
+              <a:t> le </a:t>
+            </a:r>
+            <a:r>
+              <a:rPr sz="1800" b="0" i="0" dirty="0" err="1">
+                <a:solidFill>
+                  <a:schemeClr val="tx1"/>
+                </a:solidFill>
+                <a:latin typeface="Caladea"/>
+                <a:ea typeface="Caladea"/>
+                <a:cs typeface="Caladea"/>
+              </a:rPr>
+              <a:t>mandorle</a:t>
+            </a:r>
+            <a:endParaRPr sz="1800" b="0" i="0" dirty="0">
               <a:solidFill>
                 <a:schemeClr val="tx1"/>
               </a:solidFill>
@@ -12799,20 +15985,12 @@
   <p:clrMapOvr>
     <a:masterClrMapping/>
   </p:clrMapOvr>
-  <mc:AlternateContent xmlns:mc="http://schemas.openxmlformats.org/markup-compatibility/2006">
-    <mc:Choice xmlns:p159="http://schemas.microsoft.com/office/powerpoint/2015/09/main" xmlns:p14="http://schemas.microsoft.com/office/powerpoint/2010/main" Requires="p159">
-      <p:transition p14:dur="2000" advClick="1"/>
-    </mc:Choice>
-    <mc:Fallback>
-      <p:transition advClick="1"/>
-    </mc:Fallback>
-  </mc:AlternateContent>
 </p:sld>
 </file>
 
-<file path=ppt/slides/slide6.xml><?xml version="1.0" encoding="utf-8"?>
-<p:sld xmlns:a="http://schemas.openxmlformats.org/drawingml/2006/main" xmlns:r="http://schemas.openxmlformats.org/officeDocument/2006/relationships" xmlns:p="http://schemas.openxmlformats.org/presentationml/2006/main" xmlns:m="http://schemas.openxmlformats.org/officeDocument/2006/math" xmlns:w="http://schemas.openxmlformats.org/wordprocessingml/2006/main" xmlns:mc="http://schemas.openxmlformats.org/markup-compatibility/2006" showMasterPhAnim="0" showMasterSp="1" show="1">
-  <p:cSld name="">
+<file path=ppt/slides/slide7.xml><?xml version="1.0" encoding="utf-8"?>
+<p:sld xmlns:a="http://schemas.openxmlformats.org/drawingml/2006/main" xmlns:r="http://schemas.openxmlformats.org/officeDocument/2006/relationships" xmlns:p="http://schemas.openxmlformats.org/presentationml/2006/main" showMasterPhAnim="0">
+  <p:cSld>
     <p:spTree>
       <p:nvGrpSpPr>
         <p:cNvPr id="1" name=""/>
@@ -12838,14 +16016,14 @@
           </p:nvPr>
         </p:nvSpPr>
         <p:spPr bwMode="auto">
-          <a:xfrm flipH="0" flipV="0">
+          <a:xfrm>
             <a:off x="245379" y="1071416"/>
             <a:ext cx="4968725" cy="556156"/>
           </a:xfrm>
         </p:spPr>
         <p:txBody>
-          <a:bodyPr vertOverflow="overflow" horzOverflow="overflow" vert="horz" wrap="square" lIns="91440" tIns="45720" rIns="91440" bIns="45720" numCol="1" spcCol="0" rtlCol="0" fromWordArt="0" anchor="ctr" anchorCtr="0" forceAA="0" upright="0" compatLnSpc="0">
-            <a:normAutofit fontScale="90000" lnSpcReduction="2000"/>
+          <a:bodyPr vertOverflow="overflow" horzOverflow="overflow" vert="horz" wrap="square" lIns="91440" tIns="45720" rIns="91440" bIns="45720" numCol="1" spcCol="0" rtlCol="0" fromWordArt="0" anchor="ctr" anchorCtr="0" forceAA="0" compatLnSpc="0">
+            <a:normAutofit/>
           </a:bodyPr>
           <a:lstStyle/>
           <a:p>
@@ -12878,13 +16056,13 @@
           </p:nvPr>
         </p:nvSpPr>
         <p:spPr bwMode="auto">
-          <a:xfrm flipH="0" flipV="0">
+          <a:xfrm>
             <a:off x="245379" y="1627572"/>
             <a:ext cx="11164599" cy="4253883"/>
           </a:xfrm>
         </p:spPr>
         <p:txBody>
-          <a:bodyPr vertOverflow="overflow" horzOverflow="overflow" vert="horz" wrap="square" lIns="91440" tIns="45720" rIns="91440" bIns="45720" numCol="1" spcCol="0" rtlCol="0" fromWordArt="0" anchor="t" anchorCtr="0" forceAA="0" upright="0" compatLnSpc="0">
+          <a:bodyPr vertOverflow="overflow" horzOverflow="overflow" vert="horz" wrap="square" lIns="91440" tIns="45720" rIns="91440" bIns="45720" numCol="1" spcCol="0" rtlCol="0" fromWordArt="0" anchor="t" anchorCtr="0" forceAA="0" compatLnSpc="0">
             <a:normAutofit/>
           </a:bodyPr>
           <a:lstStyle/>
@@ -12895,28 +16073,577 @@
               <a:defRPr/>
             </a:pPr>
             <a:r>
-              <a:rPr sz="2000" b="0" i="0">
-                <a:solidFill>
-                  <a:schemeClr val="tx1"/>
-                </a:solidFill>
-                <a:latin typeface="Caladea"/>
-                <a:ea typeface="Caladea"/>
-                <a:cs typeface="Caladea"/>
-              </a:rPr>
-              <a:t>KNN, K-Nearest Neighbors</a:t>
-            </a:r>
-            <a:r>
-              <a:rPr sz="2000" b="0" i="0">
-                <a:solidFill>
-                  <a:schemeClr val="tx1"/>
-                </a:solidFill>
-                <a:latin typeface="Caladea"/>
-                <a:ea typeface="Caladea"/>
-                <a:cs typeface="Caladea"/>
-              </a:rPr>
-              <a:t>: i K vicini piu vicini.</a:t>
-            </a:r>
-            <a:endParaRPr sz="2000" b="0" i="0">
+              <a:rPr sz="2000" b="0" i="0" dirty="0">
+                <a:solidFill>
+                  <a:schemeClr val="tx1"/>
+                </a:solidFill>
+                <a:latin typeface="Caladea"/>
+                <a:ea typeface="Caladea"/>
+                <a:cs typeface="Caladea"/>
+              </a:rPr>
+              <a:t>KNN, K-Nearest Neighbors: </a:t>
+            </a:r>
+            <a:r>
+              <a:rPr sz="2000" b="0" i="0" dirty="0" err="1">
+                <a:solidFill>
+                  <a:schemeClr val="tx1"/>
+                </a:solidFill>
+                <a:latin typeface="Caladea"/>
+                <a:ea typeface="Caladea"/>
+                <a:cs typeface="Caladea"/>
+              </a:rPr>
+              <a:t>i</a:t>
+            </a:r>
+            <a:r>
+              <a:rPr sz="2000" b="0" i="0" dirty="0">
+                <a:solidFill>
+                  <a:schemeClr val="tx1"/>
+                </a:solidFill>
+                <a:latin typeface="Caladea"/>
+                <a:ea typeface="Caladea"/>
+                <a:cs typeface="Caladea"/>
+              </a:rPr>
+              <a:t> K </a:t>
+            </a:r>
+            <a:r>
+              <a:rPr sz="2000" b="0" i="0" dirty="0" err="1">
+                <a:solidFill>
+                  <a:schemeClr val="tx1"/>
+                </a:solidFill>
+                <a:latin typeface="Caladea"/>
+                <a:ea typeface="Caladea"/>
+                <a:cs typeface="Caladea"/>
+              </a:rPr>
+              <a:t>vicini</a:t>
+            </a:r>
+            <a:r>
+              <a:rPr sz="2000" b="0" i="0" dirty="0">
+                <a:solidFill>
+                  <a:schemeClr val="tx1"/>
+                </a:solidFill>
+                <a:latin typeface="Caladea"/>
+                <a:ea typeface="Caladea"/>
+                <a:cs typeface="Caladea"/>
+              </a:rPr>
+              <a:t> </a:t>
+            </a:r>
+            <a:r>
+              <a:rPr sz="2000" b="0" i="0" dirty="0" err="1">
+                <a:solidFill>
+                  <a:schemeClr val="tx1"/>
+                </a:solidFill>
+                <a:latin typeface="Caladea"/>
+                <a:ea typeface="Caladea"/>
+                <a:cs typeface="Caladea"/>
+              </a:rPr>
+              <a:t>piu</a:t>
+            </a:r>
+            <a:r>
+              <a:rPr sz="2000" b="0" i="0" dirty="0">
+                <a:solidFill>
+                  <a:schemeClr val="tx1"/>
+                </a:solidFill>
+                <a:latin typeface="Caladea"/>
+                <a:ea typeface="Caladea"/>
+                <a:cs typeface="Caladea"/>
+              </a:rPr>
+              <a:t> </a:t>
+            </a:r>
+            <a:r>
+              <a:rPr sz="2000" b="0" i="0" dirty="0" err="1">
+                <a:solidFill>
+                  <a:schemeClr val="tx1"/>
+                </a:solidFill>
+                <a:latin typeface="Caladea"/>
+                <a:ea typeface="Caladea"/>
+                <a:cs typeface="Caladea"/>
+              </a:rPr>
+              <a:t>vicini</a:t>
+            </a:r>
+            <a:r>
+              <a:rPr sz="2000" b="0" i="0" dirty="0">
+                <a:solidFill>
+                  <a:schemeClr val="tx1"/>
+                </a:solidFill>
+                <a:latin typeface="Caladea"/>
+                <a:ea typeface="Caladea"/>
+                <a:cs typeface="Caladea"/>
+              </a:rPr>
+              <a:t>.</a:t>
+            </a:r>
+          </a:p>
+          <a:p>
+            <a:pPr marL="0" indent="0">
+              <a:buFont typeface="Arial"/>
+              <a:buNone/>
+              <a:defRPr/>
+            </a:pPr>
+            <a:r>
+              <a:rPr sz="2000" b="0" i="0" dirty="0">
+                <a:solidFill>
+                  <a:schemeClr val="tx1"/>
+                </a:solidFill>
+                <a:latin typeface="Caladea"/>
+                <a:ea typeface="Caladea"/>
+                <a:cs typeface="Caladea"/>
+              </a:rPr>
+              <a:t>Per </a:t>
+            </a:r>
+            <a:r>
+              <a:rPr sz="2000" b="0" i="0" dirty="0" err="1">
+                <a:solidFill>
+                  <a:schemeClr val="tx1"/>
+                </a:solidFill>
+                <a:latin typeface="Caladea"/>
+                <a:ea typeface="Caladea"/>
+                <a:cs typeface="Caladea"/>
+              </a:rPr>
+              <a:t>capire</a:t>
+            </a:r>
+            <a:r>
+              <a:rPr sz="2000" b="0" i="0" dirty="0">
+                <a:solidFill>
+                  <a:schemeClr val="tx1"/>
+                </a:solidFill>
+                <a:latin typeface="Caladea"/>
+                <a:ea typeface="Caladea"/>
+                <a:cs typeface="Caladea"/>
+              </a:rPr>
+              <a:t> se </a:t>
+            </a:r>
+            <a:r>
+              <a:rPr sz="2000" b="0" i="0" dirty="0" err="1">
+                <a:solidFill>
+                  <a:schemeClr val="tx1"/>
+                </a:solidFill>
+                <a:latin typeface="Caladea"/>
+                <a:ea typeface="Caladea"/>
+                <a:cs typeface="Caladea"/>
+              </a:rPr>
+              <a:t>il</a:t>
+            </a:r>
+            <a:r>
+              <a:rPr sz="2000" b="0" i="0" dirty="0">
+                <a:solidFill>
+                  <a:schemeClr val="tx1"/>
+                </a:solidFill>
+                <a:latin typeface="Caladea"/>
+                <a:ea typeface="Caladea"/>
+                <a:cs typeface="Caladea"/>
+              </a:rPr>
+              <a:t> nuovo </a:t>
+            </a:r>
+            <a:r>
+              <a:rPr sz="2000" b="0" i="0" dirty="0" err="1">
+                <a:solidFill>
+                  <a:schemeClr val="tx1"/>
+                </a:solidFill>
+                <a:latin typeface="Caladea"/>
+                <a:ea typeface="Caladea"/>
+                <a:cs typeface="Caladea"/>
+              </a:rPr>
+              <a:t>cibo</a:t>
+            </a:r>
+            <a:r>
+              <a:rPr sz="2000" b="0" i="0" dirty="0">
+                <a:solidFill>
+                  <a:schemeClr val="tx1"/>
+                </a:solidFill>
+                <a:latin typeface="Caladea"/>
+                <a:ea typeface="Caladea"/>
+                <a:cs typeface="Caladea"/>
+              </a:rPr>
+              <a:t> </a:t>
+            </a:r>
+            <a:r>
+              <a:rPr sz="2000" b="0" i="0" dirty="0">
+                <a:solidFill>
+                  <a:schemeClr val="tx1"/>
+                </a:solidFill>
+                <a:latin typeface="Asana"/>
+                <a:ea typeface="Asana"/>
+                <a:cs typeface="Asana"/>
+              </a:rPr>
+              <a:t>è</a:t>
+            </a:r>
+            <a:r>
+              <a:rPr sz="2000" b="0" i="0" dirty="0">
+                <a:solidFill>
+                  <a:schemeClr val="tx1"/>
+                </a:solidFill>
+                <a:latin typeface="Caladea"/>
+                <a:ea typeface="Caladea"/>
+                <a:cs typeface="Caladea"/>
+              </a:rPr>
+              <a:t> </a:t>
+            </a:r>
+            <a:r>
+              <a:rPr sz="2000" b="0" i="0" dirty="0" err="1">
+                <a:solidFill>
+                  <a:schemeClr val="tx1"/>
+                </a:solidFill>
+                <a:latin typeface="Caladea"/>
+                <a:ea typeface="Caladea"/>
+                <a:cs typeface="Caladea"/>
+              </a:rPr>
+              <a:t>piu</a:t>
+            </a:r>
+            <a:r>
+              <a:rPr sz="2000" b="0" i="0" dirty="0">
+                <a:solidFill>
+                  <a:schemeClr val="tx1"/>
+                </a:solidFill>
+                <a:latin typeface="Caladea"/>
+                <a:ea typeface="Caladea"/>
+                <a:cs typeface="Caladea"/>
+              </a:rPr>
+              <a:t> </a:t>
+            </a:r>
+            <a:r>
+              <a:rPr sz="2000" b="0" i="0" dirty="0" err="1">
+                <a:solidFill>
+                  <a:schemeClr val="tx1"/>
+                </a:solidFill>
+                <a:latin typeface="Caladea"/>
+                <a:ea typeface="Caladea"/>
+                <a:cs typeface="Caladea"/>
+              </a:rPr>
+              <a:t>vicino</a:t>
+            </a:r>
+            <a:r>
+              <a:rPr sz="2000" b="0" i="0" dirty="0">
+                <a:solidFill>
+                  <a:schemeClr val="tx1"/>
+                </a:solidFill>
+                <a:latin typeface="Caladea"/>
+                <a:ea typeface="Caladea"/>
+                <a:cs typeface="Caladea"/>
+              </a:rPr>
+              <a:t> </a:t>
+            </a:r>
+            <a:r>
+              <a:rPr sz="2000" b="0" i="0" dirty="0" err="1">
+                <a:solidFill>
+                  <a:schemeClr val="tx1"/>
+                </a:solidFill>
+                <a:latin typeface="Caladea"/>
+                <a:ea typeface="Caladea"/>
+                <a:cs typeface="Caladea"/>
+              </a:rPr>
+              <a:t>alle</a:t>
+            </a:r>
+            <a:r>
+              <a:rPr sz="2000" b="0" i="0" dirty="0">
+                <a:solidFill>
+                  <a:schemeClr val="tx1"/>
+                </a:solidFill>
+                <a:latin typeface="Caladea"/>
+                <a:ea typeface="Caladea"/>
+                <a:cs typeface="Caladea"/>
+              </a:rPr>
+              <a:t> </a:t>
+            </a:r>
+            <a:r>
+              <a:rPr sz="2000" b="0" i="0" dirty="0" err="1">
+                <a:solidFill>
+                  <a:schemeClr val="tx1"/>
+                </a:solidFill>
+                <a:latin typeface="Caladea"/>
+                <a:ea typeface="Caladea"/>
+                <a:cs typeface="Caladea"/>
+              </a:rPr>
+              <a:t>banane</a:t>
+            </a:r>
+            <a:r>
+              <a:rPr sz="2000" b="0" i="0" dirty="0">
+                <a:solidFill>
+                  <a:schemeClr val="tx1"/>
+                </a:solidFill>
+                <a:latin typeface="Caladea"/>
+                <a:ea typeface="Caladea"/>
+                <a:cs typeface="Caladea"/>
+              </a:rPr>
+              <a:t> o </a:t>
+            </a:r>
+            <a:r>
+              <a:rPr sz="2000" b="0" i="0" dirty="0" err="1">
+                <a:solidFill>
+                  <a:schemeClr val="tx1"/>
+                </a:solidFill>
+                <a:latin typeface="Caladea"/>
+                <a:ea typeface="Caladea"/>
+                <a:cs typeface="Caladea"/>
+              </a:rPr>
+              <a:t>alle</a:t>
+            </a:r>
+            <a:r>
+              <a:rPr sz="2000" b="0" i="0" dirty="0">
+                <a:solidFill>
+                  <a:schemeClr val="tx1"/>
+                </a:solidFill>
+                <a:latin typeface="Caladea"/>
+                <a:ea typeface="Caladea"/>
+                <a:cs typeface="Caladea"/>
+              </a:rPr>
+              <a:t> </a:t>
+            </a:r>
+            <a:r>
+              <a:rPr sz="2000" b="0" i="0" dirty="0" err="1">
+                <a:solidFill>
+                  <a:schemeClr val="tx1"/>
+                </a:solidFill>
+                <a:latin typeface="Caladea"/>
+                <a:ea typeface="Caladea"/>
+                <a:cs typeface="Caladea"/>
+              </a:rPr>
+              <a:t>mandorle</a:t>
+            </a:r>
+            <a:r>
+              <a:rPr sz="2000" b="0" i="0" dirty="0">
+                <a:solidFill>
+                  <a:schemeClr val="tx1"/>
+                </a:solidFill>
+                <a:latin typeface="Caladea"/>
+                <a:ea typeface="Caladea"/>
+                <a:cs typeface="Caladea"/>
+              </a:rPr>
+              <a:t> </a:t>
+            </a:r>
+            <a:r>
+              <a:rPr sz="2000" b="0" i="0" dirty="0" err="1">
+                <a:solidFill>
+                  <a:schemeClr val="tx1"/>
+                </a:solidFill>
+                <a:latin typeface="Caladea"/>
+                <a:ea typeface="Caladea"/>
+                <a:cs typeface="Caladea"/>
+              </a:rPr>
+              <a:t>uso</a:t>
+            </a:r>
+            <a:r>
+              <a:rPr sz="2000" b="0" i="0" dirty="0">
+                <a:solidFill>
+                  <a:schemeClr val="tx1"/>
+                </a:solidFill>
+                <a:latin typeface="Caladea"/>
+                <a:ea typeface="Caladea"/>
+                <a:cs typeface="Caladea"/>
+              </a:rPr>
+              <a:t> </a:t>
+            </a:r>
+            <a:r>
+              <a:rPr sz="2000" b="0" i="0" dirty="0" err="1">
+                <a:solidFill>
+                  <a:schemeClr val="tx1"/>
+                </a:solidFill>
+                <a:latin typeface="Caladea"/>
+                <a:ea typeface="Caladea"/>
+                <a:cs typeface="Caladea"/>
+              </a:rPr>
+              <a:t>il</a:t>
+            </a:r>
+            <a:r>
+              <a:rPr sz="2000" b="0" i="0" dirty="0">
+                <a:solidFill>
+                  <a:schemeClr val="tx1"/>
+                </a:solidFill>
+                <a:latin typeface="Caladea"/>
+                <a:ea typeface="Caladea"/>
+                <a:cs typeface="Caladea"/>
+              </a:rPr>
+              <a:t> </a:t>
+            </a:r>
+            <a:r>
+              <a:rPr sz="2000" b="0" i="0" dirty="0" err="1">
+                <a:solidFill>
+                  <a:schemeClr val="tx1"/>
+                </a:solidFill>
+                <a:latin typeface="Caladea"/>
+                <a:ea typeface="Caladea"/>
+                <a:cs typeface="Caladea"/>
+              </a:rPr>
+              <a:t>numero</a:t>
+            </a:r>
+            <a:r>
+              <a:rPr sz="2000" b="0" i="0" dirty="0">
+                <a:solidFill>
+                  <a:schemeClr val="tx1"/>
+                </a:solidFill>
+                <a:latin typeface="Caladea"/>
+                <a:ea typeface="Caladea"/>
+                <a:cs typeface="Caladea"/>
+              </a:rPr>
+              <a:t> K (es. 3, 1, 5):</a:t>
+            </a:r>
+          </a:p>
+          <a:p>
+            <a:pPr marL="0" indent="0">
+              <a:buFont typeface="Arial"/>
+              <a:buNone/>
+              <a:defRPr/>
+            </a:pPr>
+            <a:r>
+              <a:rPr sz="2000" b="0" i="0" dirty="0" err="1">
+                <a:solidFill>
+                  <a:schemeClr val="tx1"/>
+                </a:solidFill>
+                <a:latin typeface="Caladea"/>
+                <a:ea typeface="Caladea"/>
+                <a:cs typeface="Caladea"/>
+              </a:rPr>
+              <a:t>Misuro</a:t>
+            </a:r>
+            <a:r>
+              <a:rPr sz="2000" b="0" i="0" dirty="0">
+                <a:solidFill>
+                  <a:schemeClr val="tx1"/>
+                </a:solidFill>
+                <a:latin typeface="Caladea"/>
+                <a:ea typeface="Caladea"/>
+                <a:cs typeface="Caladea"/>
+              </a:rPr>
+              <a:t> la </a:t>
+            </a:r>
+            <a:r>
+              <a:rPr sz="2000" b="0" i="0" dirty="0" err="1">
+                <a:solidFill>
+                  <a:schemeClr val="tx1"/>
+                </a:solidFill>
+                <a:latin typeface="Caladea"/>
+                <a:ea typeface="Caladea"/>
+                <a:cs typeface="Caladea"/>
+              </a:rPr>
+              <a:t>distanza</a:t>
+            </a:r>
+            <a:r>
+              <a:rPr sz="2000" b="0" i="0" dirty="0">
+                <a:solidFill>
+                  <a:schemeClr val="tx1"/>
+                </a:solidFill>
+                <a:latin typeface="Caladea"/>
+                <a:ea typeface="Caladea"/>
+                <a:cs typeface="Caladea"/>
+              </a:rPr>
+              <a:t> </a:t>
+            </a:r>
+            <a:r>
+              <a:rPr sz="2000" b="0" i="0" dirty="0" err="1">
+                <a:solidFill>
+                  <a:schemeClr val="tx1"/>
+                </a:solidFill>
+                <a:latin typeface="Caladea"/>
+                <a:ea typeface="Caladea"/>
+                <a:cs typeface="Caladea"/>
+              </a:rPr>
+              <a:t>tra</a:t>
+            </a:r>
+            <a:r>
+              <a:rPr sz="2000" b="0" i="0" dirty="0">
+                <a:solidFill>
+                  <a:schemeClr val="tx1"/>
+                </a:solidFill>
+                <a:latin typeface="Caladea"/>
+                <a:ea typeface="Caladea"/>
+                <a:cs typeface="Caladea"/>
+              </a:rPr>
+              <a:t> </a:t>
+            </a:r>
+            <a:r>
+              <a:rPr sz="2000" b="0" i="0" dirty="0" err="1">
+                <a:solidFill>
+                  <a:schemeClr val="tx1"/>
+                </a:solidFill>
+                <a:latin typeface="Caladea"/>
+                <a:ea typeface="Caladea"/>
+                <a:cs typeface="Caladea"/>
+              </a:rPr>
+              <a:t>il</a:t>
+            </a:r>
+            <a:r>
+              <a:rPr sz="2000" b="0" i="0" dirty="0">
+                <a:solidFill>
+                  <a:schemeClr val="tx1"/>
+                </a:solidFill>
+                <a:latin typeface="Caladea"/>
+                <a:ea typeface="Caladea"/>
+                <a:cs typeface="Caladea"/>
+              </a:rPr>
+              <a:t> nuovo </a:t>
+            </a:r>
+            <a:r>
+              <a:rPr sz="2000" b="0" i="0" dirty="0" err="1">
+                <a:solidFill>
+                  <a:schemeClr val="tx1"/>
+                </a:solidFill>
+                <a:latin typeface="Caladea"/>
+                <a:ea typeface="Caladea"/>
+                <a:cs typeface="Caladea"/>
+              </a:rPr>
+              <a:t>cibo</a:t>
+            </a:r>
+            <a:r>
+              <a:rPr sz="2000" b="0" i="0" dirty="0">
+                <a:solidFill>
+                  <a:schemeClr val="tx1"/>
+                </a:solidFill>
+                <a:latin typeface="Caladea"/>
+                <a:ea typeface="Caladea"/>
+                <a:cs typeface="Caladea"/>
+              </a:rPr>
+              <a:t> e </a:t>
+            </a:r>
+            <a:r>
+              <a:rPr sz="2000" b="0" i="0" dirty="0" err="1">
+                <a:solidFill>
+                  <a:schemeClr val="tx1"/>
+                </a:solidFill>
+                <a:latin typeface="Caladea"/>
+                <a:ea typeface="Caladea"/>
+                <a:cs typeface="Caladea"/>
+              </a:rPr>
+              <a:t>tutte</a:t>
+            </a:r>
+            <a:r>
+              <a:rPr sz="2000" b="0" i="0" dirty="0">
+                <a:solidFill>
+                  <a:schemeClr val="tx1"/>
+                </a:solidFill>
+                <a:latin typeface="Caladea"/>
+                <a:ea typeface="Caladea"/>
+                <a:cs typeface="Caladea"/>
+              </a:rPr>
+              <a:t> le </a:t>
+            </a:r>
+            <a:r>
+              <a:rPr sz="2000" b="0" i="0" dirty="0" err="1">
+                <a:solidFill>
+                  <a:schemeClr val="tx1"/>
+                </a:solidFill>
+                <a:latin typeface="Caladea"/>
+                <a:ea typeface="Caladea"/>
+                <a:cs typeface="Caladea"/>
+              </a:rPr>
+              <a:t>mandorle</a:t>
+            </a:r>
+            <a:r>
+              <a:rPr sz="2000" b="0" i="0" dirty="0">
+                <a:solidFill>
+                  <a:schemeClr val="tx1"/>
+                </a:solidFill>
+                <a:latin typeface="Caladea"/>
+                <a:ea typeface="Caladea"/>
+                <a:cs typeface="Caladea"/>
+              </a:rPr>
+              <a:t>, es:</a:t>
+            </a:r>
+          </a:p>
+          <a:p>
+            <a:pPr marL="0" indent="0">
+              <a:buFont typeface="Arial"/>
+              <a:buNone/>
+              <a:defRPr/>
+            </a:pPr>
+            <a:endParaRPr sz="2000" b="0" i="0" dirty="0">
               <a:solidFill>
                 <a:schemeClr val="tx1"/>
               </a:solidFill>
@@ -12932,39 +16659,57 @@
               <a:defRPr/>
             </a:pPr>
             <a:r>
-              <a:rPr sz="2000" b="0" i="0">
-                <a:solidFill>
-                  <a:schemeClr val="tx1"/>
-                </a:solidFill>
-                <a:latin typeface="Caladea"/>
-                <a:ea typeface="Caladea"/>
-                <a:cs typeface="Caladea"/>
-              </a:rPr>
-              <a:t>Per capire se il nuovo cibo </a:t>
-            </a:r>
-            <a:r>
-              <a:rPr sz="2000" b="0" i="0">
-                <a:solidFill>
-                  <a:schemeClr val="tx1"/>
-                </a:solidFill>
-                <a:latin typeface="Asana"/>
-                <a:ea typeface="Asana"/>
-                <a:cs typeface="Asana"/>
-              </a:rPr>
-              <a:t>è</a:t>
-            </a:r>
-            <a:r>
-              <a:rPr sz="2000" b="0" i="0">
-                <a:solidFill>
-                  <a:schemeClr val="tx1"/>
-                </a:solidFill>
-                <a:latin typeface="Caladea"/>
-                <a:ea typeface="Caladea"/>
-                <a:cs typeface="Caladea"/>
-              </a:rPr>
-              <a:t> piu vicino alle banane o alle mandorle uso il numero K (es. 3, 1, 5):</a:t>
-            </a:r>
-            <a:endParaRPr sz="2000" b="0" i="0">
+              <a:rPr sz="1400" b="0" i="0" dirty="0" err="1">
+                <a:solidFill>
+                  <a:schemeClr val="tx1"/>
+                </a:solidFill>
+                <a:latin typeface="Caladea"/>
+                <a:ea typeface="Caladea"/>
+                <a:cs typeface="Caladea"/>
+              </a:rPr>
+              <a:t>Distanza</a:t>
+            </a:r>
+            <a:r>
+              <a:rPr sz="1400" b="0" i="0" dirty="0">
+                <a:solidFill>
+                  <a:schemeClr val="tx1"/>
+                </a:solidFill>
+                <a:latin typeface="Caladea"/>
+                <a:ea typeface="Caladea"/>
+                <a:cs typeface="Caladea"/>
+              </a:rPr>
+              <a:t> con banana: 	3cm</a:t>
+            </a:r>
+          </a:p>
+          <a:p>
+            <a:pPr marL="0" indent="0">
+              <a:buFont typeface="Arial"/>
+              <a:buNone/>
+              <a:defRPr/>
+            </a:pPr>
+            <a:r>
+              <a:rPr lang="en-US" sz="1400" b="0" i="0" u="none" strike="noStrike" cap="none" spc="0" dirty="0" err="1">
+                <a:solidFill>
+                  <a:schemeClr val="tx1"/>
+                </a:solidFill>
+                <a:latin typeface="Caladea"/>
+                <a:ea typeface="Caladea"/>
+                <a:cs typeface="Caladea"/>
+              </a:rPr>
+              <a:t>Distanza</a:t>
+            </a:r>
+            <a:r>
+              <a:rPr lang="en-US" sz="1400" b="0" i="0" u="none" strike="noStrike" cap="none" spc="0" dirty="0">
+                <a:solidFill>
+                  <a:schemeClr val="tx1"/>
+                </a:solidFill>
+                <a:latin typeface="Caladea"/>
+                <a:ea typeface="Caladea"/>
+                <a:cs typeface="Caladea"/>
+              </a:rPr>
+              <a:t> con banana: 	13cm</a:t>
+            </a:r>
+            <a:endParaRPr sz="1400" b="0" i="0" dirty="0">
               <a:solidFill>
                 <a:schemeClr val="tx1"/>
               </a:solidFill>
@@ -12980,17 +16725,50 @@
               <a:defRPr/>
             </a:pPr>
             <a:r>
-              <a:rPr sz="2000" b="0" i="0">
-                <a:solidFill>
-                  <a:schemeClr val="tx1"/>
-                </a:solidFill>
-                <a:latin typeface="Caladea"/>
-                <a:ea typeface="Caladea"/>
-                <a:cs typeface="Caladea"/>
-              </a:rPr>
-              <a:t>Misuro la distanza tra il nuovo cibo e tutte le mandorle, es:</a:t>
-            </a:r>
-            <a:endParaRPr sz="2000" b="0" i="0">
+              <a:rPr lang="en-US" sz="1400" b="0" i="0" u="none" strike="noStrike" cap="none" spc="0" dirty="0" err="1">
+                <a:solidFill>
+                  <a:schemeClr val="tx1"/>
+                </a:solidFill>
+                <a:latin typeface="Caladea"/>
+                <a:ea typeface="Caladea"/>
+                <a:cs typeface="Caladea"/>
+              </a:rPr>
+              <a:t>Distanza</a:t>
+            </a:r>
+            <a:r>
+              <a:rPr lang="en-US" sz="1400" b="0" i="0" u="none" strike="noStrike" cap="none" spc="0" dirty="0">
+                <a:solidFill>
+                  <a:schemeClr val="tx1"/>
+                </a:solidFill>
+                <a:latin typeface="Caladea"/>
+                <a:ea typeface="Caladea"/>
+                <a:cs typeface="Caladea"/>
+              </a:rPr>
+              <a:t> con </a:t>
+            </a:r>
+            <a:r>
+              <a:rPr lang="en-US" sz="1400" b="0" i="0" u="none" strike="noStrike" cap="none" spc="0" dirty="0" err="1">
+                <a:solidFill>
+                  <a:schemeClr val="tx1"/>
+                </a:solidFill>
+                <a:latin typeface="Caladea"/>
+                <a:ea typeface="Caladea"/>
+                <a:cs typeface="Caladea"/>
+              </a:rPr>
+              <a:t>mandorla</a:t>
+            </a:r>
+            <a:r>
+              <a:rPr lang="en-US" sz="1400" b="0" i="0" u="none" strike="noStrike" cap="none" spc="0" dirty="0">
+                <a:solidFill>
+                  <a:schemeClr val="tx1"/>
+                </a:solidFill>
+                <a:latin typeface="Caladea"/>
+                <a:ea typeface="Caladea"/>
+                <a:cs typeface="Caladea"/>
+              </a:rPr>
+              <a:t>: 5 cm</a:t>
+            </a:r>
+            <a:endParaRPr sz="1400" b="0" i="0" dirty="0">
               <a:solidFill>
                 <a:schemeClr val="tx1"/>
               </a:solidFill>
@@ -13005,7 +16783,29 @@
               <a:buNone/>
               <a:defRPr/>
             </a:pPr>
-            <a:endParaRPr sz="2000" b="0" i="0">
+            <a:r>
+              <a:rPr lang="en-US" sz="1400" b="0" i="0" u="none" strike="noStrike" cap="none" spc="0" dirty="0" err="1">
+                <a:solidFill>
+                  <a:schemeClr val="tx1"/>
+                </a:solidFill>
+                <a:latin typeface="Caladea"/>
+                <a:ea typeface="Caladea"/>
+                <a:cs typeface="Caladea"/>
+              </a:rPr>
+              <a:t>Distanza</a:t>
+            </a:r>
+            <a:r>
+              <a:rPr lang="en-US" sz="1400" b="0" i="0" u="none" strike="noStrike" cap="none" spc="0" dirty="0">
+                <a:solidFill>
+                  <a:schemeClr val="tx1"/>
+                </a:solidFill>
+                <a:latin typeface="Caladea"/>
+                <a:ea typeface="Caladea"/>
+                <a:cs typeface="Caladea"/>
+              </a:rPr>
+              <a:t> con banana: 	1 cm</a:t>
+            </a:r>
+            <a:endParaRPr sz="1400" b="0" i="0" dirty="0">
               <a:solidFill>
                 <a:schemeClr val="tx1"/>
               </a:solidFill>
@@ -13021,17 +16821,50 @@
               <a:defRPr/>
             </a:pPr>
             <a:r>
-              <a:rPr sz="1400" b="0" i="0">
-                <a:solidFill>
-                  <a:schemeClr val="tx1"/>
-                </a:solidFill>
-                <a:latin typeface="Caladea"/>
-                <a:ea typeface="Caladea"/>
-                <a:cs typeface="Caladea"/>
-              </a:rPr>
-              <a:t>Distanza con banana: 	3cm</a:t>
-            </a:r>
-            <a:endParaRPr sz="1400" b="0" i="0">
+              <a:rPr lang="en-US" sz="1400" b="0" i="0" u="none" strike="noStrike" cap="none" spc="0" dirty="0" err="1">
+                <a:solidFill>
+                  <a:schemeClr val="tx1"/>
+                </a:solidFill>
+                <a:latin typeface="Caladea"/>
+                <a:ea typeface="Caladea"/>
+                <a:cs typeface="Caladea"/>
+              </a:rPr>
+              <a:t>Distanza</a:t>
+            </a:r>
+            <a:r>
+              <a:rPr lang="en-US" sz="1400" b="0" i="0" u="none" strike="noStrike" cap="none" spc="0" dirty="0">
+                <a:solidFill>
+                  <a:schemeClr val="tx1"/>
+                </a:solidFill>
+                <a:latin typeface="Caladea"/>
+                <a:ea typeface="Caladea"/>
+                <a:cs typeface="Caladea"/>
+              </a:rPr>
+              <a:t> con </a:t>
+            </a:r>
+            <a:r>
+              <a:rPr lang="en-US" sz="1400" b="0" i="0" u="none" strike="noStrike" cap="none" spc="0" dirty="0" err="1">
+                <a:solidFill>
+                  <a:schemeClr val="tx1"/>
+                </a:solidFill>
+                <a:latin typeface="Caladea"/>
+                <a:ea typeface="Caladea"/>
+                <a:cs typeface="Caladea"/>
+              </a:rPr>
+              <a:t>mandorla</a:t>
+            </a:r>
+            <a:r>
+              <a:rPr lang="en-US" sz="1400" b="0" i="0" u="none" strike="noStrike" cap="none" spc="0" dirty="0">
+                <a:solidFill>
+                  <a:schemeClr val="tx1"/>
+                </a:solidFill>
+                <a:latin typeface="Caladea"/>
+                <a:ea typeface="Caladea"/>
+                <a:cs typeface="Caladea"/>
+              </a:rPr>
+              <a:t>: 15 cm</a:t>
+            </a:r>
+            <a:endParaRPr sz="1400" b="0" i="0" dirty="0">
               <a:solidFill>
                 <a:schemeClr val="tx1"/>
               </a:solidFill>
@@ -13047,17 +16880,28 @@
               <a:defRPr/>
             </a:pPr>
             <a:r>
-              <a:rPr lang="en-US" sz="1400" b="0" i="0" u="none" strike="noStrike" cap="none" spc="0">
-                <a:solidFill>
-                  <a:schemeClr val="tx1"/>
-                </a:solidFill>
-                <a:latin typeface="Caladea"/>
-                <a:ea typeface="Caladea"/>
-                <a:cs typeface="Caladea"/>
-              </a:rPr>
-              <a:t>Distanza con banana: 	13cm</a:t>
-            </a:r>
-            <a:endParaRPr sz="1400" b="0" i="0">
+              <a:rPr lang="en-US" sz="1400" b="0" i="0" u="none" strike="noStrike" cap="none" spc="0" dirty="0" err="1">
+                <a:solidFill>
+                  <a:schemeClr val="tx1"/>
+                </a:solidFill>
+                <a:latin typeface="Caladea"/>
+                <a:ea typeface="Caladea"/>
+                <a:cs typeface="Caladea"/>
+              </a:rPr>
+              <a:t>Distanza</a:t>
+            </a:r>
+            <a:r>
+              <a:rPr lang="en-US" sz="1400" b="0" i="0" u="none" strike="noStrike" cap="none" spc="0" dirty="0">
+                <a:solidFill>
+                  <a:schemeClr val="tx1"/>
+                </a:solidFill>
+                <a:latin typeface="Caladea"/>
+                <a:ea typeface="Caladea"/>
+                <a:cs typeface="Caladea"/>
+              </a:rPr>
+              <a:t> con banana: 	8 cm</a:t>
+            </a:r>
+            <a:endParaRPr sz="1400" b="0" i="0" dirty="0">
               <a:solidFill>
                 <a:schemeClr val="tx1"/>
               </a:solidFill>
@@ -13073,17 +16917,28 @@
               <a:defRPr/>
             </a:pPr>
             <a:r>
-              <a:rPr lang="en-US" sz="1400" b="0" i="0" u="none" strike="noStrike" cap="none" spc="0">
-                <a:solidFill>
-                  <a:schemeClr val="tx1"/>
-                </a:solidFill>
-                <a:latin typeface="Caladea"/>
-                <a:ea typeface="Caladea"/>
-                <a:cs typeface="Caladea"/>
-              </a:rPr>
-              <a:t>Distanza con mandorla: 5 cm</a:t>
-            </a:r>
-            <a:endParaRPr sz="1400" b="0" i="0">
+              <a:rPr lang="en-US" sz="1400" b="0" i="0" u="none" strike="noStrike" cap="none" spc="0" dirty="0" err="1">
+                <a:solidFill>
+                  <a:schemeClr val="tx1"/>
+                </a:solidFill>
+                <a:latin typeface="Caladea"/>
+                <a:ea typeface="Caladea"/>
+                <a:cs typeface="Caladea"/>
+              </a:rPr>
+              <a:t>Distanza</a:t>
+            </a:r>
+            <a:r>
+              <a:rPr lang="en-US" sz="1400" b="0" i="0" u="none" strike="noStrike" cap="none" spc="0" dirty="0">
+                <a:solidFill>
+                  <a:schemeClr val="tx1"/>
+                </a:solidFill>
+                <a:latin typeface="Caladea"/>
+                <a:ea typeface="Caladea"/>
+                <a:cs typeface="Caladea"/>
+              </a:rPr>
+              <a:t> con banana: 	10 cm</a:t>
+            </a:r>
+            <a:endParaRPr sz="1400" b="0" i="0" dirty="0">
               <a:solidFill>
                 <a:schemeClr val="tx1"/>
               </a:solidFill>
@@ -13099,17 +16954,64 @@
               <a:defRPr/>
             </a:pPr>
             <a:r>
-              <a:rPr lang="en-US" sz="1400" b="0" i="0" u="none" strike="noStrike" cap="none" spc="0">
-                <a:solidFill>
-                  <a:schemeClr val="tx1"/>
-                </a:solidFill>
-                <a:latin typeface="Caladea"/>
-                <a:ea typeface="Caladea"/>
-                <a:cs typeface="Caladea"/>
-              </a:rPr>
-              <a:t>Distanza con banana: 	1 cm</a:t>
-            </a:r>
-            <a:endParaRPr sz="1400" b="0" i="0">
+              <a:rPr lang="en-US" sz="1400" b="0" i="0" u="none" strike="noStrike" cap="none" spc="0" dirty="0" err="1">
+                <a:solidFill>
+                  <a:schemeClr val="tx1"/>
+                </a:solidFill>
+                <a:latin typeface="Caladea"/>
+                <a:ea typeface="Caladea"/>
+                <a:cs typeface="Caladea"/>
+              </a:rPr>
+              <a:t>Distanza</a:t>
+            </a:r>
+            <a:r>
+              <a:rPr lang="en-US" sz="1400" b="0" i="0" u="none" strike="noStrike" cap="none" spc="0" dirty="0">
+                <a:solidFill>
+                  <a:schemeClr val="tx1"/>
+                </a:solidFill>
+                <a:latin typeface="Caladea"/>
+                <a:ea typeface="Caladea"/>
+                <a:cs typeface="Caladea"/>
+              </a:rPr>
+              <a:t> con </a:t>
+            </a:r>
+            <a:r>
+              <a:rPr lang="en-US" sz="1400" b="0" i="0" u="none" strike="noStrike" cap="none" spc="0" dirty="0" err="1">
+                <a:solidFill>
+                  <a:schemeClr val="tx1"/>
+                </a:solidFill>
+                <a:latin typeface="Caladea"/>
+                <a:ea typeface="Caladea"/>
+                <a:cs typeface="Caladea"/>
+              </a:rPr>
+              <a:t>mandorla</a:t>
+            </a:r>
+            <a:r>
+              <a:rPr lang="en-US" sz="1400" b="0" i="0" u="none" strike="noStrike" cap="none" spc="0" dirty="0">
+                <a:solidFill>
+                  <a:schemeClr val="tx1"/>
+                </a:solidFill>
+                <a:latin typeface="Caladea"/>
+                <a:ea typeface="Caladea"/>
+                <a:cs typeface="Caladea"/>
+              </a:rPr>
+              <a:t>: 9 cm</a:t>
+            </a:r>
+            <a:endParaRPr lang="en-US" sz="1400" b="0" i="0" u="none" strike="noStrike" cap="none" spc="0" dirty="0">
+              <a:solidFill>
+                <a:schemeClr val="tx1"/>
+              </a:solidFill>
+              <a:latin typeface="Times New Roman"/>
+              <a:cs typeface="Times New Roman"/>
+            </a:endParaRPr>
+          </a:p>
+          <a:p>
+            <a:pPr marL="0" indent="0">
+              <a:buFont typeface="Arial"/>
+              <a:buNone/>
+              <a:defRPr/>
+            </a:pPr>
+            <a:endParaRPr sz="1400" b="0" i="0" dirty="0">
               <a:solidFill>
                 <a:schemeClr val="tx1"/>
               </a:solidFill>
@@ -13125,18 +17027,106 @@
               <a:defRPr/>
             </a:pPr>
             <a:r>
-              <a:rPr lang="en-US" sz="1400" b="0" i="0" u="none" strike="noStrike" cap="none" spc="0">
-                <a:solidFill>
-                  <a:schemeClr val="tx1"/>
-                </a:solidFill>
-                <a:latin typeface="Caladea"/>
-                <a:ea typeface="Caladea"/>
-                <a:cs typeface="Caladea"/>
-              </a:rPr>
-              <a:t>Distanza con </a:t>
-            </a:r>
-            <a:r>
-              <a:rPr lang="en-US" sz="1400" b="0" i="0" u="none" strike="noStrike" cap="none" spc="0">
+              <a:rPr lang="en-US" sz="1400" b="0" i="0" u="none" strike="noStrike" cap="none" spc="0" dirty="0">
+                <a:solidFill>
+                  <a:schemeClr val="tx1"/>
+                </a:solidFill>
+                <a:latin typeface="Caladea"/>
+                <a:ea typeface="Caladea"/>
+                <a:cs typeface="Caladea"/>
+              </a:rPr>
+              <a:t>Se, per </a:t>
+            </a:r>
+            <a:r>
+              <a:rPr lang="en-US" sz="1400" b="0" i="0" u="none" strike="noStrike" cap="none" spc="0" dirty="0" err="1">
+                <a:solidFill>
+                  <a:schemeClr val="tx1"/>
+                </a:solidFill>
+                <a:latin typeface="Caladea"/>
+                <a:ea typeface="Caladea"/>
+                <a:cs typeface="Caladea"/>
+              </a:rPr>
+              <a:t>esempio</a:t>
+            </a:r>
+            <a:r>
+              <a:rPr lang="en-US" sz="1400" b="0" i="0" u="none" strike="noStrike" cap="none" spc="0" dirty="0">
+                <a:solidFill>
+                  <a:schemeClr val="tx1"/>
+                </a:solidFill>
+                <a:latin typeface="Caladea"/>
+                <a:ea typeface="Caladea"/>
+                <a:cs typeface="Caladea"/>
+              </a:rPr>
+              <a:t>, K vale 4, </a:t>
+            </a:r>
+            <a:r>
+              <a:rPr lang="en-US" sz="1400" b="0" i="0" u="none" strike="noStrike" cap="none" spc="0" dirty="0" err="1">
+                <a:solidFill>
+                  <a:schemeClr val="tx1"/>
+                </a:solidFill>
+                <a:latin typeface="Caladea"/>
+                <a:ea typeface="Caladea"/>
+                <a:cs typeface="Caladea"/>
+              </a:rPr>
+              <a:t>prendo</a:t>
+            </a:r>
+            <a:r>
+              <a:rPr lang="en-US" sz="1400" b="0" i="0" u="none" strike="noStrike" cap="none" spc="0" dirty="0">
+                <a:solidFill>
+                  <a:schemeClr val="tx1"/>
+                </a:solidFill>
+                <a:latin typeface="Caladea"/>
+                <a:ea typeface="Caladea"/>
+                <a:cs typeface="Caladea"/>
+              </a:rPr>
+              <a:t> le 4 </a:t>
+            </a:r>
+            <a:r>
+              <a:rPr lang="en-US" sz="1400" b="0" i="0" u="none" strike="noStrike" cap="none" spc="0" dirty="0" err="1">
+                <a:solidFill>
+                  <a:schemeClr val="tx1"/>
+                </a:solidFill>
+                <a:latin typeface="Caladea"/>
+                <a:ea typeface="Caladea"/>
+                <a:cs typeface="Caladea"/>
+              </a:rPr>
+              <a:t>piu</a:t>
+            </a:r>
+            <a:r>
+              <a:rPr lang="en-US" sz="1400" b="0" i="0" u="none" strike="noStrike" cap="none" spc="0" dirty="0">
+                <a:solidFill>
+                  <a:schemeClr val="tx1"/>
+                </a:solidFill>
+                <a:latin typeface="Caladea"/>
+                <a:ea typeface="Caladea"/>
+                <a:cs typeface="Caladea"/>
+              </a:rPr>
+              <a:t> </a:t>
+            </a:r>
+            <a:r>
+              <a:rPr lang="en-US" sz="1400" b="0" i="0" u="none" strike="noStrike" cap="none" spc="0" dirty="0" err="1">
+                <a:solidFill>
+                  <a:schemeClr val="tx1"/>
+                </a:solidFill>
+                <a:latin typeface="Caladea"/>
+                <a:ea typeface="Caladea"/>
+                <a:cs typeface="Caladea"/>
+              </a:rPr>
+              <a:t>vicine</a:t>
+            </a:r>
+            <a:r>
+              <a:rPr lang="en-US" sz="1400" b="0" i="0" u="none" strike="noStrike" cap="none" spc="0" dirty="0">
+                <a:solidFill>
+                  <a:schemeClr val="tx1"/>
+                </a:solidFill>
+                <a:latin typeface="Caladea"/>
+                <a:ea typeface="Caladea"/>
+                <a:cs typeface="Caladea"/>
+              </a:rPr>
+              <a:t>: 1cm(banana), 3cm(banana),5cm(</a:t>
+            </a:r>
+            <a:r>
+              <a:rPr lang="en-US" sz="1400" b="0" i="0" u="none" strike="noStrike" cap="none" spc="0" dirty="0" err="1">
                 <a:solidFill>
                   <a:schemeClr val="tx1"/>
                 </a:solidFill>
@@ -13147,17 +17137,269 @@
               <a:t>mandorla</a:t>
             </a:r>
             <a:r>
-              <a:rPr lang="en-US" sz="1400" b="0" i="0" u="none" strike="noStrike" cap="none" spc="0">
-                <a:solidFill>
-                  <a:schemeClr val="tx1"/>
-                </a:solidFill>
-                <a:latin typeface="Caladea"/>
-                <a:ea typeface="Caladea"/>
-                <a:cs typeface="Caladea"/>
-              </a:rPr>
-              <a:t>: 15 cm</a:t>
-            </a:r>
-            <a:endParaRPr sz="1400" b="0" i="0">
+              <a:rPr lang="en-US" sz="1400" b="0" i="0" u="none" strike="noStrike" cap="none" spc="0" dirty="0">
+                <a:solidFill>
+                  <a:schemeClr val="tx1"/>
+                </a:solidFill>
+                <a:latin typeface="Caladea"/>
+                <a:ea typeface="Caladea"/>
+                <a:cs typeface="Caladea"/>
+              </a:rPr>
+              <a:t>), </a:t>
+            </a:r>
+          </a:p>
+          <a:p>
+            <a:pPr marL="0" indent="0">
+              <a:buFont typeface="Arial"/>
+              <a:buNone/>
+              <a:defRPr/>
+            </a:pPr>
+            <a:r>
+              <a:rPr lang="en-US" sz="1400" b="0" i="0" u="none" strike="noStrike" cap="none" spc="0" dirty="0">
+                <a:solidFill>
+                  <a:schemeClr val="tx1"/>
+                </a:solidFill>
+                <a:latin typeface="Caladea"/>
+                <a:ea typeface="Caladea"/>
+                <a:cs typeface="Caladea"/>
+              </a:rPr>
+              <a:t>8cm(banana).</a:t>
+            </a:r>
+            <a:endParaRPr lang="en-US" sz="1400" b="0" i="0" u="none" strike="noStrike" cap="none" spc="0" dirty="0">
+              <a:solidFill>
+                <a:schemeClr val="tx1"/>
+              </a:solidFill>
+              <a:latin typeface="Times New Roman"/>
+              <a:cs typeface="Times New Roman"/>
+            </a:endParaRPr>
+          </a:p>
+          <a:p>
+            <a:pPr marL="0" indent="0">
+              <a:buFont typeface="Arial"/>
+              <a:buNone/>
+              <a:defRPr/>
+            </a:pPr>
+            <a:r>
+              <a:rPr lang="en-US" sz="1400" b="0" i="0" u="none" strike="noStrike" cap="none" spc="0" dirty="0" err="1">
+                <a:solidFill>
+                  <a:schemeClr val="tx1"/>
+                </a:solidFill>
+                <a:latin typeface="Caladea"/>
+                <a:ea typeface="Caladea"/>
+                <a:cs typeface="Caladea"/>
+              </a:rPr>
+              <a:t>Tra</a:t>
+            </a:r>
+            <a:r>
+              <a:rPr lang="en-US" sz="1400" b="0" i="0" u="none" strike="noStrike" cap="none" spc="0" dirty="0">
+                <a:solidFill>
+                  <a:schemeClr val="tx1"/>
+                </a:solidFill>
+                <a:latin typeface="Caladea"/>
+                <a:ea typeface="Caladea"/>
+                <a:cs typeface="Caladea"/>
+              </a:rPr>
+              <a:t> le 4 </a:t>
+            </a:r>
+            <a:r>
+              <a:rPr lang="en-US" sz="1400" b="0" i="0" u="none" strike="noStrike" cap="none" spc="0" dirty="0" err="1">
+                <a:solidFill>
+                  <a:schemeClr val="tx1"/>
+                </a:solidFill>
+                <a:latin typeface="Caladea"/>
+                <a:ea typeface="Caladea"/>
+                <a:cs typeface="Caladea"/>
+              </a:rPr>
+              <a:t>piu</a:t>
+            </a:r>
+            <a:r>
+              <a:rPr lang="en-US" sz="1400" b="0" i="0" u="none" strike="noStrike" cap="none" spc="0" dirty="0">
+                <a:solidFill>
+                  <a:schemeClr val="tx1"/>
+                </a:solidFill>
+                <a:latin typeface="Caladea"/>
+                <a:ea typeface="Caladea"/>
+                <a:cs typeface="Caladea"/>
+              </a:rPr>
+              <a:t> </a:t>
+            </a:r>
+            <a:r>
+              <a:rPr lang="en-US" sz="1400" b="0" i="0" u="none" strike="noStrike" cap="none" spc="0" dirty="0" err="1">
+                <a:solidFill>
+                  <a:schemeClr val="tx1"/>
+                </a:solidFill>
+                <a:latin typeface="Caladea"/>
+                <a:ea typeface="Caladea"/>
+                <a:cs typeface="Caladea"/>
+              </a:rPr>
+              <a:t>vicine</a:t>
+            </a:r>
+            <a:r>
+              <a:rPr lang="en-US" sz="1400" b="0" i="0" u="none" strike="noStrike" cap="none" spc="0" dirty="0">
+                <a:solidFill>
+                  <a:schemeClr val="tx1"/>
+                </a:solidFill>
+                <a:latin typeface="Caladea"/>
+                <a:ea typeface="Caladea"/>
+                <a:cs typeface="Caladea"/>
+              </a:rPr>
+              <a:t>, 3 </a:t>
+            </a:r>
+            <a:r>
+              <a:rPr lang="en-US" sz="1400" b="0" i="0" u="none" strike="noStrike" cap="none" spc="0" dirty="0" err="1">
+                <a:solidFill>
+                  <a:schemeClr val="tx1"/>
+                </a:solidFill>
+                <a:latin typeface="Caladea"/>
+                <a:ea typeface="Caladea"/>
+                <a:cs typeface="Caladea"/>
+              </a:rPr>
+              <a:t>sono</a:t>
+            </a:r>
+            <a:r>
+              <a:rPr lang="en-US" sz="1400" b="0" i="0" u="none" strike="noStrike" cap="none" spc="0" dirty="0">
+                <a:solidFill>
+                  <a:schemeClr val="tx1"/>
+                </a:solidFill>
+                <a:latin typeface="Caladea"/>
+                <a:ea typeface="Caladea"/>
+                <a:cs typeface="Caladea"/>
+              </a:rPr>
+              <a:t> </a:t>
+            </a:r>
+            <a:r>
+              <a:rPr lang="en-US" sz="1400" b="0" i="0" u="none" strike="noStrike" cap="none" spc="0" dirty="0" err="1">
+                <a:solidFill>
+                  <a:schemeClr val="tx1"/>
+                </a:solidFill>
+                <a:latin typeface="Caladea"/>
+                <a:ea typeface="Caladea"/>
+                <a:cs typeface="Caladea"/>
+              </a:rPr>
+              <a:t>banane</a:t>
+            </a:r>
+            <a:r>
+              <a:rPr lang="en-US" sz="1400" b="0" i="0" u="none" strike="noStrike" cap="none" spc="0" dirty="0">
+                <a:solidFill>
+                  <a:schemeClr val="tx1"/>
+                </a:solidFill>
+                <a:latin typeface="Caladea"/>
+                <a:ea typeface="Caladea"/>
+                <a:cs typeface="Caladea"/>
+              </a:rPr>
+              <a:t>, </a:t>
+            </a:r>
+            <a:r>
+              <a:rPr lang="en-US" sz="1400" b="0" i="0" u="none" strike="noStrike" cap="none" spc="0" dirty="0" err="1">
+                <a:solidFill>
+                  <a:schemeClr val="tx1"/>
+                </a:solidFill>
+                <a:latin typeface="Caladea"/>
+                <a:ea typeface="Caladea"/>
+                <a:cs typeface="Caladea"/>
+              </a:rPr>
+              <a:t>quindi</a:t>
+            </a:r>
+            <a:r>
+              <a:rPr lang="en-US" sz="1400" b="0" i="0" u="none" strike="noStrike" cap="none" spc="0" dirty="0">
+                <a:solidFill>
+                  <a:schemeClr val="tx1"/>
+                </a:solidFill>
+                <a:latin typeface="Caladea"/>
+                <a:ea typeface="Caladea"/>
+                <a:cs typeface="Caladea"/>
+              </a:rPr>
+              <a:t> </a:t>
+            </a:r>
+            <a:r>
+              <a:rPr lang="en-US" sz="1400" b="0" i="0" u="none" strike="noStrike" cap="none" spc="0" dirty="0" err="1">
+                <a:solidFill>
+                  <a:schemeClr val="tx1"/>
+                </a:solidFill>
+                <a:latin typeface="Caladea"/>
+                <a:ea typeface="Caladea"/>
+                <a:cs typeface="Caladea"/>
+              </a:rPr>
+              <a:t>il</a:t>
+            </a:r>
+            <a:r>
+              <a:rPr lang="en-US" sz="1400" b="0" i="0" u="none" strike="noStrike" cap="none" spc="0" dirty="0">
+                <a:solidFill>
+                  <a:schemeClr val="tx1"/>
+                </a:solidFill>
+                <a:latin typeface="Caladea"/>
+                <a:ea typeface="Caladea"/>
+                <a:cs typeface="Caladea"/>
+              </a:rPr>
+              <a:t> nuovo </a:t>
+            </a:r>
+            <a:r>
+              <a:rPr lang="en-US" sz="1400" b="0" i="0" u="none" strike="noStrike" cap="none" spc="0" dirty="0" err="1">
+                <a:solidFill>
+                  <a:schemeClr val="tx1"/>
+                </a:solidFill>
+                <a:latin typeface="Caladea"/>
+                <a:ea typeface="Caladea"/>
+                <a:cs typeface="Caladea"/>
+              </a:rPr>
+              <a:t>cibo</a:t>
+            </a:r>
+            <a:r>
+              <a:rPr lang="en-US" sz="1400" b="0" i="0" u="none" strike="noStrike" cap="none" spc="0" dirty="0">
+                <a:solidFill>
+                  <a:schemeClr val="tx1"/>
+                </a:solidFill>
+                <a:latin typeface="Caladea"/>
+                <a:ea typeface="Caladea"/>
+                <a:cs typeface="Caladea"/>
+              </a:rPr>
+              <a:t> </a:t>
+            </a:r>
+            <a:r>
+              <a:rPr lang="en-US" sz="1400" b="0" i="0" u="none" strike="noStrike" cap="none" spc="0" dirty="0" err="1">
+                <a:solidFill>
+                  <a:schemeClr val="tx1"/>
+                </a:solidFill>
+                <a:latin typeface="Caladea"/>
+                <a:ea typeface="Caladea"/>
+                <a:cs typeface="Caladea"/>
+              </a:rPr>
+              <a:t>probabilmente</a:t>
+            </a:r>
+            <a:r>
+              <a:rPr lang="en-US" sz="1400" b="0" i="0" u="none" strike="noStrike" cap="none" spc="0" dirty="0">
+                <a:solidFill>
+                  <a:schemeClr val="tx1"/>
+                </a:solidFill>
+                <a:latin typeface="Caladea"/>
+                <a:ea typeface="Caladea"/>
+                <a:cs typeface="Caladea"/>
+              </a:rPr>
+              <a:t> </a:t>
+            </a:r>
+            <a:r>
+              <a:rPr lang="en-US" sz="1400" b="0" i="0" u="none" strike="noStrike" cap="none" spc="0" dirty="0" err="1">
+                <a:solidFill>
+                  <a:schemeClr val="tx1"/>
+                </a:solidFill>
+                <a:latin typeface="Caladea"/>
+                <a:ea typeface="Caladea"/>
+                <a:cs typeface="Caladea"/>
+              </a:rPr>
+              <a:t>sarà</a:t>
+            </a:r>
+            <a:r>
+              <a:rPr lang="en-US" sz="1400" b="0" i="0" u="none" strike="noStrike" cap="none" spc="0" dirty="0">
+                <a:solidFill>
+                  <a:schemeClr val="tx1"/>
+                </a:solidFill>
+                <a:latin typeface="Caladea"/>
+                <a:ea typeface="Caladea"/>
+                <a:cs typeface="Caladea"/>
+              </a:rPr>
+              <a:t> una banana!</a:t>
+            </a:r>
+            <a:endParaRPr sz="1400" b="0" i="0" dirty="0">
               <a:solidFill>
                 <a:schemeClr val="tx1"/>
               </a:solidFill>
@@ -13166,176 +17408,11 @@
               <a:cs typeface="Caladea"/>
             </a:endParaRPr>
           </a:p>
-          <a:p>
-            <a:pPr marL="0" indent="0">
-              <a:buFont typeface="Arial"/>
-              <a:buNone/>
-              <a:defRPr/>
-            </a:pPr>
-            <a:r>
-              <a:rPr lang="en-US" sz="1400" b="0" i="0" u="none" strike="noStrike" cap="none" spc="0">
-                <a:solidFill>
-                  <a:schemeClr val="tx1"/>
-                </a:solidFill>
-                <a:latin typeface="Caladea"/>
-                <a:ea typeface="Caladea"/>
-                <a:cs typeface="Caladea"/>
-              </a:rPr>
-              <a:t>Distanza con banana: 	8 cm</a:t>
-            </a:r>
-            <a:endParaRPr sz="1400" b="0" i="0">
-              <a:solidFill>
-                <a:schemeClr val="tx1"/>
-              </a:solidFill>
-              <a:latin typeface="Caladea"/>
-              <a:ea typeface="Caladea"/>
-              <a:cs typeface="Caladea"/>
-            </a:endParaRPr>
-          </a:p>
-          <a:p>
-            <a:pPr marL="0" indent="0">
-              <a:buFont typeface="Arial"/>
-              <a:buNone/>
-              <a:defRPr/>
-            </a:pPr>
-            <a:r>
-              <a:rPr lang="en-US" sz="1400" b="0" i="0" u="none" strike="noStrike" cap="none" spc="0">
-                <a:solidFill>
-                  <a:schemeClr val="tx1"/>
-                </a:solidFill>
-                <a:latin typeface="Caladea"/>
-                <a:ea typeface="Caladea"/>
-                <a:cs typeface="Caladea"/>
-              </a:rPr>
-              <a:t>Distanza con banana: 	10 cm</a:t>
-            </a:r>
-            <a:endParaRPr sz="1400" b="0" i="0">
-              <a:solidFill>
-                <a:schemeClr val="tx1"/>
-              </a:solidFill>
-              <a:latin typeface="Caladea"/>
-              <a:ea typeface="Caladea"/>
-              <a:cs typeface="Caladea"/>
-            </a:endParaRPr>
-          </a:p>
-          <a:p>
-            <a:pPr marL="0" indent="0">
-              <a:buFont typeface="Arial"/>
-              <a:buNone/>
-              <a:defRPr/>
-            </a:pPr>
-            <a:r>
-              <a:rPr lang="en-US" sz="1400" b="0" i="0" u="none" strike="noStrike" cap="none" spc="0">
-                <a:solidFill>
-                  <a:schemeClr val="tx1"/>
-                </a:solidFill>
-                <a:latin typeface="Caladea"/>
-                <a:ea typeface="Caladea"/>
-                <a:cs typeface="Caladea"/>
-              </a:rPr>
-              <a:t>Distanza con </a:t>
-            </a:r>
-            <a:r>
-              <a:rPr lang="en-US" sz="1400" b="0" i="0" u="none" strike="noStrike" cap="none" spc="0">
-                <a:solidFill>
-                  <a:schemeClr val="tx1"/>
-                </a:solidFill>
-                <a:latin typeface="Caladea"/>
-                <a:ea typeface="Caladea"/>
-                <a:cs typeface="Caladea"/>
-              </a:rPr>
-              <a:t>mandorla</a:t>
-            </a:r>
-            <a:r>
-              <a:rPr lang="en-US" sz="1400" b="0" i="0" u="none" strike="noStrike" cap="none" spc="0">
-                <a:solidFill>
-                  <a:schemeClr val="tx1"/>
-                </a:solidFill>
-                <a:latin typeface="Caladea"/>
-                <a:ea typeface="Caladea"/>
-                <a:cs typeface="Caladea"/>
-              </a:rPr>
-              <a:t>: 9 cm</a:t>
-            </a:r>
-            <a:endParaRPr lang="en-US" sz="1400" b="0" i="0" u="none" strike="noStrike" cap="none" spc="0">
-              <a:solidFill>
-                <a:schemeClr val="tx1"/>
-              </a:solidFill>
-              <a:latin typeface="Times New Roman"/>
-              <a:cs typeface="Times New Roman"/>
-            </a:endParaRPr>
-          </a:p>
-          <a:p>
-            <a:pPr marL="0" indent="0">
-              <a:buFont typeface="Arial"/>
-              <a:buNone/>
-              <a:defRPr/>
-            </a:pPr>
-            <a:endParaRPr sz="1400" b="0" i="0">
-              <a:solidFill>
-                <a:schemeClr val="tx1"/>
-              </a:solidFill>
-              <a:latin typeface="Caladea"/>
-              <a:ea typeface="Caladea"/>
-              <a:cs typeface="Caladea"/>
-            </a:endParaRPr>
-          </a:p>
-          <a:p>
-            <a:pPr marL="0" indent="0">
-              <a:buFont typeface="Arial"/>
-              <a:buNone/>
-              <a:defRPr/>
-            </a:pPr>
-            <a:r>
-              <a:rPr lang="en-US" sz="1400" b="0" i="0" u="none" strike="noStrike" cap="none" spc="0">
-                <a:solidFill>
-                  <a:schemeClr val="tx1"/>
-                </a:solidFill>
-                <a:latin typeface="Caladea"/>
-                <a:ea typeface="Caladea"/>
-                <a:cs typeface="Caladea"/>
-              </a:rPr>
-              <a:t>Se K vale 4, prendo le 4 piu vicine: 1cm(banana),3cm(banana),5cm(mandorla),8cm(banana)</a:t>
-            </a:r>
-            <a:endParaRPr lang="en-US" sz="1400" b="0" i="0" u="none" strike="noStrike" cap="none" spc="0">
-              <a:solidFill>
-                <a:schemeClr val="tx1"/>
-              </a:solidFill>
-              <a:latin typeface="Times New Roman"/>
-              <a:cs typeface="Times New Roman"/>
-            </a:endParaRPr>
-          </a:p>
-          <a:p>
-            <a:pPr marL="0" indent="0">
-              <a:buFont typeface="Arial"/>
-              <a:buNone/>
-              <a:defRPr/>
-            </a:pPr>
-            <a:r>
-              <a:rPr lang="en-US" sz="1400" b="0" i="0" u="none" strike="noStrike" cap="none" spc="0">
-                <a:solidFill>
-                  <a:schemeClr val="tx1"/>
-                </a:solidFill>
-                <a:latin typeface="Caladea"/>
-                <a:ea typeface="Caladea"/>
-                <a:cs typeface="Caladea"/>
-              </a:rPr>
-              <a:t>Tra le 4 piu vicine, 3 sono banane, quindi il nuovo cibo probabilmente sara una banana!</a:t>
-            </a:r>
-            <a:endParaRPr sz="1400" b="0" i="0">
-              <a:solidFill>
-                <a:schemeClr val="tx1"/>
-              </a:solidFill>
-              <a:latin typeface="Caladea"/>
-              <a:ea typeface="Caladea"/>
-              <a:cs typeface="Caladea"/>
-            </a:endParaRPr>
-          </a:p>
         </p:txBody>
       </p:sp>
       <p:pic>
         <p:nvPicPr>
-          <p:cNvPr id="807282481" name=""/>
+          <p:cNvPr id="807282481" name="Immagine 807282480"/>
           <p:cNvPicPr>
             <a:picLocks noChangeAspect="1"/>
           </p:cNvPicPr>
@@ -13346,7 +17423,7 @@
           <a:stretch/>
         </p:blipFill>
         <p:spPr bwMode="auto">
-          <a:xfrm flipH="0" flipV="0">
+          <a:xfrm>
             <a:off x="7755148" y="2558541"/>
             <a:ext cx="3654829" cy="2680208"/>
           </a:xfrm>
@@ -13360,20 +17437,12 @@
   <p:clrMapOvr>
     <a:masterClrMapping/>
   </p:clrMapOvr>
-  <mc:AlternateContent xmlns:mc="http://schemas.openxmlformats.org/markup-compatibility/2006">
-    <mc:Choice xmlns:p159="http://schemas.microsoft.com/office/powerpoint/2015/09/main" xmlns:p14="http://schemas.microsoft.com/office/powerpoint/2010/main" Requires="p159">
-      <p:transition p14:dur="2000" advClick="1"/>
-    </mc:Choice>
-    <mc:Fallback>
-      <p:transition advClick="1"/>
-    </mc:Fallback>
-  </mc:AlternateContent>
 </p:sld>
 </file>
 
-<file path=ppt/slides/slide7.xml><?xml version="1.0" encoding="utf-8"?>
-<p:sld xmlns:a="http://schemas.openxmlformats.org/drawingml/2006/main" xmlns:r="http://schemas.openxmlformats.org/officeDocument/2006/relationships" xmlns:p="http://schemas.openxmlformats.org/presentationml/2006/main" xmlns:m="http://schemas.openxmlformats.org/officeDocument/2006/math" xmlns:w="http://schemas.openxmlformats.org/wordprocessingml/2006/main" xmlns:mc="http://schemas.openxmlformats.org/markup-compatibility/2006" showMasterPhAnim="0" showMasterSp="1" show="1">
-  <p:cSld name="">
+<file path=ppt/slides/slide8.xml><?xml version="1.0" encoding="utf-8"?>
+<p:sld xmlns:a="http://schemas.openxmlformats.org/drawingml/2006/main" xmlns:r="http://schemas.openxmlformats.org/officeDocument/2006/relationships" xmlns:p="http://schemas.openxmlformats.org/presentationml/2006/main" showMasterPhAnim="0">
+  <p:cSld>
     <p:spTree>
       <p:nvGrpSpPr>
         <p:cNvPr id="1" name=""/>
@@ -13399,13 +17468,13 @@
           </p:nvPr>
         </p:nvSpPr>
         <p:spPr bwMode="auto">
-          <a:xfrm flipH="0" flipV="0">
+          <a:xfrm>
             <a:off x="245379" y="1071416"/>
             <a:ext cx="5351440" cy="556156"/>
           </a:xfrm>
         </p:spPr>
         <p:txBody>
-          <a:bodyPr vertOverflow="overflow" horzOverflow="overflow" vert="horz" wrap="square" lIns="91440" tIns="45720" rIns="91440" bIns="45720" numCol="1" spcCol="0" rtlCol="0" fromWordArt="0" anchor="ctr" anchorCtr="0" forceAA="0" upright="0" compatLnSpc="0">
+          <a:bodyPr vertOverflow="overflow" horzOverflow="overflow" vert="horz" wrap="square" lIns="91440" tIns="45720" rIns="91440" bIns="45720" numCol="1" spcCol="0" rtlCol="0" fromWordArt="0" anchor="ctr" anchorCtr="0" forceAA="0" compatLnSpc="0">
             <a:normAutofit/>
           </a:bodyPr>
           <a:lstStyle/>
@@ -13419,15 +17488,7 @@
                 <a:ea typeface="Caladea"/>
                 <a:cs typeface="Caladea"/>
               </a:rPr>
-              <a:t>Se volessimo essere piu precisi</a:t>
-            </a:r>
-            <a:r>
-              <a:rPr sz="2600">
-                <a:latin typeface="Caladea"/>
-                <a:ea typeface="Caladea"/>
-                <a:cs typeface="Caladea"/>
-              </a:rPr>
-              <a:t>?</a:t>
+              <a:t>Se volessimo essere piu precisi?</a:t>
             </a:r>
             <a:endParaRPr sz="2600">
               <a:latin typeface="Caladea"/>
@@ -13447,13 +17508,13 @@
           </p:nvPr>
         </p:nvSpPr>
         <p:spPr bwMode="auto">
-          <a:xfrm flipH="0" flipV="0">
+          <a:xfrm>
             <a:off x="245379" y="1627572"/>
             <a:ext cx="11164599" cy="1368640"/>
           </a:xfrm>
         </p:spPr>
         <p:txBody>
-          <a:bodyPr vertOverflow="overflow" horzOverflow="overflow" vert="horz" wrap="square" lIns="91440" tIns="45720" rIns="91440" bIns="45720" numCol="1" spcCol="0" rtlCol="0" fromWordArt="0" anchor="t" anchorCtr="0" forceAA="0" upright="0" compatLnSpc="0">
+          <a:bodyPr vertOverflow="overflow" horzOverflow="overflow" vert="horz" wrap="square" lIns="91440" tIns="45720" rIns="91440" bIns="45720" numCol="1" spcCol="0" rtlCol="0" fromWordArt="0" anchor="t" anchorCtr="0" forceAA="0" compatLnSpc="0">
             <a:normAutofit/>
           </a:bodyPr>
           <a:lstStyle/>
@@ -13464,46 +17525,170 @@
               <a:defRPr/>
             </a:pPr>
             <a:r>
-              <a:rPr sz="2200" b="0" i="0">
-                <a:solidFill>
-                  <a:schemeClr val="tx1"/>
-                </a:solidFill>
-                <a:latin typeface="Caladea"/>
-                <a:ea typeface="Caladea"/>
-                <a:cs typeface="Caladea"/>
-              </a:rPr>
-              <a:t>Niente ci limita a due caratteristiche! Possiamo prenderne quante n</a:t>
-            </a:r>
-            <a:r>
-              <a:rPr sz="2200" b="0" i="0">
-                <a:solidFill>
-                  <a:schemeClr val="tx1"/>
-                </a:solidFill>
-                <a:latin typeface="Caladea"/>
-                <a:ea typeface="Caladea"/>
-                <a:cs typeface="Caladea"/>
-              </a:rPr>
-              <a:t>è</a:t>
-            </a:r>
-            <a:r>
-              <a:rPr sz="2200" b="0" i="0">
-                <a:solidFill>
-                  <a:schemeClr val="tx1"/>
-                </a:solidFill>
-                <a:latin typeface="Caladea"/>
-                <a:ea typeface="Caladea"/>
-                <a:cs typeface="Caladea"/>
-              </a:rPr>
-              <a:t> vogliamo!</a:t>
-            </a:r>
-            <a:endParaRPr sz="2200" b="0" i="0">
-              <a:solidFill>
-                <a:schemeClr val="tx1"/>
-              </a:solidFill>
-              <a:latin typeface="Caladea"/>
-              <a:ea typeface="Caladea"/>
-              <a:cs typeface="Caladea"/>
-            </a:endParaRPr>
+              <a:rPr sz="2200" b="0" i="0" dirty="0">
+                <a:solidFill>
+                  <a:schemeClr val="tx1"/>
+                </a:solidFill>
+                <a:latin typeface="Caladea"/>
+                <a:ea typeface="Caladea"/>
+                <a:cs typeface="Caladea"/>
+              </a:rPr>
+              <a:t>Niente ci </a:t>
+            </a:r>
+            <a:r>
+              <a:rPr sz="2200" b="0" i="0" dirty="0" err="1">
+                <a:solidFill>
+                  <a:schemeClr val="tx1"/>
+                </a:solidFill>
+                <a:latin typeface="Caladea"/>
+                <a:ea typeface="Caladea"/>
+                <a:cs typeface="Caladea"/>
+              </a:rPr>
+              <a:t>limita</a:t>
+            </a:r>
+            <a:r>
+              <a:rPr sz="2200" b="0" i="0" dirty="0">
+                <a:solidFill>
+                  <a:schemeClr val="tx1"/>
+                </a:solidFill>
+                <a:latin typeface="Caladea"/>
+                <a:ea typeface="Caladea"/>
+                <a:cs typeface="Caladea"/>
+              </a:rPr>
+              <a:t> a due </a:t>
+            </a:r>
+            <a:r>
+              <a:rPr sz="2200" b="0" i="0" dirty="0" err="1">
+                <a:solidFill>
+                  <a:schemeClr val="tx1"/>
+                </a:solidFill>
+                <a:latin typeface="Caladea"/>
+                <a:ea typeface="Caladea"/>
+                <a:cs typeface="Caladea"/>
+              </a:rPr>
+              <a:t>caratteristiche</a:t>
+            </a:r>
+            <a:r>
+              <a:rPr sz="2200" b="0" i="0" dirty="0">
+                <a:solidFill>
+                  <a:schemeClr val="tx1"/>
+                </a:solidFill>
+                <a:latin typeface="Caladea"/>
+                <a:ea typeface="Caladea"/>
+                <a:cs typeface="Caladea"/>
+              </a:rPr>
+              <a:t>! </a:t>
+            </a:r>
+            <a:r>
+              <a:rPr sz="2200" b="0" i="0" dirty="0" err="1">
+                <a:solidFill>
+                  <a:schemeClr val="tx1"/>
+                </a:solidFill>
+                <a:latin typeface="Caladea"/>
+                <a:ea typeface="Caladea"/>
+                <a:cs typeface="Caladea"/>
+              </a:rPr>
+              <a:t>Possiamo</a:t>
+            </a:r>
+            <a:r>
+              <a:rPr sz="2200" b="0" i="0" dirty="0">
+                <a:solidFill>
+                  <a:schemeClr val="tx1"/>
+                </a:solidFill>
+                <a:latin typeface="Caladea"/>
+                <a:ea typeface="Caladea"/>
+                <a:cs typeface="Caladea"/>
+              </a:rPr>
+              <a:t> </a:t>
+            </a:r>
+            <a:r>
+              <a:rPr sz="2200" b="0" i="0" dirty="0" err="1">
+                <a:solidFill>
+                  <a:schemeClr val="tx1"/>
+                </a:solidFill>
+                <a:latin typeface="Caladea"/>
+                <a:ea typeface="Caladea"/>
+                <a:cs typeface="Caladea"/>
+              </a:rPr>
+              <a:t>prenderne</a:t>
+            </a:r>
+            <a:r>
+              <a:rPr sz="2200" b="0" i="0" dirty="0">
+                <a:solidFill>
+                  <a:schemeClr val="tx1"/>
+                </a:solidFill>
+                <a:latin typeface="Caladea"/>
+                <a:ea typeface="Caladea"/>
+                <a:cs typeface="Caladea"/>
+              </a:rPr>
+              <a:t> </a:t>
+            </a:r>
+            <a:r>
+              <a:rPr sz="2200" b="0" i="0" dirty="0" err="1">
+                <a:solidFill>
+                  <a:schemeClr val="tx1"/>
+                </a:solidFill>
+                <a:latin typeface="Caladea"/>
+                <a:ea typeface="Caladea"/>
+                <a:cs typeface="Caladea"/>
+              </a:rPr>
+              <a:t>quante</a:t>
+            </a:r>
+            <a:r>
+              <a:rPr sz="2200" b="0" i="0" dirty="0">
+                <a:solidFill>
+                  <a:schemeClr val="tx1"/>
+                </a:solidFill>
+                <a:latin typeface="Caladea"/>
+                <a:ea typeface="Caladea"/>
+                <a:cs typeface="Caladea"/>
+              </a:rPr>
+              <a:t> n</a:t>
+            </a:r>
+            <a:r>
+              <a:rPr lang="it-IT" sz="2200" b="0" i="0" dirty="0">
+                <a:solidFill>
+                  <a:schemeClr val="tx1"/>
+                </a:solidFill>
+                <a:latin typeface="Caladea"/>
+                <a:ea typeface="Caladea"/>
+                <a:cs typeface="Caladea"/>
+              </a:rPr>
+              <a:t>e</a:t>
+            </a:r>
+            <a:r>
+              <a:rPr sz="2200" b="0" i="0" dirty="0">
+                <a:solidFill>
+                  <a:schemeClr val="tx1"/>
+                </a:solidFill>
+                <a:latin typeface="Caladea"/>
+                <a:ea typeface="Caladea"/>
+                <a:cs typeface="Caladea"/>
+              </a:rPr>
+              <a:t> </a:t>
+            </a:r>
+            <a:r>
+              <a:rPr sz="2200" b="0" i="0" dirty="0" err="1">
+                <a:solidFill>
+                  <a:schemeClr val="tx1"/>
+                </a:solidFill>
+                <a:latin typeface="Caladea"/>
+                <a:ea typeface="Caladea"/>
+                <a:cs typeface="Caladea"/>
+              </a:rPr>
+              <a:t>vogliamo</a:t>
+            </a:r>
+            <a:r>
+              <a:rPr sz="2200" b="0" i="0" dirty="0">
+                <a:solidFill>
+                  <a:schemeClr val="tx1"/>
+                </a:solidFill>
+                <a:latin typeface="Caladea"/>
+                <a:ea typeface="Caladea"/>
+                <a:cs typeface="Caladea"/>
+              </a:rPr>
+              <a:t>!</a:t>
+            </a:r>
           </a:p>
           <a:p>
             <a:pPr marL="0" indent="0">
@@ -13512,30 +17697,275 @@
               <a:defRPr/>
             </a:pPr>
             <a:r>
-              <a:rPr sz="2200" b="0" i="0">
-                <a:solidFill>
-                  <a:schemeClr val="tx1"/>
-                </a:solidFill>
-                <a:latin typeface="Caladea"/>
-                <a:ea typeface="Caladea"/>
-                <a:cs typeface="Caladea"/>
-              </a:rPr>
-              <a:t>Non potremmo visualizzare un grafico a 5 dimensioni ma possiamo tranquillamente calcolare la distanza tra un punto a 5 dimensioni e un’altro.</a:t>
-            </a:r>
-            <a:endParaRPr sz="2200" b="0" i="0">
-              <a:solidFill>
-                <a:schemeClr val="tx1"/>
-              </a:solidFill>
-              <a:latin typeface="Caladea"/>
-              <a:ea typeface="Caladea"/>
-              <a:cs typeface="Caladea"/>
-            </a:endParaRPr>
+              <a:rPr sz="2200" b="0" i="0" dirty="0">
+                <a:solidFill>
+                  <a:schemeClr val="tx1"/>
+                </a:solidFill>
+                <a:latin typeface="Caladea"/>
+                <a:ea typeface="Caladea"/>
+                <a:cs typeface="Caladea"/>
+              </a:rPr>
+              <a:t>Non </a:t>
+            </a:r>
+            <a:r>
+              <a:rPr sz="2200" b="0" i="0" dirty="0" err="1">
+                <a:solidFill>
+                  <a:schemeClr val="tx1"/>
+                </a:solidFill>
+                <a:latin typeface="Caladea"/>
+                <a:ea typeface="Caladea"/>
+                <a:cs typeface="Caladea"/>
+              </a:rPr>
+              <a:t>potremmo</a:t>
+            </a:r>
+            <a:r>
+              <a:rPr sz="2200" b="0" i="0" dirty="0">
+                <a:solidFill>
+                  <a:schemeClr val="tx1"/>
+                </a:solidFill>
+                <a:latin typeface="Caladea"/>
+                <a:ea typeface="Caladea"/>
+                <a:cs typeface="Caladea"/>
+              </a:rPr>
+              <a:t> </a:t>
+            </a:r>
+            <a:r>
+              <a:rPr sz="2200" b="0" i="0" dirty="0" err="1">
+                <a:solidFill>
+                  <a:schemeClr val="tx1"/>
+                </a:solidFill>
+                <a:latin typeface="Caladea"/>
+                <a:ea typeface="Caladea"/>
+                <a:cs typeface="Caladea"/>
+              </a:rPr>
+              <a:t>visualizzare</a:t>
+            </a:r>
+            <a:r>
+              <a:rPr sz="2200" b="0" i="0" dirty="0">
+                <a:solidFill>
+                  <a:schemeClr val="tx1"/>
+                </a:solidFill>
+                <a:latin typeface="Caladea"/>
+                <a:ea typeface="Caladea"/>
+                <a:cs typeface="Caladea"/>
+              </a:rPr>
+              <a:t> un </a:t>
+            </a:r>
+            <a:r>
+              <a:rPr sz="2200" b="0" i="0" dirty="0" err="1">
+                <a:solidFill>
+                  <a:schemeClr val="tx1"/>
+                </a:solidFill>
+                <a:latin typeface="Caladea"/>
+                <a:ea typeface="Caladea"/>
+                <a:cs typeface="Caladea"/>
+              </a:rPr>
+              <a:t>grafico</a:t>
+            </a:r>
+            <a:r>
+              <a:rPr sz="2200" b="0" i="0" dirty="0">
+                <a:solidFill>
+                  <a:schemeClr val="tx1"/>
+                </a:solidFill>
+                <a:latin typeface="Caladea"/>
+                <a:ea typeface="Caladea"/>
+                <a:cs typeface="Caladea"/>
+              </a:rPr>
+              <a:t> a 5 </a:t>
+            </a:r>
+            <a:r>
+              <a:rPr sz="2200" b="0" i="0" dirty="0" err="1">
+                <a:solidFill>
+                  <a:schemeClr val="tx1"/>
+                </a:solidFill>
+                <a:latin typeface="Caladea"/>
+                <a:ea typeface="Caladea"/>
+                <a:cs typeface="Caladea"/>
+              </a:rPr>
+              <a:t>dimensioni</a:t>
+            </a:r>
+            <a:r>
+              <a:rPr sz="2200" b="0" i="0" dirty="0">
+                <a:solidFill>
+                  <a:schemeClr val="tx1"/>
+                </a:solidFill>
+                <a:latin typeface="Caladea"/>
+                <a:ea typeface="Caladea"/>
+                <a:cs typeface="Caladea"/>
+              </a:rPr>
+              <a:t> ma </a:t>
+            </a:r>
+            <a:r>
+              <a:rPr sz="2200" b="0" i="0" dirty="0" err="1">
+                <a:solidFill>
+                  <a:schemeClr val="tx1"/>
+                </a:solidFill>
+                <a:latin typeface="Caladea"/>
+                <a:ea typeface="Caladea"/>
+                <a:cs typeface="Caladea"/>
+              </a:rPr>
+              <a:t>possiamo</a:t>
+            </a:r>
+            <a:r>
+              <a:rPr sz="2200" b="0" i="0" dirty="0">
+                <a:solidFill>
+                  <a:schemeClr val="tx1"/>
+                </a:solidFill>
+                <a:latin typeface="Caladea"/>
+                <a:ea typeface="Caladea"/>
+                <a:cs typeface="Caladea"/>
+              </a:rPr>
+              <a:t> </a:t>
+            </a:r>
+            <a:r>
+              <a:rPr sz="2200" b="0" i="0" dirty="0" err="1">
+                <a:solidFill>
+                  <a:schemeClr val="tx1"/>
+                </a:solidFill>
+                <a:latin typeface="Caladea"/>
+                <a:ea typeface="Caladea"/>
+                <a:cs typeface="Caladea"/>
+              </a:rPr>
+              <a:t>tranquillamente</a:t>
+            </a:r>
+            <a:r>
+              <a:rPr sz="2200" b="0" i="0" dirty="0">
+                <a:solidFill>
+                  <a:schemeClr val="tx1"/>
+                </a:solidFill>
+                <a:latin typeface="Caladea"/>
+                <a:ea typeface="Caladea"/>
+                <a:cs typeface="Caladea"/>
+              </a:rPr>
+              <a:t> </a:t>
+            </a:r>
+            <a:r>
+              <a:rPr sz="2200" b="0" i="0" dirty="0" err="1">
+                <a:solidFill>
+                  <a:schemeClr val="tx1"/>
+                </a:solidFill>
+                <a:latin typeface="Caladea"/>
+                <a:ea typeface="Caladea"/>
+                <a:cs typeface="Caladea"/>
+              </a:rPr>
+              <a:t>calcolare</a:t>
+            </a:r>
+            <a:r>
+              <a:rPr sz="2200" b="0" i="0" dirty="0">
+                <a:solidFill>
+                  <a:schemeClr val="tx1"/>
+                </a:solidFill>
+                <a:latin typeface="Caladea"/>
+                <a:ea typeface="Caladea"/>
+                <a:cs typeface="Caladea"/>
+              </a:rPr>
+              <a:t> la </a:t>
+            </a:r>
+            <a:r>
+              <a:rPr sz="2200" b="0" i="0" dirty="0" err="1">
+                <a:solidFill>
+                  <a:schemeClr val="tx1"/>
+                </a:solidFill>
+                <a:latin typeface="Caladea"/>
+                <a:ea typeface="Caladea"/>
+                <a:cs typeface="Caladea"/>
+              </a:rPr>
+              <a:t>distanza</a:t>
+            </a:r>
+            <a:r>
+              <a:rPr sz="2200" b="0" i="0" dirty="0">
+                <a:solidFill>
+                  <a:schemeClr val="tx1"/>
+                </a:solidFill>
+                <a:latin typeface="Caladea"/>
+                <a:ea typeface="Caladea"/>
+                <a:cs typeface="Caladea"/>
+              </a:rPr>
+              <a:t> </a:t>
+            </a:r>
+            <a:r>
+              <a:rPr sz="2200" b="0" i="0" dirty="0" err="1">
+                <a:solidFill>
+                  <a:schemeClr val="tx1"/>
+                </a:solidFill>
+                <a:latin typeface="Caladea"/>
+                <a:ea typeface="Caladea"/>
+                <a:cs typeface="Caladea"/>
+              </a:rPr>
+              <a:t>tra</a:t>
+            </a:r>
+            <a:r>
+              <a:rPr sz="2200" b="0" i="0" dirty="0">
+                <a:solidFill>
+                  <a:schemeClr val="tx1"/>
+                </a:solidFill>
+                <a:latin typeface="Caladea"/>
+                <a:ea typeface="Caladea"/>
+                <a:cs typeface="Caladea"/>
+              </a:rPr>
+              <a:t> un punto a 5 </a:t>
+            </a:r>
+            <a:r>
+              <a:rPr sz="2200" b="0" i="0" dirty="0" err="1">
+                <a:solidFill>
+                  <a:schemeClr val="tx1"/>
+                </a:solidFill>
+                <a:latin typeface="Caladea"/>
+                <a:ea typeface="Caladea"/>
+                <a:cs typeface="Caladea"/>
+              </a:rPr>
+              <a:t>dimensioni</a:t>
+            </a:r>
+            <a:r>
+              <a:rPr sz="2200" b="0" i="0" dirty="0">
+                <a:solidFill>
+                  <a:schemeClr val="tx1"/>
+                </a:solidFill>
+                <a:latin typeface="Caladea"/>
+                <a:ea typeface="Caladea"/>
+                <a:cs typeface="Caladea"/>
+              </a:rPr>
+              <a:t> e un</a:t>
+            </a:r>
+            <a:r>
+              <a:rPr lang="it-IT" sz="2200" b="0" i="0" dirty="0">
+                <a:solidFill>
+                  <a:schemeClr val="tx1"/>
+                </a:solidFill>
+                <a:latin typeface="Caladea"/>
+                <a:ea typeface="Caladea"/>
+                <a:cs typeface="Caladea"/>
+              </a:rPr>
+              <a:t> </a:t>
+            </a:r>
+            <a:r>
+              <a:rPr sz="2200" b="0" i="0" dirty="0" err="1">
+                <a:solidFill>
+                  <a:schemeClr val="tx1"/>
+                </a:solidFill>
+                <a:latin typeface="Caladea"/>
+                <a:ea typeface="Caladea"/>
+                <a:cs typeface="Caladea"/>
+              </a:rPr>
+              <a:t>altro</a:t>
+            </a:r>
+            <a:r>
+              <a:rPr sz="2200" b="0" i="0" dirty="0">
+                <a:solidFill>
+                  <a:schemeClr val="tx1"/>
+                </a:solidFill>
+                <a:latin typeface="Caladea"/>
+                <a:ea typeface="Caladea"/>
+                <a:cs typeface="Caladea"/>
+              </a:rPr>
+              <a:t>.</a:t>
+            </a:r>
           </a:p>
         </p:txBody>
       </p:sp>
       <p:pic>
         <p:nvPicPr>
-          <p:cNvPr id="1754298503" name=""/>
+          <p:cNvPr id="1754298503" name="Immagine 1754298502"/>
           <p:cNvPicPr>
             <a:picLocks noChangeAspect="1"/>
           </p:cNvPicPr>
@@ -13546,7 +17976,7 @@
           <a:stretch/>
         </p:blipFill>
         <p:spPr bwMode="auto">
-          <a:xfrm flipH="0" flipV="0">
+          <a:xfrm>
             <a:off x="1100460" y="2890593"/>
             <a:ext cx="3395898" cy="3375191"/>
           </a:xfrm>
@@ -13564,13 +17994,13 @@
           <p:nvPr/>
         </p:nvSpPr>
         <p:spPr bwMode="auto">
-          <a:xfrm flipH="0" flipV="0">
+          <a:xfrm>
             <a:off x="6232998" y="2996213"/>
             <a:ext cx="5351439" cy="556155"/>
           </a:xfrm>
         </p:spPr>
         <p:txBody>
-          <a:bodyPr vertOverflow="overflow" horzOverflow="overflow" vert="horz" wrap="square" lIns="91440" tIns="45720" rIns="91440" bIns="45720" numCol="1" spcCol="0" rtlCol="0" fromWordArt="0" anchor="ctr" anchorCtr="0" forceAA="0" upright="0" compatLnSpc="0">
+          <a:bodyPr vertOverflow="overflow" horzOverflow="overflow" vert="horz" wrap="square" lIns="91440" tIns="45720" rIns="91440" bIns="45720" numCol="1" spcCol="0" rtlCol="0" fromWordArt="0" anchor="ctr" anchorCtr="0" forceAA="0" compatLnSpc="0">
             <a:normAutofit/>
           </a:bodyPr>
           <a:lstStyle>
@@ -13596,14 +18026,54 @@
               <a:defRPr/>
             </a:pPr>
             <a:r>
-              <a:rPr sz="2600">
-                <a:latin typeface="Caladea"/>
-                <a:ea typeface="Caladea"/>
-                <a:cs typeface="Caladea"/>
-              </a:rPr>
-              <a:t>Applicazioni piu rilevanti?</a:t>
-            </a:r>
-            <a:endParaRPr sz="2600">
+              <a:rPr sz="2600" dirty="0" err="1">
+                <a:latin typeface="Caladea"/>
+                <a:ea typeface="Caladea"/>
+                <a:cs typeface="Caladea"/>
+              </a:rPr>
+              <a:t>Applicazioni</a:t>
+            </a:r>
+            <a:r>
+              <a:rPr sz="2600" dirty="0">
+                <a:latin typeface="Caladea"/>
+                <a:ea typeface="Caladea"/>
+                <a:cs typeface="Caladea"/>
+              </a:rPr>
+              <a:t> pi</a:t>
+            </a:r>
+            <a:r>
+              <a:rPr lang="it-IT" sz="2600" dirty="0">
+                <a:latin typeface="Caladea"/>
+                <a:ea typeface="Caladea"/>
+                <a:cs typeface="Caladea"/>
+              </a:rPr>
+              <a:t>ù</a:t>
+            </a:r>
+            <a:r>
+              <a:rPr sz="2600" dirty="0">
+                <a:latin typeface="Caladea"/>
+                <a:ea typeface="Caladea"/>
+                <a:cs typeface="Caladea"/>
+              </a:rPr>
+              <a:t> </a:t>
+            </a:r>
+            <a:r>
+              <a:rPr sz="2600" dirty="0" err="1">
+                <a:latin typeface="Caladea"/>
+                <a:ea typeface="Caladea"/>
+                <a:cs typeface="Caladea"/>
+              </a:rPr>
+              <a:t>rilevanti</a:t>
+            </a:r>
+            <a:r>
+              <a:rPr sz="2600" dirty="0">
+                <a:latin typeface="Caladea"/>
+                <a:ea typeface="Caladea"/>
+                <a:cs typeface="Caladea"/>
+              </a:rPr>
+              <a:t>?</a:t>
+            </a:r>
+            <a:endParaRPr sz="2600" dirty="0">
               <a:latin typeface="Caladea"/>
               <a:cs typeface="Caladea"/>
             </a:endParaRPr>
@@ -13612,36 +18082,55 @@
       </p:sp>
       <p:graphicFrame>
         <p:nvGraphicFramePr>
-          <p:cNvPr id="2071495823" name=""/>
+          <p:cNvPr id="2071495823" name="Tabella 2071495822"/>
           <p:cNvGraphicFramePr>
-            <a:graphicFrameLocks xmlns:a="http://schemas.openxmlformats.org/drawingml/2006/main"/>
+            <a:graphicFrameLocks/>
           </p:cNvGraphicFramePr>
-          <p:nvPr/>
+          <p:nvPr>
+            <p:extLst>
+              <p:ext uri="{D42A27DB-BD31-4B8C-83A1-F6EECF244321}">
+                <p14:modId xmlns:p14="http://schemas.microsoft.com/office/powerpoint/2010/main" val="1019478505"/>
+              </p:ext>
+            </p:extLst>
+          </p:nvPr>
         </p:nvGraphicFramePr>
         <p:xfrm>
           <a:off x="5199174" y="3736524"/>
-          <a:ext cx="5935272" cy="1109979"/>
+          <a:ext cx="6664479" cy="2080197"/>
         </p:xfrm>
         <a:graphic>
           <a:graphicData uri="http://schemas.openxmlformats.org/drawingml/2006/table">
             <a:tbl>
-              <a:tblPr firstRow="1" firstCol="0" lastRow="0" lastCol="0" bandRow="1" bandCol="0">
+              <a:tblPr firstRow="1" bandRow="1">
                 <a:tableStyleId>{0505E3EF-67EA-436B-97B2-0124C06EBD24}</a:tableStyleId>
               </a:tblPr>
               <a:tblGrid>
-                <a:gridCol w="2250000"/>
-                <a:gridCol w="4414479"/>
+                <a:gridCol w="2250000">
+                  <a:extLst>
+                    <a:ext uri="{9D8B030D-6E8A-4147-A177-3AD203B41FA5}">
+                      <a16:colId xmlns:a16="http://schemas.microsoft.com/office/drawing/2014/main" val="20000"/>
+                    </a:ext>
+                  </a:extLst>
+                </a:gridCol>
+                <a:gridCol w="4414479">
+                  <a:extLst>
+                    <a:ext uri="{9D8B030D-6E8A-4147-A177-3AD203B41FA5}">
+                      <a16:colId xmlns:a16="http://schemas.microsoft.com/office/drawing/2014/main" val="20001"/>
+                    </a:ext>
+                  </a:extLst>
+                </a:gridCol>
               </a:tblGrid>
               <a:tr h="678226">
                 <a:tc>
                   <a:txBody>
                     <a:bodyPr/>
+                    <a:lstStyle/>
                     <a:p>
                       <a:pPr algn="ctr">
                         <a:defRPr/>
                       </a:pPr>
                       <a:r>
-                        <a:rPr sz="1200" b="1" i="0" u="none">
+                        <a:rPr lang="it-IT" sz="1200" b="1" i="0" u="none" dirty="0">
                           <a:solidFill>
                             <a:schemeClr val="tx1"/>
                           </a:solidFill>
@@ -13649,9 +18138,9 @@
                           <a:ea typeface="Caladea"/>
                           <a:cs typeface="Caladea"/>
                         </a:rPr>
-                        <a:t>Riconoscimento immagini</a:t>
+                        <a:t>Filtri Spam</a:t>
                       </a:r>
-                      <a:endParaRPr sz="1200">
+                      <a:endParaRPr sz="1200" dirty="0">
                         <a:solidFill>
                           <a:schemeClr val="tx1"/>
                         </a:solidFill>
@@ -13665,12 +18154,13 @@
                 <a:tc>
                   <a:txBody>
                     <a:bodyPr/>
+                    <a:lstStyle/>
                     <a:p>
                       <a:pPr algn="l">
                         <a:defRPr/>
                       </a:pPr>
                       <a:r>
-                        <a:rPr sz="1400" b="0" i="0" u="none">
+                        <a:rPr lang="it-IT" sz="1400" b="0" i="0" u="none" dirty="0">
                           <a:solidFill>
                             <a:schemeClr val="tx1"/>
                           </a:solidFill>
@@ -13678,9 +18168,9 @@
                           <a:ea typeface="Caladea"/>
                           <a:cs typeface="Caladea"/>
                         </a:rPr>
-                        <a:t>Classificazione di foto di piante o animali in base a esempi già etichettati.</a:t>
+                        <a:t>Classificare le e-mail in arrivo come spam o non spam, misurando la somiglianza con esempi già etichettati.</a:t>
                       </a:r>
-                      <a:endParaRPr sz="1400">
+                      <a:endParaRPr sz="1400" dirty="0">
                         <a:solidFill>
                           <a:schemeClr val="tx1"/>
                         </a:solidFill>
@@ -13691,17 +18181,23 @@
                   </a:txBody>
                   <a:tcPr anchor="ctr"/>
                 </a:tc>
+                <a:extLst>
+                  <a:ext uri="{0D108BD9-81ED-4DB2-BD59-A6C34878D82A}">
+                    <a16:rowId xmlns:a16="http://schemas.microsoft.com/office/drawing/2014/main" val="10000"/>
+                  </a:ext>
+                </a:extLst>
               </a:tr>
               <a:tr h="723745">
                 <a:tc>
                   <a:txBody>
                     <a:bodyPr/>
+                    <a:lstStyle/>
                     <a:p>
                       <a:pPr algn="ctr">
                         <a:defRPr/>
                       </a:pPr>
                       <a:r>
-                        <a:rPr sz="1200" b="1" i="0" u="none">
+                        <a:rPr sz="1200" b="1" i="0" u="none" dirty="0" err="1">
                           <a:solidFill>
                             <a:schemeClr val="tx1"/>
                           </a:solidFill>
@@ -13709,9 +18205,31 @@
                           <a:ea typeface="Caladea"/>
                           <a:cs typeface="Caladea"/>
                         </a:rPr>
-                        <a:t>Diagnostica medica</a:t>
+                        <a:t>Diagnostica</a:t>
                       </a:r>
-                      <a:endParaRPr sz="1200">
+                      <a:r>
+                        <a:rPr sz="1200" b="1" i="0" u="none" dirty="0">
+                          <a:solidFill>
+                            <a:schemeClr val="tx1"/>
+                          </a:solidFill>
+                          <a:latin typeface="Caladea"/>
+                          <a:ea typeface="Caladea"/>
+                          <a:cs typeface="Caladea"/>
+                        </a:rPr>
+                        <a:t> </a:t>
+                      </a:r>
+                      <a:r>
+                        <a:rPr sz="1200" b="1" i="0" u="none" dirty="0" err="1">
+                          <a:solidFill>
+                            <a:schemeClr val="tx1"/>
+                          </a:solidFill>
+                          <a:latin typeface="Caladea"/>
+                          <a:ea typeface="Caladea"/>
+                          <a:cs typeface="Caladea"/>
+                        </a:rPr>
+                        <a:t>medica</a:t>
+                      </a:r>
+                      <a:endParaRPr sz="1200" dirty="0">
                         <a:solidFill>
                           <a:schemeClr val="tx1"/>
                         </a:solidFill>
@@ -13725,12 +18243,13 @@
                 <a:tc>
                   <a:txBody>
                     <a:bodyPr/>
+                    <a:lstStyle/>
                     <a:p>
                       <a:pPr algn="l">
                         <a:defRPr/>
                       </a:pPr>
                       <a:r>
-                        <a:rPr sz="1400" b="0" i="0" u="none">
+                        <a:rPr sz="1400" b="0" i="0" u="none" dirty="0" err="1">
                           <a:solidFill>
                             <a:schemeClr val="tx1"/>
                           </a:solidFill>
@@ -13738,9 +18257,174 @@
                           <a:ea typeface="Caladea"/>
                           <a:cs typeface="Caladea"/>
                         </a:rPr>
-                        <a:t>Predire la tipologia di tumore confrontando le caratteristiche di un nuovo paziente con casi noti.</a:t>
+                        <a:t>Predire</a:t>
                       </a:r>
-                      <a:endParaRPr sz="1400">
+                      <a:r>
+                        <a:rPr sz="1400" b="0" i="0" u="none" dirty="0">
+                          <a:solidFill>
+                            <a:schemeClr val="tx1"/>
+                          </a:solidFill>
+                          <a:latin typeface="Caladea"/>
+                          <a:ea typeface="Caladea"/>
+                          <a:cs typeface="Caladea"/>
+                        </a:rPr>
+                        <a:t> la </a:t>
+                      </a:r>
+                      <a:r>
+                        <a:rPr sz="1400" b="0" i="0" u="none" dirty="0" err="1">
+                          <a:solidFill>
+                            <a:schemeClr val="tx1"/>
+                          </a:solidFill>
+                          <a:latin typeface="Caladea"/>
+                          <a:ea typeface="Caladea"/>
+                          <a:cs typeface="Caladea"/>
+                        </a:rPr>
+                        <a:t>tipologia</a:t>
+                      </a:r>
+                      <a:r>
+                        <a:rPr sz="1400" b="0" i="0" u="none" dirty="0">
+                          <a:solidFill>
+                            <a:schemeClr val="tx1"/>
+                          </a:solidFill>
+                          <a:latin typeface="Caladea"/>
+                          <a:ea typeface="Caladea"/>
+                          <a:cs typeface="Caladea"/>
+                        </a:rPr>
+                        <a:t> di </a:t>
+                      </a:r>
+                      <a:r>
+                        <a:rPr sz="1400" b="0" i="0" u="none" dirty="0" err="1">
+                          <a:solidFill>
+                            <a:schemeClr val="tx1"/>
+                          </a:solidFill>
+                          <a:latin typeface="Caladea"/>
+                          <a:ea typeface="Caladea"/>
+                          <a:cs typeface="Caladea"/>
+                        </a:rPr>
+                        <a:t>tumore</a:t>
+                      </a:r>
+                      <a:r>
+                        <a:rPr sz="1400" b="0" i="0" u="none" dirty="0">
+                          <a:solidFill>
+                            <a:schemeClr val="tx1"/>
+                          </a:solidFill>
+                          <a:latin typeface="Caladea"/>
+                          <a:ea typeface="Caladea"/>
+                          <a:cs typeface="Caladea"/>
+                        </a:rPr>
+                        <a:t> </a:t>
+                      </a:r>
+                      <a:r>
+                        <a:rPr sz="1400" b="0" i="0" u="none" dirty="0" err="1">
+                          <a:solidFill>
+                            <a:schemeClr val="tx1"/>
+                          </a:solidFill>
+                          <a:latin typeface="Caladea"/>
+                          <a:ea typeface="Caladea"/>
+                          <a:cs typeface="Caladea"/>
+                        </a:rPr>
+                        <a:t>confrontando</a:t>
+                      </a:r>
+                      <a:r>
+                        <a:rPr sz="1400" b="0" i="0" u="none" dirty="0">
+                          <a:solidFill>
+                            <a:schemeClr val="tx1"/>
+                          </a:solidFill>
+                          <a:latin typeface="Caladea"/>
+                          <a:ea typeface="Caladea"/>
+                          <a:cs typeface="Caladea"/>
+                        </a:rPr>
+                        <a:t> le </a:t>
+                      </a:r>
+                      <a:r>
+                        <a:rPr sz="1400" b="0" i="0" u="none" dirty="0" err="1">
+                          <a:solidFill>
+                            <a:schemeClr val="tx1"/>
+                          </a:solidFill>
+                          <a:latin typeface="Caladea"/>
+                          <a:ea typeface="Caladea"/>
+                          <a:cs typeface="Caladea"/>
+                        </a:rPr>
+                        <a:t>caratteristiche</a:t>
+                      </a:r>
+                      <a:r>
+                        <a:rPr sz="1400" b="0" i="0" u="none" dirty="0">
+                          <a:solidFill>
+                            <a:schemeClr val="tx1"/>
+                          </a:solidFill>
+                          <a:latin typeface="Caladea"/>
+                          <a:ea typeface="Caladea"/>
+                          <a:cs typeface="Caladea"/>
+                        </a:rPr>
+                        <a:t> di un nuovo </a:t>
+                      </a:r>
+                      <a:r>
+                        <a:rPr sz="1400" b="0" i="0" u="none" dirty="0" err="1">
+                          <a:solidFill>
+                            <a:schemeClr val="tx1"/>
+                          </a:solidFill>
+                          <a:latin typeface="Caladea"/>
+                          <a:ea typeface="Caladea"/>
+                          <a:cs typeface="Caladea"/>
+                        </a:rPr>
+                        <a:t>paziente</a:t>
+                      </a:r>
+                      <a:r>
+                        <a:rPr sz="1400" b="0" i="0" u="none" dirty="0">
+                          <a:solidFill>
+                            <a:schemeClr val="tx1"/>
+                          </a:solidFill>
+                          <a:latin typeface="Caladea"/>
+                          <a:ea typeface="Caladea"/>
+                          <a:cs typeface="Caladea"/>
+                        </a:rPr>
+                        <a:t> con </a:t>
+                      </a:r>
+                      <a:r>
+                        <a:rPr sz="1400" b="0" i="0" u="none" dirty="0" err="1">
+                          <a:solidFill>
+                            <a:schemeClr val="tx1"/>
+                          </a:solidFill>
+                          <a:latin typeface="Caladea"/>
+                          <a:ea typeface="Caladea"/>
+                          <a:cs typeface="Caladea"/>
+                        </a:rPr>
+                        <a:t>casi</a:t>
+                      </a:r>
+                      <a:r>
+                        <a:rPr sz="1400" b="0" i="0" u="none" dirty="0">
+                          <a:solidFill>
+                            <a:schemeClr val="tx1"/>
+                          </a:solidFill>
+                          <a:latin typeface="Caladea"/>
+                          <a:ea typeface="Caladea"/>
+                          <a:cs typeface="Caladea"/>
+                        </a:rPr>
+                        <a:t> </a:t>
+                      </a:r>
+                      <a:r>
+                        <a:rPr sz="1400" b="0" i="0" u="none" dirty="0" err="1">
+                          <a:solidFill>
+                            <a:schemeClr val="tx1"/>
+                          </a:solidFill>
+                          <a:latin typeface="Caladea"/>
+                          <a:ea typeface="Caladea"/>
+                          <a:cs typeface="Caladea"/>
+                        </a:rPr>
+                        <a:t>noti</a:t>
+                      </a:r>
+                      <a:r>
+                        <a:rPr sz="1400" b="0" i="0" u="none" dirty="0">
+                          <a:solidFill>
+                            <a:schemeClr val="tx1"/>
+                          </a:solidFill>
+                          <a:latin typeface="Caladea"/>
+                          <a:ea typeface="Caladea"/>
+                          <a:cs typeface="Caladea"/>
+                        </a:rPr>
+                        <a:t>.</a:t>
+                      </a:r>
+                      <a:endParaRPr sz="1400" dirty="0">
                         <a:solidFill>
                           <a:schemeClr val="tx1"/>
                         </a:solidFill>
@@ -13751,11 +18435,17 @@
                   </a:txBody>
                   <a:tcPr anchor="ctr"/>
                 </a:tc>
+                <a:extLst>
+                  <a:ext uri="{0D108BD9-81ED-4DB2-BD59-A6C34878D82A}">
+                    <a16:rowId xmlns:a16="http://schemas.microsoft.com/office/drawing/2014/main" val="10001"/>
+                  </a:ext>
+                </a:extLst>
               </a:tr>
               <a:tr h="678226">
                 <a:tc>
                   <a:txBody>
                     <a:bodyPr/>
+                    <a:lstStyle/>
                     <a:p>
                       <a:pPr algn="ctr">
                         <a:defRPr/>
@@ -13785,12 +18475,13 @@
                 <a:tc>
                   <a:txBody>
                     <a:bodyPr/>
+                    <a:lstStyle/>
                     <a:p>
                       <a:pPr algn="l">
                         <a:defRPr/>
                       </a:pPr>
                       <a:r>
-                        <a:rPr sz="1400" b="0" i="0" u="none">
+                        <a:rPr sz="1400" b="0" i="0" u="none" dirty="0" err="1">
                           <a:solidFill>
                             <a:schemeClr val="tx1"/>
                           </a:solidFill>
@@ -13798,9 +18489,196 @@
                           <a:ea typeface="Caladea"/>
                           <a:cs typeface="Caladea"/>
                         </a:rPr>
-                        <a:t>Suggerire prodotti simili a quelli già acquistati da utenti con gusti analoghi.</a:t>
+                        <a:t>Suggerire</a:t>
                       </a:r>
-                      <a:endParaRPr sz="1400">
+                      <a:r>
+                        <a:rPr sz="1400" b="0" i="0" u="none" dirty="0">
+                          <a:solidFill>
+                            <a:schemeClr val="tx1"/>
+                          </a:solidFill>
+                          <a:latin typeface="Caladea"/>
+                          <a:ea typeface="Caladea"/>
+                          <a:cs typeface="Caladea"/>
+                        </a:rPr>
+                        <a:t> </a:t>
+                      </a:r>
+                      <a:r>
+                        <a:rPr sz="1400" b="0" i="0" u="none" dirty="0" err="1">
+                          <a:solidFill>
+                            <a:schemeClr val="tx1"/>
+                          </a:solidFill>
+                          <a:latin typeface="Caladea"/>
+                          <a:ea typeface="Caladea"/>
+                          <a:cs typeface="Caladea"/>
+                        </a:rPr>
+                        <a:t>prodotti</a:t>
+                      </a:r>
+                      <a:r>
+                        <a:rPr sz="1400" b="0" i="0" u="none" dirty="0">
+                          <a:solidFill>
+                            <a:schemeClr val="tx1"/>
+                          </a:solidFill>
+                          <a:latin typeface="Caladea"/>
+                          <a:ea typeface="Caladea"/>
+                          <a:cs typeface="Caladea"/>
+                        </a:rPr>
+                        <a:t> </a:t>
+                      </a:r>
+                      <a:r>
+                        <a:rPr sz="1400" b="0" i="0" u="none" dirty="0" err="1">
+                          <a:solidFill>
+                            <a:schemeClr val="tx1"/>
+                          </a:solidFill>
+                          <a:latin typeface="Caladea"/>
+                          <a:ea typeface="Caladea"/>
+                          <a:cs typeface="Caladea"/>
+                        </a:rPr>
+                        <a:t>simili</a:t>
+                      </a:r>
+                      <a:r>
+                        <a:rPr sz="1400" b="0" i="0" u="none" dirty="0">
+                          <a:solidFill>
+                            <a:schemeClr val="tx1"/>
+                          </a:solidFill>
+                          <a:latin typeface="Caladea"/>
+                          <a:ea typeface="Caladea"/>
+                          <a:cs typeface="Caladea"/>
+                        </a:rPr>
+                        <a:t> a </a:t>
+                      </a:r>
+                      <a:r>
+                        <a:rPr sz="1400" b="0" i="0" u="none" dirty="0" err="1">
+                          <a:solidFill>
+                            <a:schemeClr val="tx1"/>
+                          </a:solidFill>
+                          <a:latin typeface="Caladea"/>
+                          <a:ea typeface="Caladea"/>
+                          <a:cs typeface="Caladea"/>
+                        </a:rPr>
+                        <a:t>quelli</a:t>
+                      </a:r>
+                      <a:r>
+                        <a:rPr sz="1400" b="0" i="0" u="none" dirty="0">
+                          <a:solidFill>
+                            <a:schemeClr val="tx1"/>
+                          </a:solidFill>
+                          <a:latin typeface="Caladea"/>
+                          <a:ea typeface="Caladea"/>
+                          <a:cs typeface="Caladea"/>
+                        </a:rPr>
+                        <a:t> </a:t>
+                      </a:r>
+                      <a:r>
+                        <a:rPr sz="1400" b="0" i="0" u="none" dirty="0" err="1">
+                          <a:solidFill>
+                            <a:schemeClr val="tx1"/>
+                          </a:solidFill>
+                          <a:latin typeface="Caladea"/>
+                          <a:ea typeface="Caladea"/>
+                          <a:cs typeface="Caladea"/>
+                        </a:rPr>
+                        <a:t>già</a:t>
+                      </a:r>
+                      <a:r>
+                        <a:rPr sz="1400" b="0" i="0" u="none" dirty="0">
+                          <a:solidFill>
+                            <a:schemeClr val="tx1"/>
+                          </a:solidFill>
+                          <a:latin typeface="Caladea"/>
+                          <a:ea typeface="Caladea"/>
+                          <a:cs typeface="Caladea"/>
+                        </a:rPr>
+                        <a:t> </a:t>
+                      </a:r>
+                      <a:r>
+                        <a:rPr sz="1400" b="0" i="0" u="none" dirty="0" err="1">
+                          <a:solidFill>
+                            <a:schemeClr val="tx1"/>
+                          </a:solidFill>
+                          <a:latin typeface="Caladea"/>
+                          <a:ea typeface="Caladea"/>
+                          <a:cs typeface="Caladea"/>
+                        </a:rPr>
+                        <a:t>acquistati</a:t>
+                      </a:r>
+                      <a:r>
+                        <a:rPr sz="1400" b="0" i="0" u="none" dirty="0">
+                          <a:solidFill>
+                            <a:schemeClr val="tx1"/>
+                          </a:solidFill>
+                          <a:latin typeface="Caladea"/>
+                          <a:ea typeface="Caladea"/>
+                          <a:cs typeface="Caladea"/>
+                        </a:rPr>
+                        <a:t> da </a:t>
+                      </a:r>
+                      <a:r>
+                        <a:rPr sz="1400" b="0" i="0" u="none" dirty="0" err="1">
+                          <a:solidFill>
+                            <a:schemeClr val="tx1"/>
+                          </a:solidFill>
+                          <a:latin typeface="Caladea"/>
+                          <a:ea typeface="Caladea"/>
+                          <a:cs typeface="Caladea"/>
+                        </a:rPr>
+                        <a:t>utenti</a:t>
+                      </a:r>
+                      <a:r>
+                        <a:rPr sz="1400" b="0" i="0" u="none" dirty="0">
+                          <a:solidFill>
+                            <a:schemeClr val="tx1"/>
+                          </a:solidFill>
+                          <a:latin typeface="Caladea"/>
+                          <a:ea typeface="Caladea"/>
+                          <a:cs typeface="Caladea"/>
+                        </a:rPr>
+                        <a:t> con </a:t>
+                      </a:r>
+                      <a:r>
+                        <a:rPr sz="1400" b="0" i="0" u="none" dirty="0" err="1">
+                          <a:solidFill>
+                            <a:schemeClr val="tx1"/>
+                          </a:solidFill>
+                          <a:latin typeface="Caladea"/>
+                          <a:ea typeface="Caladea"/>
+                          <a:cs typeface="Caladea"/>
+                        </a:rPr>
+                        <a:t>gusti</a:t>
+                      </a:r>
+                      <a:r>
+                        <a:rPr sz="1400" b="0" i="0" u="none" dirty="0">
+                          <a:solidFill>
+                            <a:schemeClr val="tx1"/>
+                          </a:solidFill>
+                          <a:latin typeface="Caladea"/>
+                          <a:ea typeface="Caladea"/>
+                          <a:cs typeface="Caladea"/>
+                        </a:rPr>
+                        <a:t> </a:t>
+                      </a:r>
+                      <a:r>
+                        <a:rPr sz="1400" b="0" i="0" u="none" dirty="0" err="1">
+                          <a:solidFill>
+                            <a:schemeClr val="tx1"/>
+                          </a:solidFill>
+                          <a:latin typeface="Caladea"/>
+                          <a:ea typeface="Caladea"/>
+                          <a:cs typeface="Caladea"/>
+                        </a:rPr>
+                        <a:t>analoghi</a:t>
+                      </a:r>
+                      <a:r>
+                        <a:rPr sz="1400" b="0" i="0" u="none" dirty="0">
+                          <a:solidFill>
+                            <a:schemeClr val="tx1"/>
+                          </a:solidFill>
+                          <a:latin typeface="Caladea"/>
+                          <a:ea typeface="Caladea"/>
+                          <a:cs typeface="Caladea"/>
+                        </a:rPr>
+                        <a:t>.</a:t>
+                      </a:r>
+                      <a:endParaRPr sz="1400" dirty="0">
                         <a:solidFill>
                           <a:schemeClr val="tx1"/>
                         </a:solidFill>
@@ -13811,6 +18689,11 @@
                   </a:txBody>
                   <a:tcPr anchor="ctr"/>
                 </a:tc>
+                <a:extLst>
+                  <a:ext uri="{0D108BD9-81ED-4DB2-BD59-A6C34878D82A}">
+                    <a16:rowId xmlns:a16="http://schemas.microsoft.com/office/drawing/2014/main" val="10002"/>
+                  </a:ext>
+                </a:extLst>
               </a:tr>
             </a:tbl>
           </a:graphicData>
@@ -13821,19 +18704,115 @@
   <p:clrMapOvr>
     <a:masterClrMapping/>
   </p:clrMapOvr>
-  <mc:AlternateContent xmlns:mc="http://schemas.openxmlformats.org/markup-compatibility/2006">
-    <mc:Choice xmlns:p159="http://schemas.microsoft.com/office/powerpoint/2015/09/main" xmlns:p14="http://schemas.microsoft.com/office/powerpoint/2010/main" Requires="p159">
-      <p:transition p14:dur="2000" advClick="1"/>
-    </mc:Choice>
-    <mc:Fallback>
-      <p:transition advClick="1"/>
-    </mc:Fallback>
-  </mc:AlternateContent>
+</p:sld>
+</file>
+
+<file path=ppt/slides/slide9.xml><?xml version="1.0" encoding="utf-8"?>
+<p:sld xmlns:a="http://schemas.openxmlformats.org/drawingml/2006/main" xmlns:r="http://schemas.openxmlformats.org/officeDocument/2006/relationships" xmlns:p="http://schemas.openxmlformats.org/presentationml/2006/main">
+  <p:cSld>
+    <p:spTree>
+      <p:nvGrpSpPr>
+        <p:cNvPr id="1" name=""/>
+        <p:cNvGrpSpPr/>
+        <p:nvPr/>
+      </p:nvGrpSpPr>
+      <p:grpSpPr>
+        <a:xfrm>
+          <a:off x="0" y="0"/>
+          <a:ext cx="0" cy="0"/>
+          <a:chOff x="0" y="0"/>
+          <a:chExt cx="0" cy="0"/>
+        </a:xfrm>
+      </p:grpSpPr>
+      <p:sp>
+        <p:nvSpPr>
+          <p:cNvPr id="2" name="Titolo 1">
+            <a:extLst>
+              <a:ext uri="{FF2B5EF4-FFF2-40B4-BE49-F238E27FC236}">
+                <a16:creationId xmlns:a16="http://schemas.microsoft.com/office/drawing/2014/main" id="{C16B1258-CACC-4D23-A1F9-2F5EA0CE5391}"/>
+              </a:ext>
+            </a:extLst>
+          </p:cNvPr>
+          <p:cNvSpPr>
+            <a:spLocks noGrp="1"/>
+          </p:cNvSpPr>
+          <p:nvPr>
+            <p:ph type="title"/>
+          </p:nvPr>
+        </p:nvSpPr>
+        <p:spPr>
+          <a:xfrm>
+            <a:off x="1788816" y="1053295"/>
+            <a:ext cx="8614367" cy="1388601"/>
+          </a:xfrm>
+        </p:spPr>
+        <p:txBody>
+          <a:bodyPr/>
+          <a:lstStyle/>
+          <a:p>
+            <a:r>
+              <a:rPr lang="it-IT" dirty="0"/>
+              <a:t>Ora tocca a voi!</a:t>
+            </a:r>
+          </a:p>
+        </p:txBody>
+      </p:sp>
+      <p:pic>
+        <p:nvPicPr>
+          <p:cNvPr id="4" name="Segnaposto contenuto 3">
+            <a:extLst>
+              <a:ext uri="{FF2B5EF4-FFF2-40B4-BE49-F238E27FC236}">
+                <a16:creationId xmlns:a16="http://schemas.microsoft.com/office/drawing/2014/main" id="{5B7AFE9F-14AC-4754-A056-CBB05A776DF9}"/>
+              </a:ext>
+            </a:extLst>
+          </p:cNvPr>
+          <p:cNvPicPr>
+            <a:picLocks noGrp="1"/>
+          </p:cNvPicPr>
+          <p:nvPr>
+            <p:ph idx="1"/>
+          </p:nvPr>
+        </p:nvPicPr>
+        <p:blipFill>
+          <a:blip r:embed="rId2">
+            <a:lum/>
+            <a:alphaModFix/>
+          </a:blip>
+          <a:srcRect/>
+          <a:stretch>
+            <a:fillRect/>
+          </a:stretch>
+        </p:blipFill>
+        <p:spPr>
+          <a:xfrm>
+            <a:off x="4292932" y="2441896"/>
+            <a:ext cx="3606134" cy="3436378"/>
+          </a:xfrm>
+          <a:prstGeom prst="rect">
+            <a:avLst/>
+          </a:prstGeom>
+          <a:noFill/>
+          <a:ln>
+            <a:noFill/>
+            <a:prstDash/>
+          </a:ln>
+        </p:spPr>
+      </p:pic>
+    </p:spTree>
+    <p:extLst>
+      <p:ext uri="{BB962C8B-B14F-4D97-AF65-F5344CB8AC3E}">
+        <p14:creationId xmlns:p14="http://schemas.microsoft.com/office/powerpoint/2010/main" val="3348928899"/>
+      </p:ext>
+    </p:extLst>
+  </p:cSld>
+  <p:clrMapOvr>
+    <a:masterClrMapping/>
+  </p:clrMapOvr>
 </p:sld>
 </file>
 
 <file path=ppt/theme/theme1.xml><?xml version="1.0" encoding="utf-8"?>
-<a:theme xmlns:a="http://schemas.openxmlformats.org/drawingml/2006/main" xmlns:r="http://schemas.openxmlformats.org/officeDocument/2006/relationships" xmlns:p="http://schemas.openxmlformats.org/presentationml/2006/main" name="Basic">
+<a:theme xmlns:a="http://schemas.openxmlformats.org/drawingml/2006/main" name="Basic">
   <a:themeElements>
     <a:clrScheme name="Color">
       <a:dk1>
@@ -14049,11 +19028,12 @@
     </a:fmtScheme>
   </a:themeElements>
   <a:objectDefaults/>
+  <a:extraClrSchemeLst/>
 </a:theme>
 </file>
 
 <file path=ppt/theme/theme2.xml><?xml version="1.0" encoding="utf-8"?>
-<a:theme xmlns:a="http://schemas.openxmlformats.org/drawingml/2006/main" xmlns:r="http://schemas.openxmlformats.org/officeDocument/2006/relationships" xmlns:p="http://schemas.openxmlformats.org/presentationml/2006/main" name="Office Theme">
+<a:theme xmlns:a="http://schemas.openxmlformats.org/drawingml/2006/main" name="Office Theme">
   <a:themeElements>
     <a:clrScheme name="Office">
       <a:dk1>
@@ -14244,5 +19224,6 @@
     </a:fmtScheme>
   </a:themeElements>
   <a:objectDefaults/>
+  <a:extraClrSchemeLst/>
 </a:theme>
 </file>